--- a/Excel-at-Excel.pptx
+++ b/Excel-at-Excel.pptx
@@ -2,7 +2,7 @@
 <file path=ppt/presentation.xml><?xml version="1.0" encoding="utf-8"?>
 <p:presentation xmlns:a="http://schemas.openxmlformats.org/drawingml/2006/main" xmlns:r="http://schemas.openxmlformats.org/officeDocument/2006/relationships" xmlns:p="http://schemas.openxmlformats.org/presentationml/2006/main" saveSubsetFonts="1">
   <p:sldMasterIdLst>
-    <p:sldMasterId id="2147483648" r:id="rId1"/>
+    <p:sldMasterId id="2147483660" r:id="rId1"/>
   </p:sldMasterIdLst>
   <p:sldIdLst>
     <p:sldId id="256" r:id="rId2"/>
@@ -45,6 +45,7 @@
     <p:sldId id="292" r:id="rId39"/>
     <p:sldId id="293" r:id="rId40"/>
     <p:sldId id="294" r:id="rId41"/>
+    <p:sldId id="297" r:id="rId42"/>
   </p:sldIdLst>
   <p:sldSz cx="12192000" cy="6858000"/>
   <p:notesSz cx="6858000" cy="9144000"/>
@@ -143,11 +144,16 @@
       </a:defRPr>
     </a:lvl9pPr>
   </p:defaultTextStyle>
+  <p:extLst>
+    <p:ext uri="{EFAFB233-063F-42B5-8137-9DF3F51BA10A}">
+      <p15:sldGuideLst xmlns:p15="http://schemas.microsoft.com/office/powerpoint/2012/main"/>
+    </p:ext>
+  </p:extLst>
 </p:presentation>
 </file>
 
 <file path=ppt/charts/chart1.xml><?xml version="1.0" encoding="utf-8"?>
-<c:chartSpace xmlns:c="http://schemas.openxmlformats.org/drawingml/2006/chart" xmlns:a="http://schemas.openxmlformats.org/drawingml/2006/main" xmlns:r="http://schemas.openxmlformats.org/officeDocument/2006/relationships" xmlns:c16r2="http://schemas.microsoft.com/office/drawing/2015/06/chart">
+<c:chartSpace xmlns:c="http://schemas.openxmlformats.org/drawingml/2006/chart" xmlns:a="http://schemas.openxmlformats.org/drawingml/2006/main" xmlns:r="http://schemas.openxmlformats.org/officeDocument/2006/relationships">
   <c:date1904 val="0"/>
   <c:lang val="en-US"/>
   <c:roundedCorners val="0"/>
@@ -279,7 +285,7 @@
           <c:showSerName val="0"/>
           <c:showPercent val="1"/>
           <c:showBubbleSize val="0"/>
-          <c:extLst>
+          <c:extLst xmlns:c16r2="http://schemas.microsoft.com/office/drawing/2015/06/chart">
             <c:ext xmlns:c15="http://schemas.microsoft.com/office/drawing/2012/chart" uri="{CE6537A1-D6FC-4f65-9D91-7224C49458BB}">
               <c15:spPr xmlns:c15="http://schemas.microsoft.com/office/drawing/2012/chart">
                 <a:prstGeom prst="wedgeRectCallout">
@@ -355,7 +361,7 @@
           <c:showSerName val="0"/>
           <c:showPercent val="1"/>
           <c:showBubbleSize val="0"/>
-          <c:extLst>
+          <c:extLst xmlns:c16r2="http://schemas.microsoft.com/office/drawing/2015/06/chart">
             <c:ext xmlns:c15="http://schemas.microsoft.com/office/drawing/2012/chart" uri="{CE6537A1-D6FC-4f65-9D91-7224C49458BB}">
               <c15:spPr xmlns:c15="http://schemas.microsoft.com/office/drawing/2012/chart">
                 <a:prstGeom prst="wedgeRectCallout">
@@ -487,7 +493,7 @@
           <c:showSerName val="0"/>
           <c:showPercent val="1"/>
           <c:showBubbleSize val="0"/>
-          <c:extLst>
+          <c:extLst xmlns:c16r2="http://schemas.microsoft.com/office/drawing/2015/06/chart">
             <c:ext xmlns:c15="http://schemas.microsoft.com/office/drawing/2012/chart" uri="{CE6537A1-D6FC-4f65-9D91-7224C49458BB}">
               <c15:spPr xmlns:c15="http://schemas.microsoft.com/office/drawing/2012/chart">
                 <a:prstGeom prst="wedgeRectCallout">
@@ -583,7 +589,7 @@
               </a:ln>
               <a:effectLst/>
             </c:spPr>
-            <c:extLst>
+            <c:extLst xmlns:c16r2="http://schemas.microsoft.com/office/drawing/2015/06/chart">
               <c:ext xmlns:c16="http://schemas.microsoft.com/office/drawing/2014/chart" uri="{C3380CC4-5D6E-409C-BE32-E72D297353CC}">
                 <c16:uniqueId val="{00000001-7E67-4DCF-964A-BEAD02E162A7}"/>
               </c:ext>
@@ -603,7 +609,7 @@
               </a:ln>
               <a:effectLst/>
             </c:spPr>
-            <c:extLst>
+            <c:extLst xmlns:c16r2="http://schemas.microsoft.com/office/drawing/2015/06/chart">
               <c:ext xmlns:c16="http://schemas.microsoft.com/office/drawing/2014/chart" uri="{C3380CC4-5D6E-409C-BE32-E72D297353CC}">
                 <c16:uniqueId val="{00000003-7E67-4DCF-964A-BEAD02E162A7}"/>
               </c:ext>
@@ -623,7 +629,7 @@
               </a:ln>
               <a:effectLst/>
             </c:spPr>
-            <c:extLst>
+            <c:extLst xmlns:c16r2="http://schemas.microsoft.com/office/drawing/2015/06/chart">
               <c:ext xmlns:c16="http://schemas.microsoft.com/office/drawing/2014/chart" uri="{C3380CC4-5D6E-409C-BE32-E72D297353CC}">
                 <c16:uniqueId val="{00000005-7E67-4DCF-964A-BEAD02E162A7}"/>
               </c:ext>
@@ -643,7 +649,7 @@
               </a:ln>
               <a:effectLst/>
             </c:spPr>
-            <c:extLst>
+            <c:extLst xmlns:c16r2="http://schemas.microsoft.com/office/drawing/2015/06/chart">
               <c:ext xmlns:c16="http://schemas.microsoft.com/office/drawing/2014/chart" uri="{C3380CC4-5D6E-409C-BE32-E72D297353CC}">
                 <c16:uniqueId val="{00000007-7E67-4DCF-964A-BEAD02E162A7}"/>
               </c:ext>
@@ -708,7 +714,7 @@
                 <a:effectLst/>
               </c:spPr>
             </c:leaderLines>
-            <c:extLst>
+            <c:extLst xmlns:c16r2="http://schemas.microsoft.com/office/drawing/2015/06/chart">
               <c:ext xmlns:c15="http://schemas.microsoft.com/office/drawing/2012/chart" uri="{CE6537A1-D6FC-4f65-9D91-7224C49458BB}">
                 <c15:spPr xmlns:c15="http://schemas.microsoft.com/office/drawing/2012/chart">
                   <a:prstGeom prst="wedgeRectCallout">
@@ -745,20 +751,20 @@
               <c:formatCode>General</c:formatCode>
               <c:ptCount val="4"/>
               <c:pt idx="0">
-                <c:v>0.23814370848876357</c:v>
+                <c:v>0.238143708488764</c:v>
               </c:pt>
               <c:pt idx="1">
-                <c:v>0.25340013040972914</c:v>
+                <c:v>0.253400130409729</c:v>
               </c:pt>
               <c:pt idx="2">
-                <c:v>0.16397810329663667</c:v>
+                <c:v>0.163978103296637</c:v>
               </c:pt>
               <c:pt idx="3">
-                <c:v>0.34447805780487062</c:v>
+                <c:v>0.344478057804871</c:v>
               </c:pt>
             </c:numLit>
           </c:val>
-          <c:extLst>
+          <c:extLst xmlns:c16r2="http://schemas.microsoft.com/office/drawing/2015/06/chart">
             <c:ext xmlns:c16="http://schemas.microsoft.com/office/drawing/2014/chart" uri="{C3380CC4-5D6E-409C-BE32-E72D297353CC}">
               <c16:uniqueId val="{00000008-7E67-4DCF-964A-BEAD02E162A7}"/>
             </c:ext>
@@ -807,7 +813,7 @@
   <c:externalData r:id="rId3">
     <c:autoUpdate val="0"/>
   </c:externalData>
-  <c:extLst/>
+  <c:extLst xmlns:c16r2="http://schemas.microsoft.com/office/drawing/2015/06/chart"/>
 </c:chartSpace>
 </file>
 
@@ -1371,7 +1377,7 @@
 </file>
 
 <file path=ppt/slideLayouts/slideLayout1.xml><?xml version="1.0" encoding="utf-8"?>
-<p:sldLayout xmlns:a="http://schemas.openxmlformats.org/drawingml/2006/main" xmlns:r="http://schemas.openxmlformats.org/officeDocument/2006/relationships" xmlns:p="http://schemas.openxmlformats.org/presentationml/2006/main" type="title" preserve="1">
+<p:sldLayout xmlns:a="http://schemas.openxmlformats.org/drawingml/2006/main" xmlns:r="http://schemas.openxmlformats.org/officeDocument/2006/relationships" xmlns:p="http://schemas.openxmlformats.org/presentationml/2006/main" preserve="1">
   <p:cSld name="Title Slide">
     <p:spTree>
       <p:nvGrpSpPr>
@@ -1389,6 +1395,235 @@
       </p:grpSpPr>
       <p:sp>
         <p:nvSpPr>
+          <p:cNvPr id="7" name="Rectangle 6"/>
+          <p:cNvSpPr/>
+          <p:nvPr/>
+        </p:nvSpPr>
+        <p:spPr>
+          <a:xfrm>
+            <a:off x="0" y="0"/>
+            <a:ext cx="12192000" cy="6858000"/>
+          </a:xfrm>
+          <a:prstGeom prst="rect">
+            <a:avLst/>
+          </a:prstGeom>
+          <a:solidFill>
+            <a:schemeClr val="tx1"/>
+          </a:solidFill>
+        </p:spPr>
+        <p:style>
+          <a:lnRef idx="2">
+            <a:schemeClr val="accent1">
+              <a:shade val="50000"/>
+            </a:schemeClr>
+          </a:lnRef>
+          <a:fillRef idx="1">
+            <a:schemeClr val="accent1"/>
+          </a:fillRef>
+          <a:effectRef idx="0">
+            <a:schemeClr val="accent1"/>
+          </a:effectRef>
+          <a:fontRef idx="minor">
+            <a:schemeClr val="lt1"/>
+          </a:fontRef>
+        </p:style>
+        <p:txBody>
+          <a:bodyPr rtlCol="0" anchor="ctr"/>
+          <a:lstStyle/>
+          <a:p>
+            <a:pPr algn="ctr"/>
+            <a:endParaRPr lang="en-US"/>
+          </a:p>
+        </p:txBody>
+      </p:sp>
+      <p:sp>
+        <p:nvSpPr>
+          <p:cNvPr id="2" name="Title 1"/>
+          <p:cNvSpPr>
+            <a:spLocks noGrp="1"/>
+          </p:cNvSpPr>
+          <p:nvPr>
+            <p:ph type="ctrTitle"/>
+          </p:nvPr>
+        </p:nvSpPr>
+        <p:spPr>
+          <a:xfrm>
+            <a:off x="680936" y="4494179"/>
+            <a:ext cx="10836613" cy="1778439"/>
+          </a:xfrm>
+          <a:prstGeom prst="rect">
+            <a:avLst/>
+          </a:prstGeom>
+        </p:spPr>
+        <p:txBody>
+          <a:bodyPr anchor="b"/>
+          <a:lstStyle>
+            <a:lvl1pPr algn="ctr">
+              <a:defRPr sz="8000" b="1">
+                <a:solidFill>
+                  <a:srgbClr val="FF0000"/>
+                </a:solidFill>
+                <a:latin typeface="PF Din Text Comp Pro" charset="0"/>
+                <a:ea typeface="PF Din Text Comp Pro" charset="0"/>
+                <a:cs typeface="PF Din Text Comp Pro" charset="0"/>
+              </a:defRPr>
+            </a:lvl1pPr>
+          </a:lstStyle>
+          <a:p>
+            <a:r>
+              <a:rPr lang="en-US" smtClean="0"/>
+              <a:t>Click to edit Master title style</a:t>
+            </a:r>
+            <a:endParaRPr lang="en-US" dirty="0"/>
+          </a:p>
+        </p:txBody>
+      </p:sp>
+      <p:sp>
+        <p:nvSpPr>
+          <p:cNvPr id="8" name="Shape 47"/>
+          <p:cNvSpPr/>
+          <p:nvPr/>
+        </p:nvSpPr>
+        <p:spPr>
+          <a:xfrm>
+            <a:off x="226439" y="557180"/>
+            <a:ext cx="11734800" cy="11"/>
+          </a:xfrm>
+          <a:prstGeom prst="line">
+            <a:avLst/>
+          </a:prstGeom>
+          <a:ln w="12700">
+            <a:solidFill>
+              <a:srgbClr val="FFFFFF"/>
+            </a:solidFill>
+            <a:miter lim="400000"/>
+          </a:ln>
+        </p:spPr>
+        <p:txBody>
+          <a:bodyPr lIns="0" tIns="0" rIns="0" bIns="0"/>
+          <a:lstStyle/>
+          <a:p>
+            <a:pPr lvl="0" defTabSz="457200">
+              <a:buClrTx/>
+              <a:defRPr sz="1200">
+                <a:solidFill>
+                  <a:srgbClr val="000000"/>
+                </a:solidFill>
+                <a:uFillTx/>
+                <a:latin typeface="Helvetica"/>
+                <a:ea typeface="Helvetica"/>
+                <a:cs typeface="Helvetica"/>
+                <a:sym typeface="Helvetica"/>
+              </a:defRPr>
+            </a:pPr>
+            <a:endParaRPr/>
+          </a:p>
+        </p:txBody>
+      </p:sp>
+      <p:sp>
+        <p:nvSpPr>
+          <p:cNvPr id="9" name="Shape 48"/>
+          <p:cNvSpPr/>
+          <p:nvPr/>
+        </p:nvSpPr>
+        <p:spPr>
+          <a:xfrm>
+            <a:off x="226439" y="1141380"/>
+            <a:ext cx="11734800" cy="11"/>
+          </a:xfrm>
+          <a:prstGeom prst="line">
+            <a:avLst/>
+          </a:prstGeom>
+          <a:ln w="12700">
+            <a:solidFill>
+              <a:srgbClr val="FFFFFF"/>
+            </a:solidFill>
+            <a:miter lim="400000"/>
+          </a:ln>
+        </p:spPr>
+        <p:txBody>
+          <a:bodyPr lIns="0" tIns="0" rIns="0" bIns="0"/>
+          <a:lstStyle/>
+          <a:p>
+            <a:pPr lvl="0" defTabSz="457200">
+              <a:buClrTx/>
+              <a:defRPr sz="1200">
+                <a:solidFill>
+                  <a:srgbClr val="000000"/>
+                </a:solidFill>
+                <a:uFillTx/>
+                <a:latin typeface="Helvetica"/>
+                <a:ea typeface="Helvetica"/>
+                <a:cs typeface="Helvetica"/>
+                <a:sym typeface="Helvetica"/>
+              </a:defRPr>
+            </a:pPr>
+            <a:endParaRPr/>
+          </a:p>
+        </p:txBody>
+      </p:sp>
+      <p:pic>
+        <p:nvPicPr>
+          <p:cNvPr id="10" name="Picture 9" descr="GA_primary_horiz_rev.png"/>
+          <p:cNvPicPr>
+            <a:picLocks noChangeAspect="1"/>
+          </p:cNvPicPr>
+          <p:nvPr/>
+        </p:nvPicPr>
+        <p:blipFill>
+          <a:blip r:embed="rId2">
+            <a:extLst>
+              <a:ext uri="{28A0092B-C50C-407E-A947-70E740481C1C}">
+                <a14:useLocalDpi xmlns:a14="http://schemas.microsoft.com/office/drawing/2010/main" val="0"/>
+              </a:ext>
+            </a:extLst>
+          </a:blip>
+          <a:stretch>
+            <a:fillRect/>
+          </a:stretch>
+        </p:blipFill>
+        <p:spPr>
+          <a:xfrm>
+            <a:off x="224340" y="636620"/>
+            <a:ext cx="2586633" cy="440697"/>
+          </a:xfrm>
+          <a:prstGeom prst="rect">
+            <a:avLst/>
+          </a:prstGeom>
+        </p:spPr>
+      </p:pic>
+    </p:spTree>
+    <p:extLst>
+      <p:ext uri="{BB962C8B-B14F-4D97-AF65-F5344CB8AC3E}">
+        <p14:creationId xmlns:p14="http://schemas.microsoft.com/office/powerpoint/2010/main" val="1985953761"/>
+      </p:ext>
+    </p:extLst>
+  </p:cSld>
+  <p:clrMapOvr>
+    <a:masterClrMapping/>
+  </p:clrMapOvr>
+</p:sldLayout>
+</file>
+
+<file path=ppt/slideLayouts/slideLayout10.xml><?xml version="1.0" encoding="utf-8"?>
+<p:sldLayout xmlns:a="http://schemas.openxmlformats.org/drawingml/2006/main" xmlns:r="http://schemas.openxmlformats.org/officeDocument/2006/relationships" xmlns:p="http://schemas.openxmlformats.org/presentationml/2006/main" type="title">
+  <p:cSld name="1_Title Slide">
+    <p:spTree>
+      <p:nvGrpSpPr>
+        <p:cNvPr id="1" name=""/>
+        <p:cNvGrpSpPr/>
+        <p:nvPr/>
+      </p:nvGrpSpPr>
+      <p:grpSpPr>
+        <a:xfrm>
+          <a:off x="0" y="0"/>
+          <a:ext cx="0" cy="0"/>
+          <a:chOff x="0" y="0"/>
+          <a:chExt cx="0" cy="0"/>
+        </a:xfrm>
+      </p:grpSpPr>
+      <p:sp>
+        <p:nvSpPr>
           <p:cNvPr id="2" name="Title 1"/>
           <p:cNvSpPr>
             <a:spLocks noGrp="1"/>
@@ -1402,6 +1637,9 @@
             <a:off x="1524000" y="1122363"/>
             <a:ext cx="9144000" cy="2387600"/>
           </a:xfrm>
+          <a:prstGeom prst="rect">
+            <a:avLst/>
+          </a:prstGeom>
         </p:spPr>
         <p:txBody>
           <a:bodyPr anchor="b"/>
@@ -1501,7 +1739,7 @@
           <a:p>
             <a:fld id="{D1E5884D-F9D8-47B8-87FA-612738ED0F47}" type="datetimeFigureOut">
               <a:rPr lang="en-US" smtClean="0"/>
-              <a:t>2/24/2017</a:t>
+              <a:t>2/27/17</a:t>
             </a:fld>
             <a:endParaRPr lang="en-US"/>
           </a:p>
@@ -1552,357 +1790,7 @@
     </p:spTree>
     <p:extLst>
       <p:ext uri="{BB962C8B-B14F-4D97-AF65-F5344CB8AC3E}">
-        <p14:creationId xmlns:p14="http://schemas.microsoft.com/office/powerpoint/2010/main" val="3401724768"/>
-      </p:ext>
-    </p:extLst>
-  </p:cSld>
-  <p:clrMapOvr>
-    <a:masterClrMapping/>
-  </p:clrMapOvr>
-</p:sldLayout>
-</file>
-
-<file path=ppt/slideLayouts/slideLayout10.xml><?xml version="1.0" encoding="utf-8"?>
-<p:sldLayout xmlns:a="http://schemas.openxmlformats.org/drawingml/2006/main" xmlns:r="http://schemas.openxmlformats.org/officeDocument/2006/relationships" xmlns:p="http://schemas.openxmlformats.org/presentationml/2006/main" type="vertTx" preserve="1">
-  <p:cSld name="Title and Vertical Text">
-    <p:spTree>
-      <p:nvGrpSpPr>
-        <p:cNvPr id="1" name=""/>
-        <p:cNvGrpSpPr/>
-        <p:nvPr/>
-      </p:nvGrpSpPr>
-      <p:grpSpPr>
-        <a:xfrm>
-          <a:off x="0" y="0"/>
-          <a:ext cx="0" cy="0"/>
-          <a:chOff x="0" y="0"/>
-          <a:chExt cx="0" cy="0"/>
-        </a:xfrm>
-      </p:grpSpPr>
-      <p:sp>
-        <p:nvSpPr>
-          <p:cNvPr id="2" name="Title 1"/>
-          <p:cNvSpPr>
-            <a:spLocks noGrp="1"/>
-          </p:cNvSpPr>
-          <p:nvPr>
-            <p:ph type="title"/>
-          </p:nvPr>
-        </p:nvSpPr>
-        <p:spPr/>
-        <p:txBody>
-          <a:bodyPr/>
-          <a:lstStyle/>
-          <a:p>
-            <a:r>
-              <a:rPr lang="en-US" smtClean="0"/>
-              <a:t>Click to edit Master title style</a:t>
-            </a:r>
-            <a:endParaRPr lang="en-US"/>
-          </a:p>
-        </p:txBody>
-      </p:sp>
-      <p:sp>
-        <p:nvSpPr>
-          <p:cNvPr id="3" name="Vertical Text Placeholder 2"/>
-          <p:cNvSpPr>
-            <a:spLocks noGrp="1"/>
-          </p:cNvSpPr>
-          <p:nvPr>
-            <p:ph type="body" orient="vert" idx="1"/>
-          </p:nvPr>
-        </p:nvSpPr>
-        <p:spPr/>
-        <p:txBody>
-          <a:bodyPr vert="eaVert"/>
-          <a:lstStyle/>
-          <a:p>
-            <a:pPr lvl="0"/>
-            <a:r>
-              <a:rPr lang="en-US" smtClean="0"/>
-              <a:t>Edit Master text styles</a:t>
-            </a:r>
-          </a:p>
-          <a:p>
-            <a:pPr lvl="1"/>
-            <a:r>
-              <a:rPr lang="en-US" smtClean="0"/>
-              <a:t>Second level</a:t>
-            </a:r>
-          </a:p>
-          <a:p>
-            <a:pPr lvl="2"/>
-            <a:r>
-              <a:rPr lang="en-US" smtClean="0"/>
-              <a:t>Third level</a:t>
-            </a:r>
-          </a:p>
-          <a:p>
-            <a:pPr lvl="3"/>
-            <a:r>
-              <a:rPr lang="en-US" smtClean="0"/>
-              <a:t>Fourth level</a:t>
-            </a:r>
-          </a:p>
-          <a:p>
-            <a:pPr lvl="4"/>
-            <a:r>
-              <a:rPr lang="en-US" smtClean="0"/>
-              <a:t>Fifth level</a:t>
-            </a:r>
-            <a:endParaRPr lang="en-US"/>
-          </a:p>
-        </p:txBody>
-      </p:sp>
-      <p:sp>
-        <p:nvSpPr>
-          <p:cNvPr id="4" name="Date Placeholder 3"/>
-          <p:cNvSpPr>
-            <a:spLocks noGrp="1"/>
-          </p:cNvSpPr>
-          <p:nvPr>
-            <p:ph type="dt" sz="half" idx="10"/>
-          </p:nvPr>
-        </p:nvSpPr>
-        <p:spPr/>
-        <p:txBody>
-          <a:bodyPr/>
-          <a:lstStyle/>
-          <a:p>
-            <a:fld id="{D1E5884D-F9D8-47B8-87FA-612738ED0F47}" type="datetimeFigureOut">
-              <a:rPr lang="en-US" smtClean="0"/>
-              <a:t>2/24/2017</a:t>
-            </a:fld>
-            <a:endParaRPr lang="en-US"/>
-          </a:p>
-        </p:txBody>
-      </p:sp>
-      <p:sp>
-        <p:nvSpPr>
-          <p:cNvPr id="5" name="Footer Placeholder 4"/>
-          <p:cNvSpPr>
-            <a:spLocks noGrp="1"/>
-          </p:cNvSpPr>
-          <p:nvPr>
-            <p:ph type="ftr" sz="quarter" idx="11"/>
-          </p:nvPr>
-        </p:nvSpPr>
-        <p:spPr/>
-        <p:txBody>
-          <a:bodyPr/>
-          <a:lstStyle/>
-          <a:p>
-            <a:endParaRPr lang="en-US"/>
-          </a:p>
-        </p:txBody>
-      </p:sp>
-      <p:sp>
-        <p:nvSpPr>
-          <p:cNvPr id="6" name="Slide Number Placeholder 5"/>
-          <p:cNvSpPr>
-            <a:spLocks noGrp="1"/>
-          </p:cNvSpPr>
-          <p:nvPr>
-            <p:ph type="sldNum" sz="quarter" idx="12"/>
-          </p:nvPr>
-        </p:nvSpPr>
-        <p:spPr/>
-        <p:txBody>
-          <a:bodyPr/>
-          <a:lstStyle/>
-          <a:p>
-            <a:fld id="{15BB8605-3702-45A4-A5FA-255EF972CB47}" type="slidenum">
-              <a:rPr lang="en-US" smtClean="0"/>
-              <a:t>‹#›</a:t>
-            </a:fld>
-            <a:endParaRPr lang="en-US"/>
-          </a:p>
-        </p:txBody>
-      </p:sp>
-    </p:spTree>
-    <p:extLst>
-      <p:ext uri="{BB962C8B-B14F-4D97-AF65-F5344CB8AC3E}">
-        <p14:creationId xmlns:p14="http://schemas.microsoft.com/office/powerpoint/2010/main" val="411426179"/>
-      </p:ext>
-    </p:extLst>
-  </p:cSld>
-  <p:clrMapOvr>
-    <a:masterClrMapping/>
-  </p:clrMapOvr>
-</p:sldLayout>
-</file>
-
-<file path=ppt/slideLayouts/slideLayout11.xml><?xml version="1.0" encoding="utf-8"?>
-<p:sldLayout xmlns:a="http://schemas.openxmlformats.org/drawingml/2006/main" xmlns:r="http://schemas.openxmlformats.org/officeDocument/2006/relationships" xmlns:p="http://schemas.openxmlformats.org/presentationml/2006/main" type="vertTitleAndTx" preserve="1">
-  <p:cSld name="Vertical Title and Text">
-    <p:spTree>
-      <p:nvGrpSpPr>
-        <p:cNvPr id="1" name=""/>
-        <p:cNvGrpSpPr/>
-        <p:nvPr/>
-      </p:nvGrpSpPr>
-      <p:grpSpPr>
-        <a:xfrm>
-          <a:off x="0" y="0"/>
-          <a:ext cx="0" cy="0"/>
-          <a:chOff x="0" y="0"/>
-          <a:chExt cx="0" cy="0"/>
-        </a:xfrm>
-      </p:grpSpPr>
-      <p:sp>
-        <p:nvSpPr>
-          <p:cNvPr id="2" name="Vertical Title 1"/>
-          <p:cNvSpPr>
-            <a:spLocks noGrp="1"/>
-          </p:cNvSpPr>
-          <p:nvPr>
-            <p:ph type="title" orient="vert"/>
-          </p:nvPr>
-        </p:nvSpPr>
-        <p:spPr>
-          <a:xfrm>
-            <a:off x="8724900" y="365125"/>
-            <a:ext cx="2628900" cy="5811838"/>
-          </a:xfrm>
-        </p:spPr>
-        <p:txBody>
-          <a:bodyPr vert="eaVert"/>
-          <a:lstStyle/>
-          <a:p>
-            <a:r>
-              <a:rPr lang="en-US" smtClean="0"/>
-              <a:t>Click to edit Master title style</a:t>
-            </a:r>
-            <a:endParaRPr lang="en-US"/>
-          </a:p>
-        </p:txBody>
-      </p:sp>
-      <p:sp>
-        <p:nvSpPr>
-          <p:cNvPr id="3" name="Vertical Text Placeholder 2"/>
-          <p:cNvSpPr>
-            <a:spLocks noGrp="1"/>
-          </p:cNvSpPr>
-          <p:nvPr>
-            <p:ph type="body" orient="vert" idx="1"/>
-          </p:nvPr>
-        </p:nvSpPr>
-        <p:spPr>
-          <a:xfrm>
-            <a:off x="838200" y="365125"/>
-            <a:ext cx="7734300" cy="5811838"/>
-          </a:xfrm>
-        </p:spPr>
-        <p:txBody>
-          <a:bodyPr vert="eaVert"/>
-          <a:lstStyle/>
-          <a:p>
-            <a:pPr lvl="0"/>
-            <a:r>
-              <a:rPr lang="en-US" smtClean="0"/>
-              <a:t>Edit Master text styles</a:t>
-            </a:r>
-          </a:p>
-          <a:p>
-            <a:pPr lvl="1"/>
-            <a:r>
-              <a:rPr lang="en-US" smtClean="0"/>
-              <a:t>Second level</a:t>
-            </a:r>
-          </a:p>
-          <a:p>
-            <a:pPr lvl="2"/>
-            <a:r>
-              <a:rPr lang="en-US" smtClean="0"/>
-              <a:t>Third level</a:t>
-            </a:r>
-          </a:p>
-          <a:p>
-            <a:pPr lvl="3"/>
-            <a:r>
-              <a:rPr lang="en-US" smtClean="0"/>
-              <a:t>Fourth level</a:t>
-            </a:r>
-          </a:p>
-          <a:p>
-            <a:pPr lvl="4"/>
-            <a:r>
-              <a:rPr lang="en-US" smtClean="0"/>
-              <a:t>Fifth level</a:t>
-            </a:r>
-            <a:endParaRPr lang="en-US"/>
-          </a:p>
-        </p:txBody>
-      </p:sp>
-      <p:sp>
-        <p:nvSpPr>
-          <p:cNvPr id="4" name="Date Placeholder 3"/>
-          <p:cNvSpPr>
-            <a:spLocks noGrp="1"/>
-          </p:cNvSpPr>
-          <p:nvPr>
-            <p:ph type="dt" sz="half" idx="10"/>
-          </p:nvPr>
-        </p:nvSpPr>
-        <p:spPr/>
-        <p:txBody>
-          <a:bodyPr/>
-          <a:lstStyle/>
-          <a:p>
-            <a:fld id="{D1E5884D-F9D8-47B8-87FA-612738ED0F47}" type="datetimeFigureOut">
-              <a:rPr lang="en-US" smtClean="0"/>
-              <a:t>2/24/2017</a:t>
-            </a:fld>
-            <a:endParaRPr lang="en-US"/>
-          </a:p>
-        </p:txBody>
-      </p:sp>
-      <p:sp>
-        <p:nvSpPr>
-          <p:cNvPr id="5" name="Footer Placeholder 4"/>
-          <p:cNvSpPr>
-            <a:spLocks noGrp="1"/>
-          </p:cNvSpPr>
-          <p:nvPr>
-            <p:ph type="ftr" sz="quarter" idx="11"/>
-          </p:nvPr>
-        </p:nvSpPr>
-        <p:spPr/>
-        <p:txBody>
-          <a:bodyPr/>
-          <a:lstStyle/>
-          <a:p>
-            <a:endParaRPr lang="en-US"/>
-          </a:p>
-        </p:txBody>
-      </p:sp>
-      <p:sp>
-        <p:nvSpPr>
-          <p:cNvPr id="6" name="Slide Number Placeholder 5"/>
-          <p:cNvSpPr>
-            <a:spLocks noGrp="1"/>
-          </p:cNvSpPr>
-          <p:nvPr>
-            <p:ph type="sldNum" sz="quarter" idx="12"/>
-          </p:nvPr>
-        </p:nvSpPr>
-        <p:spPr/>
-        <p:txBody>
-          <a:bodyPr/>
-          <a:lstStyle/>
-          <a:p>
-            <a:fld id="{15BB8605-3702-45A4-A5FA-255EF972CB47}" type="slidenum">
-              <a:rPr lang="en-US" smtClean="0"/>
-              <a:t>‹#›</a:t>
-            </a:fld>
-            <a:endParaRPr lang="en-US"/>
-          </a:p>
-        </p:txBody>
-      </p:sp>
-    </p:spTree>
-    <p:extLst>
-      <p:ext uri="{BB962C8B-B14F-4D97-AF65-F5344CB8AC3E}">
-        <p14:creationId xmlns:p14="http://schemas.microsoft.com/office/powerpoint/2010/main" val="1636921721"/>
+        <p14:creationId xmlns:p14="http://schemas.microsoft.com/office/powerpoint/2010/main" val="10742359"/>
       </p:ext>
     </p:extLst>
   </p:cSld>
@@ -1939,16 +1827,34 @@
             <p:ph type="title"/>
           </p:nvPr>
         </p:nvSpPr>
-        <p:spPr/>
-        <p:txBody>
-          <a:bodyPr/>
-          <a:lstStyle/>
+        <p:spPr>
+          <a:xfrm>
+            <a:off x="838200" y="384580"/>
+            <a:ext cx="10515600" cy="541507"/>
+          </a:xfrm>
+          <a:prstGeom prst="rect">
+            <a:avLst/>
+          </a:prstGeom>
+        </p:spPr>
+        <p:txBody>
+          <a:bodyPr>
+            <a:normAutofit/>
+          </a:bodyPr>
+          <a:lstStyle>
+            <a:lvl1pPr>
+              <a:defRPr sz="3200">
+                <a:latin typeface="PF Din Text Comp Pro" charset="0"/>
+                <a:ea typeface="PF Din Text Comp Pro" charset="0"/>
+                <a:cs typeface="PF Din Text Comp Pro" charset="0"/>
+              </a:defRPr>
+            </a:lvl1pPr>
+          </a:lstStyle>
           <a:p>
             <a:r>
               <a:rPr lang="en-US" smtClean="0"/>
               <a:t>Click to edit Master title style</a:t>
             </a:r>
-            <a:endParaRPr lang="en-US"/>
+            <a:endParaRPr lang="en-US" dirty="0"/>
           </a:p>
         </p:txBody>
       </p:sp>
@@ -1962,7 +1868,12 @@
             <p:ph idx="1"/>
           </p:nvPr>
         </p:nvSpPr>
-        <p:spPr/>
+        <p:spPr>
+          <a:xfrm>
+            <a:off x="838200" y="1728349"/>
+            <a:ext cx="10515600" cy="4351338"/>
+          </a:xfrm>
+        </p:spPr>
         <p:txBody>
           <a:bodyPr/>
           <a:lstStyle/>
@@ -1970,7 +1881,7 @@
             <a:pPr lvl="0"/>
             <a:r>
               <a:rPr lang="en-US" smtClean="0"/>
-              <a:t>Edit Master text styles</a:t>
+              <a:t>Click to edit Master text styles</a:t>
             </a:r>
           </a:p>
           <a:p>
@@ -2000,7 +1911,7 @@
               <a:rPr lang="en-US" smtClean="0"/>
               <a:t>Fifth level</a:t>
             </a:r>
-            <a:endParaRPr lang="en-US"/>
+            <a:endParaRPr lang="en-US" dirty="0"/>
           </a:p>
         </p:txBody>
       </p:sp>
@@ -2021,7 +1932,7 @@
           <a:p>
             <a:fld id="{D1E5884D-F9D8-47B8-87FA-612738ED0F47}" type="datetimeFigureOut">
               <a:rPr lang="en-US" smtClean="0"/>
-              <a:t>2/24/2017</a:t>
+              <a:t>2/27/17</a:t>
             </a:fld>
             <a:endParaRPr lang="en-US"/>
           </a:p>
@@ -2069,10 +1980,80 @@
           </a:p>
         </p:txBody>
       </p:sp>
+      <p:cxnSp>
+        <p:nvCxnSpPr>
+          <p:cNvPr id="8" name="Straight Connector 7"/>
+          <p:cNvCxnSpPr/>
+          <p:nvPr/>
+        </p:nvCxnSpPr>
+        <p:spPr>
+          <a:xfrm>
+            <a:off x="838200" y="365125"/>
+            <a:ext cx="10515600" cy="0"/>
+          </a:xfrm>
+          <a:prstGeom prst="line">
+            <a:avLst/>
+          </a:prstGeom>
+          <a:ln w="38100">
+            <a:solidFill>
+              <a:schemeClr val="tx1"/>
+            </a:solidFill>
+          </a:ln>
+        </p:spPr>
+        <p:style>
+          <a:lnRef idx="1">
+            <a:schemeClr val="accent1"/>
+          </a:lnRef>
+          <a:fillRef idx="0">
+            <a:schemeClr val="accent1"/>
+          </a:fillRef>
+          <a:effectRef idx="0">
+            <a:schemeClr val="accent1"/>
+          </a:effectRef>
+          <a:fontRef idx="minor">
+            <a:schemeClr val="tx1"/>
+          </a:fontRef>
+        </p:style>
+      </p:cxnSp>
+      <p:cxnSp>
+        <p:nvCxnSpPr>
+          <p:cNvPr id="9" name="Straight Connector 8"/>
+          <p:cNvCxnSpPr/>
+          <p:nvPr/>
+        </p:nvCxnSpPr>
+        <p:spPr>
+          <a:xfrm>
+            <a:off x="838200" y="906632"/>
+            <a:ext cx="10515600" cy="0"/>
+          </a:xfrm>
+          <a:prstGeom prst="line">
+            <a:avLst/>
+          </a:prstGeom>
+          <a:ln w="38100">
+            <a:solidFill>
+              <a:schemeClr val="tx1"/>
+            </a:solidFill>
+          </a:ln>
+        </p:spPr>
+        <p:style>
+          <a:lnRef idx="1">
+            <a:schemeClr val="accent1"/>
+          </a:lnRef>
+          <a:fillRef idx="0">
+            <a:schemeClr val="accent1"/>
+          </a:fillRef>
+          <a:effectRef idx="0">
+            <a:schemeClr val="accent1"/>
+          </a:effectRef>
+          <a:fontRef idx="minor">
+            <a:schemeClr val="tx1"/>
+          </a:fontRef>
+        </p:style>
+      </p:cxnSp>
     </p:spTree>
     <p:extLst>
       <p:ext uri="{BB962C8B-B14F-4D97-AF65-F5344CB8AC3E}">
-        <p14:creationId xmlns:p14="http://schemas.microsoft.com/office/powerpoint/2010/main" val="2685023223"/>
+        <p14:creationId xmlns:p14="http://schemas.microsoft.com/office/powerpoint/2010/main" val="1734019453"/>
       </p:ext>
     </p:extLst>
   </p:cSld>
@@ -2083,252 +2064,6 @@
 </file>
 
 <file path=ppt/slideLayouts/slideLayout3.xml><?xml version="1.0" encoding="utf-8"?>
-<p:sldLayout xmlns:a="http://schemas.openxmlformats.org/drawingml/2006/main" xmlns:r="http://schemas.openxmlformats.org/officeDocument/2006/relationships" xmlns:p="http://schemas.openxmlformats.org/presentationml/2006/main" type="secHead" preserve="1">
-  <p:cSld name="Section Header">
-    <p:spTree>
-      <p:nvGrpSpPr>
-        <p:cNvPr id="1" name=""/>
-        <p:cNvGrpSpPr/>
-        <p:nvPr/>
-      </p:nvGrpSpPr>
-      <p:grpSpPr>
-        <a:xfrm>
-          <a:off x="0" y="0"/>
-          <a:ext cx="0" cy="0"/>
-          <a:chOff x="0" y="0"/>
-          <a:chExt cx="0" cy="0"/>
-        </a:xfrm>
-      </p:grpSpPr>
-      <p:sp>
-        <p:nvSpPr>
-          <p:cNvPr id="2" name="Title 1"/>
-          <p:cNvSpPr>
-            <a:spLocks noGrp="1"/>
-          </p:cNvSpPr>
-          <p:nvPr>
-            <p:ph type="title"/>
-          </p:nvPr>
-        </p:nvSpPr>
-        <p:spPr>
-          <a:xfrm>
-            <a:off x="831850" y="1709738"/>
-            <a:ext cx="10515600" cy="2852737"/>
-          </a:xfrm>
-        </p:spPr>
-        <p:txBody>
-          <a:bodyPr anchor="b"/>
-          <a:lstStyle>
-            <a:lvl1pPr>
-              <a:defRPr sz="6000"/>
-            </a:lvl1pPr>
-          </a:lstStyle>
-          <a:p>
-            <a:r>
-              <a:rPr lang="en-US" smtClean="0"/>
-              <a:t>Click to edit Master title style</a:t>
-            </a:r>
-            <a:endParaRPr lang="en-US"/>
-          </a:p>
-        </p:txBody>
-      </p:sp>
-      <p:sp>
-        <p:nvSpPr>
-          <p:cNvPr id="3" name="Text Placeholder 2"/>
-          <p:cNvSpPr>
-            <a:spLocks noGrp="1"/>
-          </p:cNvSpPr>
-          <p:nvPr>
-            <p:ph type="body" idx="1"/>
-          </p:nvPr>
-        </p:nvSpPr>
-        <p:spPr>
-          <a:xfrm>
-            <a:off x="831850" y="4589463"/>
-            <a:ext cx="10515600" cy="1500187"/>
-          </a:xfrm>
-        </p:spPr>
-        <p:txBody>
-          <a:bodyPr/>
-          <a:lstStyle>
-            <a:lvl1pPr marL="0" indent="0">
-              <a:buNone/>
-              <a:defRPr sz="2400">
-                <a:solidFill>
-                  <a:schemeClr val="tx1">
-                    <a:tint val="75000"/>
-                  </a:schemeClr>
-                </a:solidFill>
-              </a:defRPr>
-            </a:lvl1pPr>
-            <a:lvl2pPr marL="457200" indent="0">
-              <a:buNone/>
-              <a:defRPr sz="2000">
-                <a:solidFill>
-                  <a:schemeClr val="tx1">
-                    <a:tint val="75000"/>
-                  </a:schemeClr>
-                </a:solidFill>
-              </a:defRPr>
-            </a:lvl2pPr>
-            <a:lvl3pPr marL="914400" indent="0">
-              <a:buNone/>
-              <a:defRPr sz="1800">
-                <a:solidFill>
-                  <a:schemeClr val="tx1">
-                    <a:tint val="75000"/>
-                  </a:schemeClr>
-                </a:solidFill>
-              </a:defRPr>
-            </a:lvl3pPr>
-            <a:lvl4pPr marL="1371600" indent="0">
-              <a:buNone/>
-              <a:defRPr sz="1600">
-                <a:solidFill>
-                  <a:schemeClr val="tx1">
-                    <a:tint val="75000"/>
-                  </a:schemeClr>
-                </a:solidFill>
-              </a:defRPr>
-            </a:lvl4pPr>
-            <a:lvl5pPr marL="1828800" indent="0">
-              <a:buNone/>
-              <a:defRPr sz="1600">
-                <a:solidFill>
-                  <a:schemeClr val="tx1">
-                    <a:tint val="75000"/>
-                  </a:schemeClr>
-                </a:solidFill>
-              </a:defRPr>
-            </a:lvl5pPr>
-            <a:lvl6pPr marL="2286000" indent="0">
-              <a:buNone/>
-              <a:defRPr sz="1600">
-                <a:solidFill>
-                  <a:schemeClr val="tx1">
-                    <a:tint val="75000"/>
-                  </a:schemeClr>
-                </a:solidFill>
-              </a:defRPr>
-            </a:lvl6pPr>
-            <a:lvl7pPr marL="2743200" indent="0">
-              <a:buNone/>
-              <a:defRPr sz="1600">
-                <a:solidFill>
-                  <a:schemeClr val="tx1">
-                    <a:tint val="75000"/>
-                  </a:schemeClr>
-                </a:solidFill>
-              </a:defRPr>
-            </a:lvl7pPr>
-            <a:lvl8pPr marL="3200400" indent="0">
-              <a:buNone/>
-              <a:defRPr sz="1600">
-                <a:solidFill>
-                  <a:schemeClr val="tx1">
-                    <a:tint val="75000"/>
-                  </a:schemeClr>
-                </a:solidFill>
-              </a:defRPr>
-            </a:lvl8pPr>
-            <a:lvl9pPr marL="3657600" indent="0">
-              <a:buNone/>
-              <a:defRPr sz="1600">
-                <a:solidFill>
-                  <a:schemeClr val="tx1">
-                    <a:tint val="75000"/>
-                  </a:schemeClr>
-                </a:solidFill>
-              </a:defRPr>
-            </a:lvl9pPr>
-          </a:lstStyle>
-          <a:p>
-            <a:pPr lvl="0"/>
-            <a:r>
-              <a:rPr lang="en-US" smtClean="0"/>
-              <a:t>Edit Master text styles</a:t>
-            </a:r>
-          </a:p>
-        </p:txBody>
-      </p:sp>
-      <p:sp>
-        <p:nvSpPr>
-          <p:cNvPr id="4" name="Date Placeholder 3"/>
-          <p:cNvSpPr>
-            <a:spLocks noGrp="1"/>
-          </p:cNvSpPr>
-          <p:nvPr>
-            <p:ph type="dt" sz="half" idx="10"/>
-          </p:nvPr>
-        </p:nvSpPr>
-        <p:spPr/>
-        <p:txBody>
-          <a:bodyPr/>
-          <a:lstStyle/>
-          <a:p>
-            <a:fld id="{D1E5884D-F9D8-47B8-87FA-612738ED0F47}" type="datetimeFigureOut">
-              <a:rPr lang="en-US" smtClean="0"/>
-              <a:t>2/24/2017</a:t>
-            </a:fld>
-            <a:endParaRPr lang="en-US"/>
-          </a:p>
-        </p:txBody>
-      </p:sp>
-      <p:sp>
-        <p:nvSpPr>
-          <p:cNvPr id="5" name="Footer Placeholder 4"/>
-          <p:cNvSpPr>
-            <a:spLocks noGrp="1"/>
-          </p:cNvSpPr>
-          <p:nvPr>
-            <p:ph type="ftr" sz="quarter" idx="11"/>
-          </p:nvPr>
-        </p:nvSpPr>
-        <p:spPr/>
-        <p:txBody>
-          <a:bodyPr/>
-          <a:lstStyle/>
-          <a:p>
-            <a:endParaRPr lang="en-US"/>
-          </a:p>
-        </p:txBody>
-      </p:sp>
-      <p:sp>
-        <p:nvSpPr>
-          <p:cNvPr id="6" name="Slide Number Placeholder 5"/>
-          <p:cNvSpPr>
-            <a:spLocks noGrp="1"/>
-          </p:cNvSpPr>
-          <p:nvPr>
-            <p:ph type="sldNum" sz="quarter" idx="12"/>
-          </p:nvPr>
-        </p:nvSpPr>
-        <p:spPr/>
-        <p:txBody>
-          <a:bodyPr/>
-          <a:lstStyle/>
-          <a:p>
-            <a:fld id="{15BB8605-3702-45A4-A5FA-255EF972CB47}" type="slidenum">
-              <a:rPr lang="en-US" smtClean="0"/>
-              <a:t>‹#›</a:t>
-            </a:fld>
-            <a:endParaRPr lang="en-US"/>
-          </a:p>
-        </p:txBody>
-      </p:sp>
-    </p:spTree>
-    <p:extLst>
-      <p:ext uri="{BB962C8B-B14F-4D97-AF65-F5344CB8AC3E}">
-        <p14:creationId xmlns:p14="http://schemas.microsoft.com/office/powerpoint/2010/main" val="877890690"/>
-      </p:ext>
-    </p:extLst>
-  </p:cSld>
-  <p:clrMapOvr>
-    <a:masterClrMapping/>
-  </p:clrMapOvr>
-</p:sldLayout>
-</file>
-
-<file path=ppt/slideLayouts/slideLayout4.xml><?xml version="1.0" encoding="utf-8"?>
 <p:sldLayout xmlns:a="http://schemas.openxmlformats.org/drawingml/2006/main" xmlns:r="http://schemas.openxmlformats.org/officeDocument/2006/relationships" xmlns:p="http://schemas.openxmlformats.org/presentationml/2006/main" type="twoObj" preserve="1">
   <p:cSld name="Two Content">
     <p:spTree>
@@ -2355,16 +2090,32 @@
             <p:ph type="title"/>
           </p:nvPr>
         </p:nvSpPr>
-        <p:spPr/>
+        <p:spPr>
+          <a:xfrm>
+            <a:off x="838200" y="365125"/>
+            <a:ext cx="10515600" cy="1325563"/>
+          </a:xfrm>
+          <a:prstGeom prst="rect">
+            <a:avLst/>
+          </a:prstGeom>
+        </p:spPr>
         <p:txBody>
           <a:bodyPr/>
-          <a:lstStyle/>
+          <a:lstStyle>
+            <a:lvl1pPr>
+              <a:defRPr sz="3200">
+                <a:latin typeface="PF Din Text Comp Pro" charset="0"/>
+                <a:ea typeface="PF Din Text Comp Pro" charset="0"/>
+                <a:cs typeface="PF Din Text Comp Pro" charset="0"/>
+              </a:defRPr>
+            </a:lvl1pPr>
+          </a:lstStyle>
           <a:p>
             <a:r>
               <a:rPr lang="en-US" smtClean="0"/>
               <a:t>Click to edit Master title style</a:t>
             </a:r>
-            <a:endParaRPr lang="en-US"/>
+            <a:endParaRPr lang="en-US" dirty="0"/>
           </a:p>
         </p:txBody>
       </p:sp>
@@ -2391,7 +2142,7 @@
             <a:pPr lvl="0"/>
             <a:r>
               <a:rPr lang="en-US" smtClean="0"/>
-              <a:t>Edit Master text styles</a:t>
+              <a:t>Click to edit Master text styles</a:t>
             </a:r>
           </a:p>
           <a:p>
@@ -2448,7 +2199,7 @@
             <a:pPr lvl="0"/>
             <a:r>
               <a:rPr lang="en-US" smtClean="0"/>
-              <a:t>Edit Master text styles</a:t>
+              <a:t>Click to edit Master text styles</a:t>
             </a:r>
           </a:p>
           <a:p>
@@ -2499,7 +2250,7 @@
           <a:p>
             <a:fld id="{D1E5884D-F9D8-47B8-87FA-612738ED0F47}" type="datetimeFigureOut">
               <a:rPr lang="en-US" smtClean="0"/>
-              <a:t>2/24/2017</a:t>
+              <a:t>2/27/17</a:t>
             </a:fld>
             <a:endParaRPr lang="en-US"/>
           </a:p>
@@ -2550,7 +2301,7 @@
     </p:spTree>
     <p:extLst>
       <p:ext uri="{BB962C8B-B14F-4D97-AF65-F5344CB8AC3E}">
-        <p14:creationId xmlns:p14="http://schemas.microsoft.com/office/powerpoint/2010/main" val="3181641148"/>
+        <p14:creationId xmlns:p14="http://schemas.microsoft.com/office/powerpoint/2010/main" val="164373134"/>
       </p:ext>
     </p:extLst>
   </p:cSld>
@@ -2560,7 +2311,7 @@
 </p:sldLayout>
 </file>
 
-<file path=ppt/slideLayouts/slideLayout5.xml><?xml version="1.0" encoding="utf-8"?>
+<file path=ppt/slideLayouts/slideLayout4.xml><?xml version="1.0" encoding="utf-8"?>
 <p:sldLayout xmlns:a="http://schemas.openxmlformats.org/drawingml/2006/main" xmlns:r="http://schemas.openxmlformats.org/officeDocument/2006/relationships" xmlns:p="http://schemas.openxmlformats.org/presentationml/2006/main" type="twoTxTwoObj" preserve="1">
   <p:cSld name="Comparison">
     <p:spTree>
@@ -2592,16 +2343,27 @@
             <a:off x="839788" y="365125"/>
             <a:ext cx="10515600" cy="1325563"/>
           </a:xfrm>
+          <a:prstGeom prst="rect">
+            <a:avLst/>
+          </a:prstGeom>
         </p:spPr>
         <p:txBody>
           <a:bodyPr/>
-          <a:lstStyle/>
+          <a:lstStyle>
+            <a:lvl1pPr>
+              <a:defRPr sz="3200">
+                <a:latin typeface="PF Din Text Comp Pro" charset="0"/>
+                <a:ea typeface="PF Din Text Comp Pro" charset="0"/>
+                <a:cs typeface="PF Din Text Comp Pro" charset="0"/>
+              </a:defRPr>
+            </a:lvl1pPr>
+          </a:lstStyle>
           <a:p>
             <a:r>
               <a:rPr lang="en-US" smtClean="0"/>
               <a:t>Click to edit Master title style</a:t>
             </a:r>
-            <a:endParaRPr lang="en-US"/>
+            <a:endParaRPr lang="en-US" dirty="0"/>
           </a:p>
         </p:txBody>
       </p:sp>
@@ -2665,7 +2427,7 @@
             <a:pPr lvl="0"/>
             <a:r>
               <a:rPr lang="en-US" smtClean="0"/>
-              <a:t>Edit Master text styles</a:t>
+              <a:t>Click to edit Master text styles</a:t>
             </a:r>
           </a:p>
         </p:txBody>
@@ -2693,7 +2455,7 @@
             <a:pPr lvl="0"/>
             <a:r>
               <a:rPr lang="en-US" smtClean="0"/>
-              <a:t>Edit Master text styles</a:t>
+              <a:t>Click to edit Master text styles</a:t>
             </a:r>
           </a:p>
           <a:p>
@@ -2787,7 +2549,7 @@
             <a:pPr lvl="0"/>
             <a:r>
               <a:rPr lang="en-US" smtClean="0"/>
-              <a:t>Edit Master text styles</a:t>
+              <a:t>Click to edit Master text styles</a:t>
             </a:r>
           </a:p>
         </p:txBody>
@@ -2815,7 +2577,7 @@
             <a:pPr lvl="0"/>
             <a:r>
               <a:rPr lang="en-US" smtClean="0"/>
-              <a:t>Edit Master text styles</a:t>
+              <a:t>Click to edit Master text styles</a:t>
             </a:r>
           </a:p>
           <a:p>
@@ -2866,7 +2628,7 @@
           <a:p>
             <a:fld id="{D1E5884D-F9D8-47B8-87FA-612738ED0F47}" type="datetimeFigureOut">
               <a:rPr lang="en-US" smtClean="0"/>
-              <a:t>2/24/2017</a:t>
+              <a:t>2/27/17</a:t>
             </a:fld>
             <a:endParaRPr lang="en-US"/>
           </a:p>
@@ -2917,7 +2679,7 @@
     </p:spTree>
     <p:extLst>
       <p:ext uri="{BB962C8B-B14F-4D97-AF65-F5344CB8AC3E}">
-        <p14:creationId xmlns:p14="http://schemas.microsoft.com/office/powerpoint/2010/main" val="1842678698"/>
+        <p14:creationId xmlns:p14="http://schemas.microsoft.com/office/powerpoint/2010/main" val="955293096"/>
       </p:ext>
     </p:extLst>
   </p:cSld>
@@ -2927,7 +2689,7 @@
 </p:sldLayout>
 </file>
 
-<file path=ppt/slideLayouts/slideLayout6.xml><?xml version="1.0" encoding="utf-8"?>
+<file path=ppt/slideLayouts/slideLayout5.xml><?xml version="1.0" encoding="utf-8"?>
 <p:sldLayout xmlns:a="http://schemas.openxmlformats.org/drawingml/2006/main" xmlns:r="http://schemas.openxmlformats.org/officeDocument/2006/relationships" xmlns:p="http://schemas.openxmlformats.org/presentationml/2006/main" type="titleOnly" preserve="1">
   <p:cSld name="Title Only">
     <p:spTree>
@@ -2954,16 +2716,32 @@
             <p:ph type="title"/>
           </p:nvPr>
         </p:nvSpPr>
-        <p:spPr/>
+        <p:spPr>
+          <a:xfrm>
+            <a:off x="838200" y="365125"/>
+            <a:ext cx="10515600" cy="1325563"/>
+          </a:xfrm>
+          <a:prstGeom prst="rect">
+            <a:avLst/>
+          </a:prstGeom>
+        </p:spPr>
         <p:txBody>
           <a:bodyPr/>
-          <a:lstStyle/>
+          <a:lstStyle>
+            <a:lvl1pPr>
+              <a:defRPr sz="3200">
+                <a:latin typeface="PF Din Text Comp Pro" charset="0"/>
+                <a:ea typeface="PF Din Text Comp Pro" charset="0"/>
+                <a:cs typeface="PF Din Text Comp Pro" charset="0"/>
+              </a:defRPr>
+            </a:lvl1pPr>
+          </a:lstStyle>
           <a:p>
             <a:r>
               <a:rPr lang="en-US" smtClean="0"/>
               <a:t>Click to edit Master title style</a:t>
             </a:r>
-            <a:endParaRPr lang="en-US"/>
+            <a:endParaRPr lang="en-US" dirty="0"/>
           </a:p>
         </p:txBody>
       </p:sp>
@@ -2984,7 +2762,7 @@
           <a:p>
             <a:fld id="{D1E5884D-F9D8-47B8-87FA-612738ED0F47}" type="datetimeFigureOut">
               <a:rPr lang="en-US" smtClean="0"/>
-              <a:t>2/24/2017</a:t>
+              <a:t>2/27/17</a:t>
             </a:fld>
             <a:endParaRPr lang="en-US"/>
           </a:p>
@@ -3035,7 +2813,7 @@
     </p:spTree>
     <p:extLst>
       <p:ext uri="{BB962C8B-B14F-4D97-AF65-F5344CB8AC3E}">
-        <p14:creationId xmlns:p14="http://schemas.microsoft.com/office/powerpoint/2010/main" val="4259126489"/>
+        <p14:creationId xmlns:p14="http://schemas.microsoft.com/office/powerpoint/2010/main" val="1023319500"/>
       </p:ext>
     </p:extLst>
   </p:cSld>
@@ -3045,7 +2823,7 @@
 </p:sldLayout>
 </file>
 
-<file path=ppt/slideLayouts/slideLayout7.xml><?xml version="1.0" encoding="utf-8"?>
+<file path=ppt/slideLayouts/slideLayout6.xml><?xml version="1.0" encoding="utf-8"?>
 <p:sldLayout xmlns:a="http://schemas.openxmlformats.org/drawingml/2006/main" xmlns:r="http://schemas.openxmlformats.org/officeDocument/2006/relationships" xmlns:p="http://schemas.openxmlformats.org/presentationml/2006/main" type="blank" preserve="1">
   <p:cSld name="Blank">
     <p:spTree>
@@ -3079,7 +2857,7 @@
           <a:p>
             <a:fld id="{D1E5884D-F9D8-47B8-87FA-612738ED0F47}" type="datetimeFigureOut">
               <a:rPr lang="en-US" smtClean="0"/>
-              <a:t>2/24/2017</a:t>
+              <a:t>2/27/17</a:t>
             </a:fld>
             <a:endParaRPr lang="en-US"/>
           </a:p>
@@ -3130,7 +2908,7 @@
     </p:spTree>
     <p:extLst>
       <p:ext uri="{BB962C8B-B14F-4D97-AF65-F5344CB8AC3E}">
-        <p14:creationId xmlns:p14="http://schemas.microsoft.com/office/powerpoint/2010/main" val="2205201759"/>
+        <p14:creationId xmlns:p14="http://schemas.microsoft.com/office/powerpoint/2010/main" val="1881791324"/>
       </p:ext>
     </p:extLst>
   </p:cSld>
@@ -3140,7 +2918,7 @@
 </p:sldLayout>
 </file>
 
-<file path=ppt/slideLayouts/slideLayout8.xml><?xml version="1.0" encoding="utf-8"?>
+<file path=ppt/slideLayouts/slideLayout7.xml><?xml version="1.0" encoding="utf-8"?>
 <p:sldLayout xmlns:a="http://schemas.openxmlformats.org/drawingml/2006/main" xmlns:r="http://schemas.openxmlformats.org/officeDocument/2006/relationships" xmlns:p="http://schemas.openxmlformats.org/presentationml/2006/main" type="objTx" preserve="1">
   <p:cSld name="Content with Caption">
     <p:spTree>
@@ -3172,12 +2950,19 @@
             <a:off x="839788" y="457200"/>
             <a:ext cx="3932237" cy="1600200"/>
           </a:xfrm>
+          <a:prstGeom prst="rect">
+            <a:avLst/>
+          </a:prstGeom>
         </p:spPr>
         <p:txBody>
           <a:bodyPr anchor="b"/>
           <a:lstStyle>
             <a:lvl1pPr>
-              <a:defRPr sz="3200"/>
+              <a:defRPr sz="3200">
+                <a:latin typeface="PF Din Text Comp Pro" charset="0"/>
+                <a:ea typeface="PF Din Text Comp Pro" charset="0"/>
+                <a:cs typeface="PF Din Text Comp Pro" charset="0"/>
+              </a:defRPr>
             </a:lvl1pPr>
           </a:lstStyle>
           <a:p>
@@ -3185,7 +2970,7 @@
               <a:rPr lang="en-US" smtClean="0"/>
               <a:t>Click to edit Master title style</a:t>
             </a:r>
-            <a:endParaRPr lang="en-US"/>
+            <a:endParaRPr lang="en-US" dirty="0"/>
           </a:p>
         </p:txBody>
       </p:sp>
@@ -3240,7 +3025,7 @@
             <a:pPr lvl="0"/>
             <a:r>
               <a:rPr lang="en-US" smtClean="0"/>
-              <a:t>Edit Master text styles</a:t>
+              <a:t>Click to edit Master text styles</a:t>
             </a:r>
           </a:p>
           <a:p>
@@ -3334,7 +3119,7 @@
             <a:pPr lvl="0"/>
             <a:r>
               <a:rPr lang="en-US" smtClean="0"/>
-              <a:t>Edit Master text styles</a:t>
+              <a:t>Click to edit Master text styles</a:t>
             </a:r>
           </a:p>
         </p:txBody>
@@ -3356,7 +3141,7 @@
           <a:p>
             <a:fld id="{D1E5884D-F9D8-47B8-87FA-612738ED0F47}" type="datetimeFigureOut">
               <a:rPr lang="en-US" smtClean="0"/>
-              <a:t>2/24/2017</a:t>
+              <a:t>2/27/17</a:t>
             </a:fld>
             <a:endParaRPr lang="en-US"/>
           </a:p>
@@ -3407,7 +3192,7 @@
     </p:spTree>
     <p:extLst>
       <p:ext uri="{BB962C8B-B14F-4D97-AF65-F5344CB8AC3E}">
-        <p14:creationId xmlns:p14="http://schemas.microsoft.com/office/powerpoint/2010/main" val="1617687869"/>
+        <p14:creationId xmlns:p14="http://schemas.microsoft.com/office/powerpoint/2010/main" val="1275113099"/>
       </p:ext>
     </p:extLst>
   </p:cSld>
@@ -3417,7 +3202,7 @@
 </p:sldLayout>
 </file>
 
-<file path=ppt/slideLayouts/slideLayout9.xml><?xml version="1.0" encoding="utf-8"?>
+<file path=ppt/slideLayouts/slideLayout8.xml><?xml version="1.0" encoding="utf-8"?>
 <p:sldLayout xmlns:a="http://schemas.openxmlformats.org/drawingml/2006/main" xmlns:r="http://schemas.openxmlformats.org/officeDocument/2006/relationships" xmlns:p="http://schemas.openxmlformats.org/presentationml/2006/main" type="picTx" preserve="1">
   <p:cSld name="Picture with Caption">
     <p:spTree>
@@ -3449,12 +3234,19 @@
             <a:off x="839788" y="457200"/>
             <a:ext cx="3932237" cy="1600200"/>
           </a:xfrm>
+          <a:prstGeom prst="rect">
+            <a:avLst/>
+          </a:prstGeom>
         </p:spPr>
         <p:txBody>
           <a:bodyPr anchor="b"/>
           <a:lstStyle>
             <a:lvl1pPr>
-              <a:defRPr sz="3200"/>
+              <a:defRPr sz="3200">
+                <a:latin typeface="PF Din Text Comp Pro" charset="0"/>
+                <a:ea typeface="PF Din Text Comp Pro" charset="0"/>
+                <a:cs typeface="PF Din Text Comp Pro" charset="0"/>
+              </a:defRPr>
             </a:lvl1pPr>
           </a:lstStyle>
           <a:p>
@@ -3462,7 +3254,7 @@
               <a:rPr lang="en-US" smtClean="0"/>
               <a:t>Click to edit Master title style</a:t>
             </a:r>
-            <a:endParaRPr lang="en-US"/>
+            <a:endParaRPr lang="en-US" dirty="0"/>
           </a:p>
         </p:txBody>
       </p:sp>
@@ -3523,6 +3315,10 @@
             </a:lvl9pPr>
           </a:lstStyle>
           <a:p>
+            <a:r>
+              <a:rPr lang="en-US" smtClean="0"/>
+              <a:t>Drag picture to placeholder or click icon to add</a:t>
+            </a:r>
             <a:endParaRPr lang="en-US"/>
           </a:p>
         </p:txBody>
@@ -3587,7 +3383,7 @@
             <a:pPr lvl="0"/>
             <a:r>
               <a:rPr lang="en-US" smtClean="0"/>
-              <a:t>Edit Master text styles</a:t>
+              <a:t>Click to edit Master text styles</a:t>
             </a:r>
           </a:p>
         </p:txBody>
@@ -3609,7 +3405,7 @@
           <a:p>
             <a:fld id="{D1E5884D-F9D8-47B8-87FA-612738ED0F47}" type="datetimeFigureOut">
               <a:rPr lang="en-US" smtClean="0"/>
-              <a:t>2/24/2017</a:t>
+              <a:t>2/27/17</a:t>
             </a:fld>
             <a:endParaRPr lang="en-US"/>
           </a:p>
@@ -3660,7 +3456,185 @@
     </p:spTree>
     <p:extLst>
       <p:ext uri="{BB962C8B-B14F-4D97-AF65-F5344CB8AC3E}">
-        <p14:creationId xmlns:p14="http://schemas.microsoft.com/office/powerpoint/2010/main" val="224593725"/>
+        <p14:creationId xmlns:p14="http://schemas.microsoft.com/office/powerpoint/2010/main" val="1086541480"/>
+      </p:ext>
+    </p:extLst>
+  </p:cSld>
+  <p:clrMapOvr>
+    <a:masterClrMapping/>
+  </p:clrMapOvr>
+</p:sldLayout>
+</file>
+
+<file path=ppt/slideLayouts/slideLayout9.xml><?xml version="1.0" encoding="utf-8"?>
+<p:sldLayout xmlns:a="http://schemas.openxmlformats.org/drawingml/2006/main" xmlns:r="http://schemas.openxmlformats.org/officeDocument/2006/relationships" xmlns:p="http://schemas.openxmlformats.org/presentationml/2006/main" type="vertTx" preserve="1">
+  <p:cSld name="Title and Vertical Text">
+    <p:spTree>
+      <p:nvGrpSpPr>
+        <p:cNvPr id="1" name=""/>
+        <p:cNvGrpSpPr/>
+        <p:nvPr/>
+      </p:nvGrpSpPr>
+      <p:grpSpPr>
+        <a:xfrm>
+          <a:off x="0" y="0"/>
+          <a:ext cx="0" cy="0"/>
+          <a:chOff x="0" y="0"/>
+          <a:chExt cx="0" cy="0"/>
+        </a:xfrm>
+      </p:grpSpPr>
+      <p:sp>
+        <p:nvSpPr>
+          <p:cNvPr id="2" name="Title 1"/>
+          <p:cNvSpPr>
+            <a:spLocks noGrp="1"/>
+          </p:cNvSpPr>
+          <p:nvPr>
+            <p:ph type="title"/>
+          </p:nvPr>
+        </p:nvSpPr>
+        <p:spPr>
+          <a:xfrm>
+            <a:off x="838200" y="365125"/>
+            <a:ext cx="10515600" cy="1325563"/>
+          </a:xfrm>
+          <a:prstGeom prst="rect">
+            <a:avLst/>
+          </a:prstGeom>
+        </p:spPr>
+        <p:txBody>
+          <a:bodyPr/>
+          <a:lstStyle/>
+          <a:p>
+            <a:r>
+              <a:rPr lang="en-US" smtClean="0"/>
+              <a:t>Click to edit Master title style</a:t>
+            </a:r>
+            <a:endParaRPr lang="en-US"/>
+          </a:p>
+        </p:txBody>
+      </p:sp>
+      <p:sp>
+        <p:nvSpPr>
+          <p:cNvPr id="3" name="Vertical Text Placeholder 2"/>
+          <p:cNvSpPr>
+            <a:spLocks noGrp="1"/>
+          </p:cNvSpPr>
+          <p:nvPr>
+            <p:ph type="body" orient="vert" idx="1"/>
+          </p:nvPr>
+        </p:nvSpPr>
+        <p:spPr/>
+        <p:txBody>
+          <a:bodyPr vert="eaVert"/>
+          <a:lstStyle/>
+          <a:p>
+            <a:pPr lvl="0"/>
+            <a:r>
+              <a:rPr lang="en-US" smtClean="0"/>
+              <a:t>Click to edit Master text styles</a:t>
+            </a:r>
+          </a:p>
+          <a:p>
+            <a:pPr lvl="1"/>
+            <a:r>
+              <a:rPr lang="en-US" smtClean="0"/>
+              <a:t>Second level</a:t>
+            </a:r>
+          </a:p>
+          <a:p>
+            <a:pPr lvl="2"/>
+            <a:r>
+              <a:rPr lang="en-US" smtClean="0"/>
+              <a:t>Third level</a:t>
+            </a:r>
+          </a:p>
+          <a:p>
+            <a:pPr lvl="3"/>
+            <a:r>
+              <a:rPr lang="en-US" smtClean="0"/>
+              <a:t>Fourth level</a:t>
+            </a:r>
+          </a:p>
+          <a:p>
+            <a:pPr lvl="4"/>
+            <a:r>
+              <a:rPr lang="en-US" smtClean="0"/>
+              <a:t>Fifth level</a:t>
+            </a:r>
+            <a:endParaRPr lang="en-US"/>
+          </a:p>
+        </p:txBody>
+      </p:sp>
+      <p:sp>
+        <p:nvSpPr>
+          <p:cNvPr id="4" name="Date Placeholder 3"/>
+          <p:cNvSpPr>
+            <a:spLocks noGrp="1"/>
+          </p:cNvSpPr>
+          <p:nvPr>
+            <p:ph type="dt" sz="half" idx="10"/>
+          </p:nvPr>
+        </p:nvSpPr>
+        <p:spPr/>
+        <p:txBody>
+          <a:bodyPr/>
+          <a:lstStyle/>
+          <a:p>
+            <a:fld id="{D1E5884D-F9D8-47B8-87FA-612738ED0F47}" type="datetimeFigureOut">
+              <a:rPr lang="en-US" smtClean="0"/>
+              <a:t>2/27/17</a:t>
+            </a:fld>
+            <a:endParaRPr lang="en-US"/>
+          </a:p>
+        </p:txBody>
+      </p:sp>
+      <p:sp>
+        <p:nvSpPr>
+          <p:cNvPr id="5" name="Footer Placeholder 4"/>
+          <p:cNvSpPr>
+            <a:spLocks noGrp="1"/>
+          </p:cNvSpPr>
+          <p:nvPr>
+            <p:ph type="ftr" sz="quarter" idx="11"/>
+          </p:nvPr>
+        </p:nvSpPr>
+        <p:spPr/>
+        <p:txBody>
+          <a:bodyPr/>
+          <a:lstStyle/>
+          <a:p>
+            <a:endParaRPr lang="en-US"/>
+          </a:p>
+        </p:txBody>
+      </p:sp>
+      <p:sp>
+        <p:nvSpPr>
+          <p:cNvPr id="6" name="Slide Number Placeholder 5"/>
+          <p:cNvSpPr>
+            <a:spLocks noGrp="1"/>
+          </p:cNvSpPr>
+          <p:nvPr>
+            <p:ph type="sldNum" sz="quarter" idx="12"/>
+          </p:nvPr>
+        </p:nvSpPr>
+        <p:spPr/>
+        <p:txBody>
+          <a:bodyPr/>
+          <a:lstStyle/>
+          <a:p>
+            <a:fld id="{15BB8605-3702-45A4-A5FA-255EF972CB47}" type="slidenum">
+              <a:rPr lang="en-US" smtClean="0"/>
+              <a:t>‹#›</a:t>
+            </a:fld>
+            <a:endParaRPr lang="en-US"/>
+          </a:p>
+        </p:txBody>
+      </p:sp>
+    </p:spTree>
+    <p:extLst>
+      <p:ext uri="{BB962C8B-B14F-4D97-AF65-F5344CB8AC3E}">
+        <p14:creationId xmlns:p14="http://schemas.microsoft.com/office/powerpoint/2010/main" val="1449203919"/>
       </p:ext>
     </p:extLst>
   </p:cSld>
@@ -3694,39 +3668,6 @@
       </p:grpSpPr>
       <p:sp>
         <p:nvSpPr>
-          <p:cNvPr id="2" name="Title Placeholder 1"/>
-          <p:cNvSpPr>
-            <a:spLocks noGrp="1"/>
-          </p:cNvSpPr>
-          <p:nvPr>
-            <p:ph type="title"/>
-          </p:nvPr>
-        </p:nvSpPr>
-        <p:spPr>
-          <a:xfrm>
-            <a:off x="838200" y="365125"/>
-            <a:ext cx="10515600" cy="1325563"/>
-          </a:xfrm>
-          <a:prstGeom prst="rect">
-            <a:avLst/>
-          </a:prstGeom>
-        </p:spPr>
-        <p:txBody>
-          <a:bodyPr vert="horz" lIns="91440" tIns="45720" rIns="91440" bIns="45720" rtlCol="0" anchor="ctr">
-            <a:normAutofit/>
-          </a:bodyPr>
-          <a:lstStyle/>
-          <a:p>
-            <a:r>
-              <a:rPr lang="en-US" smtClean="0"/>
-              <a:t>Click to edit Master title style</a:t>
-            </a:r>
-            <a:endParaRPr lang="en-US"/>
-          </a:p>
-        </p:txBody>
-      </p:sp>
-      <p:sp>
-        <p:nvSpPr>
           <p:cNvPr id="3" name="Text Placeholder 2"/>
           <p:cNvSpPr>
             <a:spLocks noGrp="1"/>
@@ -3753,7 +3694,7 @@
             <a:pPr lvl="0"/>
             <a:r>
               <a:rPr lang="en-US" smtClean="0"/>
-              <a:t>Edit Master text styles</a:t>
+              <a:t>Click to edit Master text styles</a:t>
             </a:r>
           </a:p>
           <a:p>
@@ -3783,7 +3724,7 @@
               <a:rPr lang="en-US" smtClean="0"/>
               <a:t>Fifth level</a:t>
             </a:r>
-            <a:endParaRPr lang="en-US"/>
+            <a:endParaRPr lang="en-US" dirty="0"/>
           </a:p>
         </p:txBody>
       </p:sp>
@@ -3822,7 +3763,7 @@
           <a:p>
             <a:fld id="{D1E5884D-F9D8-47B8-87FA-612738ED0F47}" type="datetimeFigureOut">
               <a:rPr lang="en-US" smtClean="0"/>
-              <a:t>2/24/2017</a:t>
+              <a:t>2/27/17</a:t>
             </a:fld>
             <a:endParaRPr lang="en-US"/>
           </a:p>
@@ -3906,26 +3847,95 @@
           </a:p>
         </p:txBody>
       </p:sp>
+      <p:cxnSp>
+        <p:nvCxnSpPr>
+          <p:cNvPr id="8" name="Straight Connector 7"/>
+          <p:cNvCxnSpPr/>
+          <p:nvPr/>
+        </p:nvCxnSpPr>
+        <p:spPr>
+          <a:xfrm>
+            <a:off x="838200" y="365125"/>
+            <a:ext cx="10515600" cy="0"/>
+          </a:xfrm>
+          <a:prstGeom prst="line">
+            <a:avLst/>
+          </a:prstGeom>
+          <a:ln w="38100">
+            <a:solidFill>
+              <a:schemeClr val="tx1"/>
+            </a:solidFill>
+          </a:ln>
+        </p:spPr>
+        <p:style>
+          <a:lnRef idx="1">
+            <a:schemeClr val="accent1"/>
+          </a:lnRef>
+          <a:fillRef idx="0">
+            <a:schemeClr val="accent1"/>
+          </a:fillRef>
+          <a:effectRef idx="0">
+            <a:schemeClr val="accent1"/>
+          </a:effectRef>
+          <a:fontRef idx="minor">
+            <a:schemeClr val="tx1"/>
+          </a:fontRef>
+        </p:style>
+      </p:cxnSp>
+      <p:cxnSp>
+        <p:nvCxnSpPr>
+          <p:cNvPr id="9" name="Straight Connector 8"/>
+          <p:cNvCxnSpPr/>
+          <p:nvPr/>
+        </p:nvCxnSpPr>
+        <p:spPr>
+          <a:xfrm>
+            <a:off x="838200" y="906632"/>
+            <a:ext cx="10515600" cy="0"/>
+          </a:xfrm>
+          <a:prstGeom prst="line">
+            <a:avLst/>
+          </a:prstGeom>
+          <a:ln w="38100">
+            <a:solidFill>
+              <a:schemeClr val="tx1"/>
+            </a:solidFill>
+          </a:ln>
+        </p:spPr>
+        <p:style>
+          <a:lnRef idx="1">
+            <a:schemeClr val="accent1"/>
+          </a:lnRef>
+          <a:fillRef idx="0">
+            <a:schemeClr val="accent1"/>
+          </a:fillRef>
+          <a:effectRef idx="0">
+            <a:schemeClr val="accent1"/>
+          </a:effectRef>
+          <a:fontRef idx="minor">
+            <a:schemeClr val="tx1"/>
+          </a:fontRef>
+        </p:style>
+      </p:cxnSp>
     </p:spTree>
     <p:extLst>
       <p:ext uri="{BB962C8B-B14F-4D97-AF65-F5344CB8AC3E}">
-        <p14:creationId xmlns:p14="http://schemas.microsoft.com/office/powerpoint/2010/main" val="3419763754"/>
+        <p14:creationId xmlns:p14="http://schemas.microsoft.com/office/powerpoint/2010/main" val="433780297"/>
       </p:ext>
     </p:extLst>
   </p:cSld>
   <p:clrMap bg1="lt1" tx1="dk1" bg2="lt2" tx2="dk2" accent1="accent1" accent2="accent2" accent3="accent3" accent4="accent4" accent5="accent5" accent6="accent6" hlink="hlink" folHlink="folHlink"/>
   <p:sldLayoutIdLst>
-    <p:sldLayoutId id="2147483649" r:id="rId1"/>
-    <p:sldLayoutId id="2147483650" r:id="rId2"/>
-    <p:sldLayoutId id="2147483651" r:id="rId3"/>
-    <p:sldLayoutId id="2147483652" r:id="rId4"/>
-    <p:sldLayoutId id="2147483653" r:id="rId5"/>
-    <p:sldLayoutId id="2147483654" r:id="rId6"/>
-    <p:sldLayoutId id="2147483655" r:id="rId7"/>
-    <p:sldLayoutId id="2147483656" r:id="rId8"/>
-    <p:sldLayoutId id="2147483657" r:id="rId9"/>
-    <p:sldLayoutId id="2147483658" r:id="rId10"/>
-    <p:sldLayoutId id="2147483659" r:id="rId11"/>
+    <p:sldLayoutId id="2147483661" r:id="rId1"/>
+    <p:sldLayoutId id="2147483662" r:id="rId2"/>
+    <p:sldLayoutId id="2147483663" r:id="rId3"/>
+    <p:sldLayoutId id="2147483664" r:id="rId4"/>
+    <p:sldLayoutId id="2147483665" r:id="rId5"/>
+    <p:sldLayoutId id="2147483666" r:id="rId6"/>
+    <p:sldLayoutId id="2147483667" r:id="rId7"/>
+    <p:sldLayoutId id="2147483668" r:id="rId8"/>
+    <p:sldLayoutId id="2147483669" r:id="rId9"/>
+    <p:sldLayoutId id="2147483670" r:id="rId10"/>
   </p:sldLayoutIdLst>
   <p:txStyles>
     <p:titleStyle>
@@ -3941,29 +3951,30 @@
           <a:solidFill>
             <a:schemeClr val="tx1"/>
           </a:solidFill>
-          <a:latin typeface="+mj-lt"/>
-          <a:ea typeface="+mj-ea"/>
-          <a:cs typeface="+mj-cs"/>
+          <a:latin typeface="News706BT-RomanC" charset="0"/>
+          <a:ea typeface="News706BT-RomanC" charset="0"/>
+          <a:cs typeface="News706BT-RomanC" charset="0"/>
         </a:defRPr>
       </a:lvl1pPr>
     </p:titleStyle>
     <p:bodyStyle>
-      <a:lvl1pPr marL="228600" indent="-228600" algn="l" defTabSz="914400" rtl="0" eaLnBrk="1" latinLnBrk="0" hangingPunct="1">
+      <a:lvl1pPr marL="457200" indent="-457200" algn="l" defTabSz="914400" rtl="0" eaLnBrk="1" latinLnBrk="0" hangingPunct="1">
         <a:lnSpc>
           <a:spcPct val="90000"/>
         </a:lnSpc>
         <a:spcBef>
           <a:spcPts val="1000"/>
         </a:spcBef>
-        <a:buFont typeface="Arial" panose="020B0604020202020204" pitchFamily="34" charset="0"/>
-        <a:buChar char="•"/>
+        <a:buSzPct val="100000"/>
+        <a:buFont typeface="LucidaGrande" charset="0"/>
+        <a:buChar char="▸"/>
         <a:defRPr sz="2800" kern="1200">
           <a:solidFill>
             <a:schemeClr val="tx1"/>
           </a:solidFill>
-          <a:latin typeface="+mn-lt"/>
-          <a:ea typeface="+mn-ea"/>
-          <a:cs typeface="+mn-cs"/>
+          <a:latin typeface="News706BT-RomanC" charset="0"/>
+          <a:ea typeface="News706BT-RomanC" charset="0"/>
+          <a:cs typeface="News706BT-RomanC" charset="0"/>
         </a:defRPr>
       </a:lvl1pPr>
       <a:lvl2pPr marL="685800" indent="-228600" algn="l" defTabSz="914400" rtl="0" eaLnBrk="1" latinLnBrk="0" hangingPunct="1">
@@ -3973,15 +3984,16 @@
         <a:spcBef>
           <a:spcPts val="500"/>
         </a:spcBef>
-        <a:buFont typeface="Arial" panose="020B0604020202020204" pitchFamily="34" charset="0"/>
-        <a:buChar char="•"/>
+        <a:buSzPct val="100000"/>
+        <a:buFont typeface="LucidaGrande" charset="0"/>
+        <a:buChar char="▸"/>
         <a:defRPr sz="2400" kern="1200">
           <a:solidFill>
             <a:schemeClr val="tx1"/>
           </a:solidFill>
-          <a:latin typeface="+mn-lt"/>
-          <a:ea typeface="+mn-ea"/>
-          <a:cs typeface="+mn-cs"/>
+          <a:latin typeface="News706BT-RomanC" charset="0"/>
+          <a:ea typeface="News706BT-RomanC" charset="0"/>
+          <a:cs typeface="News706BT-RomanC" charset="0"/>
         </a:defRPr>
       </a:lvl2pPr>
       <a:lvl3pPr marL="1143000" indent="-228600" algn="l" defTabSz="914400" rtl="0" eaLnBrk="1" latinLnBrk="0" hangingPunct="1">
@@ -3991,15 +4003,16 @@
         <a:spcBef>
           <a:spcPts val="500"/>
         </a:spcBef>
-        <a:buFont typeface="Arial" panose="020B0604020202020204" pitchFamily="34" charset="0"/>
-        <a:buChar char="•"/>
+        <a:buSzPct val="100000"/>
+        <a:buFont typeface="LucidaGrande" charset="0"/>
+        <a:buChar char="▸"/>
         <a:defRPr sz="2000" kern="1200">
           <a:solidFill>
             <a:schemeClr val="tx1"/>
           </a:solidFill>
-          <a:latin typeface="+mn-lt"/>
-          <a:ea typeface="+mn-ea"/>
-          <a:cs typeface="+mn-cs"/>
+          <a:latin typeface="News706BT-RomanC" charset="0"/>
+          <a:ea typeface="News706BT-RomanC" charset="0"/>
+          <a:cs typeface="News706BT-RomanC" charset="0"/>
         </a:defRPr>
       </a:lvl3pPr>
       <a:lvl4pPr marL="1600200" indent="-228600" algn="l" defTabSz="914400" rtl="0" eaLnBrk="1" latinLnBrk="0" hangingPunct="1">
@@ -4009,15 +4022,16 @@
         <a:spcBef>
           <a:spcPts val="500"/>
         </a:spcBef>
-        <a:buFont typeface="Arial" panose="020B0604020202020204" pitchFamily="34" charset="0"/>
-        <a:buChar char="•"/>
+        <a:buSzPct val="100000"/>
+        <a:buFont typeface="LucidaGrande" charset="0"/>
+        <a:buChar char="▸"/>
         <a:defRPr sz="1800" kern="1200">
           <a:solidFill>
             <a:schemeClr val="tx1"/>
           </a:solidFill>
-          <a:latin typeface="+mn-lt"/>
-          <a:ea typeface="+mn-ea"/>
-          <a:cs typeface="+mn-cs"/>
+          <a:latin typeface="News706BT-RomanC" charset="0"/>
+          <a:ea typeface="News706BT-RomanC" charset="0"/>
+          <a:cs typeface="News706BT-RomanC" charset="0"/>
         </a:defRPr>
       </a:lvl4pPr>
       <a:lvl5pPr marL="2057400" indent="-228600" algn="l" defTabSz="914400" rtl="0" eaLnBrk="1" latinLnBrk="0" hangingPunct="1">
@@ -4027,15 +4041,16 @@
         <a:spcBef>
           <a:spcPts val="500"/>
         </a:spcBef>
-        <a:buFont typeface="Arial" panose="020B0604020202020204" pitchFamily="34" charset="0"/>
-        <a:buChar char="•"/>
+        <a:buSzPct val="100000"/>
+        <a:buFont typeface="LucidaGrande" charset="0"/>
+        <a:buChar char="▸"/>
         <a:defRPr sz="1800" kern="1200">
           <a:solidFill>
             <a:schemeClr val="tx1"/>
           </a:solidFill>
-          <a:latin typeface="+mn-lt"/>
-          <a:ea typeface="+mn-ea"/>
-          <a:cs typeface="+mn-cs"/>
+          <a:latin typeface="News706BT-RomanC" charset="0"/>
+          <a:ea typeface="News706BT-RomanC" charset="0"/>
+          <a:cs typeface="News706BT-RomanC" charset="0"/>
         </a:defRPr>
       </a:lvl5pPr>
       <a:lvl6pPr marL="2514600" indent="-228600" algn="l" defTabSz="914400" rtl="0" eaLnBrk="1" latinLnBrk="0" hangingPunct="1">
@@ -4045,7 +4060,7 @@
         <a:spcBef>
           <a:spcPts val="500"/>
         </a:spcBef>
-        <a:buFont typeface="Arial" panose="020B0604020202020204" pitchFamily="34" charset="0"/>
+        <a:buFont typeface="Arial"/>
         <a:buChar char="•"/>
         <a:defRPr sz="1800" kern="1200">
           <a:solidFill>
@@ -4063,7 +4078,7 @@
         <a:spcBef>
           <a:spcPts val="500"/>
         </a:spcBef>
-        <a:buFont typeface="Arial" panose="020B0604020202020204" pitchFamily="34" charset="0"/>
+        <a:buFont typeface="Arial"/>
         <a:buChar char="•"/>
         <a:defRPr sz="1800" kern="1200">
           <a:solidFill>
@@ -4081,7 +4096,7 @@
         <a:spcBef>
           <a:spcPts val="500"/>
         </a:spcBef>
-        <a:buFont typeface="Arial" panose="020B0604020202020204" pitchFamily="34" charset="0"/>
+        <a:buFont typeface="Arial"/>
         <a:buChar char="•"/>
         <a:defRPr sz="1800" kern="1200">
           <a:solidFill>
@@ -4099,7 +4114,7 @@
         <a:spcBef>
           <a:spcPts val="500"/>
         </a:spcBef>
-        <a:buFont typeface="Arial" panose="020B0604020202020204" pitchFamily="34" charset="0"/>
+        <a:buFont typeface="Arial"/>
         <a:buChar char="•"/>
         <a:defRPr sz="1800" kern="1200">
           <a:solidFill>
@@ -4242,30 +4257,12 @@
           <a:bodyPr/>
           <a:lstStyle/>
           <a:p>
-            <a:r>
-              <a:rPr lang="en-US" dirty="0" smtClean="0"/>
+            <a:pPr algn="r"/>
+            <a:r>
+              <a:rPr lang="en-US" sz="9600" dirty="0" smtClean="0"/>
               <a:t>Excel at Excel</a:t>
             </a:r>
-            <a:endParaRPr lang="en-US" dirty="0"/>
-          </a:p>
-        </p:txBody>
-      </p:sp>
-      <p:sp>
-        <p:nvSpPr>
-          <p:cNvPr id="3" name="Subtitle 2"/>
-          <p:cNvSpPr>
-            <a:spLocks noGrp="1"/>
-          </p:cNvSpPr>
-          <p:nvPr>
-            <p:ph type="subTitle" idx="1"/>
-          </p:nvPr>
-        </p:nvSpPr>
-        <p:spPr/>
-        <p:txBody>
-          <a:bodyPr/>
-          <a:lstStyle/>
-          <a:p>
-            <a:endParaRPr lang="en-US"/>
+            <a:endParaRPr lang="en-US" sz="9600" dirty="0"/>
           </a:p>
         </p:txBody>
       </p:sp>
@@ -4279,6 +4276,13 @@
   <p:clrMapOvr>
     <a:masterClrMapping/>
   </p:clrMapOvr>
+  <p:timing>
+    <p:tnLst>
+      <p:par>
+        <p:cTn id="1" dur="indefinite" restart="never" nodeType="tmRoot"/>
+      </p:par>
+    </p:tnLst>
+  </p:timing>
 </p:sld>
 </file>
 
@@ -4340,7 +4344,7 @@
           <a:lstStyle/>
           <a:p>
             <a:r>
-              <a:rPr lang="en-US" dirty="0" smtClean="0"/>
+              <a:rPr lang="en-US" sz="2600" dirty="0" smtClean="0"/>
               <a:t>Excel uses the following symbols to perform calculations</a:t>
             </a:r>
           </a:p>
@@ -4391,18 +4395,14 @@
           </a:p>
           <a:p>
             <a:r>
-              <a:rPr lang="en-US" dirty="0" smtClean="0"/>
-              <a:t>We will use some of these to complete the necessary </a:t>
-            </a:r>
-            <a:r>
-              <a:rPr lang="en-US" dirty="0" err="1" smtClean="0"/>
-              <a:t>calcuations</a:t>
-            </a:r>
-            <a:endParaRPr lang="en-US" dirty="0"/>
-          </a:p>
-          <a:p>
-            <a:r>
-              <a:rPr lang="en-US" dirty="0" smtClean="0"/>
+              <a:rPr lang="en-US" sz="2600" dirty="0" smtClean="0"/>
+              <a:t>We will use some of these to complete the necessary calculations</a:t>
+            </a:r>
+            <a:endParaRPr lang="en-US" sz="2600" dirty="0"/>
+          </a:p>
+          <a:p>
+            <a:r>
+              <a:rPr lang="en-US" sz="2600" dirty="0" smtClean="0"/>
               <a:t>To calculate the test plot in acres, in B10 enter the following:</a:t>
             </a:r>
           </a:p>
@@ -4417,13 +4417,13 @@
           </a:p>
           <a:p>
             <a:r>
-              <a:rPr lang="en-US" dirty="0" smtClean="0"/>
+              <a:rPr lang="en-US" sz="2600" dirty="0" smtClean="0"/>
               <a:t>We have far more decimals displayed than necessary </a:t>
             </a:r>
           </a:p>
           <a:p>
             <a:r>
-              <a:rPr lang="en-US" dirty="0" smtClean="0"/>
+              <a:rPr lang="en-US" sz="2600" dirty="0" smtClean="0"/>
               <a:t>Adjust using decrease decimals from the number group</a:t>
             </a:r>
           </a:p>
@@ -4449,7 +4449,7 @@
         </p:blipFill>
         <p:spPr>
           <a:xfrm>
-            <a:off x="9185309" y="4921250"/>
+            <a:off x="9357561" y="4947836"/>
             <a:ext cx="1752600" cy="1390650"/>
           </a:xfrm>
           <a:prstGeom prst="rect">
@@ -4500,6 +4500,13 @@
   <p:clrMapOvr>
     <a:masterClrMapping/>
   </p:clrMapOvr>
+  <p:timing>
+    <p:tnLst>
+      <p:par>
+        <p:cTn id="1" dur="indefinite" restart="never" nodeType="tmRoot"/>
+      </p:par>
+    </p:tnLst>
+  </p:timing>
 </p:sld>
 </file>
 
@@ -4561,13 +4568,13 @@
           <a:lstStyle/>
           <a:p>
             <a:r>
-              <a:rPr lang="en-US" dirty="0" smtClean="0"/>
+              <a:rPr lang="en-US" sz="2600" dirty="0" smtClean="0"/>
               <a:t>Our bean weight will need to be adjusted for the standardized moisture content expected</a:t>
             </a:r>
           </a:p>
           <a:p>
             <a:r>
-              <a:rPr lang="en-US" dirty="0" smtClean="0"/>
+              <a:rPr lang="en-US" sz="2600" dirty="0" smtClean="0"/>
               <a:t>The following formula should be entered in B15:</a:t>
             </a:r>
           </a:p>
@@ -4576,7 +4583,7 @@
               <a:buNone/>
             </a:pPr>
             <a:r>
-              <a:rPr lang="en-US" b="1" dirty="0" smtClean="0">
+              <a:rPr lang="en-US" sz="2600" b="1" dirty="0" smtClean="0">
                 <a:solidFill>
                   <a:srgbClr val="FF0000"/>
                 </a:solidFill>
@@ -4586,7 +4593,7 @@
           </a:p>
           <a:p>
             <a:r>
-              <a:rPr lang="en-US" dirty="0" smtClean="0"/>
+              <a:rPr lang="en-US" sz="2600" dirty="0" smtClean="0"/>
               <a:t>Then to calculate the weight we will be paid for in B16 enter:</a:t>
             </a:r>
           </a:p>
@@ -4595,7 +4602,7 @@
               <a:buNone/>
             </a:pPr>
             <a:r>
-              <a:rPr lang="en-US" b="1" dirty="0">
+              <a:rPr lang="en-US" sz="2600" b="1" dirty="0">
                 <a:solidFill>
                   <a:srgbClr val="FF0000"/>
                 </a:solidFill>
@@ -4605,17 +4612,17 @@
           </a:p>
           <a:p>
             <a:r>
-              <a:rPr lang="en-US" dirty="0" smtClean="0"/>
+              <a:rPr lang="en-US" sz="2600" dirty="0" smtClean="0"/>
               <a:t>Click in B19 and decrease the decimals so only the number 11 appears in the cell</a:t>
             </a:r>
           </a:p>
           <a:p>
             <a:r>
-              <a:rPr lang="en-US" dirty="0" smtClean="0"/>
+              <a:rPr lang="en-US" sz="2600" dirty="0" smtClean="0"/>
               <a:t>Calculate Bushels per acre as </a:t>
             </a:r>
             <a:r>
-              <a:rPr lang="en-US" b="1" dirty="0">
+              <a:rPr lang="en-US" sz="2600" b="1" dirty="0">
                 <a:solidFill>
                   <a:srgbClr val="FF0000"/>
                 </a:solidFill>
@@ -4630,11 +4637,11 @@
               </a:lnSpc>
             </a:pPr>
             <a:r>
-              <a:rPr lang="en-US" dirty="0" smtClean="0"/>
+              <a:rPr lang="en-US" sz="2600" dirty="0" smtClean="0"/>
               <a:t>Calculate Total Yield as </a:t>
             </a:r>
             <a:r>
-              <a:rPr lang="en-US" b="1" dirty="0">
+              <a:rPr lang="en-US" sz="2600" b="1" dirty="0">
                 <a:solidFill>
                   <a:srgbClr val="FF0000"/>
                 </a:solidFill>
@@ -4649,11 +4656,11 @@
               </a:lnSpc>
             </a:pPr>
             <a:r>
-              <a:rPr lang="en-US" dirty="0" smtClean="0"/>
+              <a:rPr lang="en-US" sz="2600" dirty="0" smtClean="0"/>
               <a:t>Calculate Estimated Revenue as </a:t>
             </a:r>
             <a:r>
-              <a:rPr lang="en-US" b="1" dirty="0">
+              <a:rPr lang="en-US" sz="2600" b="1" dirty="0">
                 <a:solidFill>
                   <a:srgbClr val="FF0000"/>
                 </a:solidFill>
@@ -4709,6 +4716,13 @@
   <p:clrMapOvr>
     <a:masterClrMapping/>
   </p:clrMapOvr>
+  <p:timing>
+    <p:tnLst>
+      <p:par>
+        <p:cTn id="1" dur="indefinite" restart="never" nodeType="tmRoot"/>
+      </p:par>
+    </p:tnLst>
+  </p:timing>
 </p:sld>
 </file>
 
@@ -4768,33 +4782,33 @@
           <a:lstStyle/>
           <a:p>
             <a:r>
-              <a:rPr lang="en-US" dirty="0" smtClean="0"/>
+              <a:rPr lang="en-US" sz="2400" dirty="0" smtClean="0"/>
               <a:t>Suppose the roughly $66,000 we estimated just isn’t enough and you wanted to find out what kind of yield would be needed to get to say $80,000</a:t>
             </a:r>
           </a:p>
           <a:p>
             <a:r>
-              <a:rPr lang="en-US" dirty="0" smtClean="0"/>
+              <a:rPr lang="en-US" sz="2400" dirty="0" smtClean="0"/>
               <a:t>Since we set up our sheet to be flexible we could simply click in B13 and test different values there until we hit the right one</a:t>
             </a:r>
           </a:p>
           <a:p>
             <a:r>
-              <a:rPr lang="en-US" dirty="0" smtClean="0"/>
+              <a:rPr lang="en-US" sz="2400" dirty="0" smtClean="0"/>
               <a:t>This is a form of </a:t>
             </a:r>
             <a:r>
-              <a:rPr lang="en-US" i="1" dirty="0" smtClean="0"/>
+              <a:rPr lang="en-US" sz="2400" i="1" dirty="0" smtClean="0"/>
               <a:t>What-if analysis</a:t>
             </a:r>
             <a:r>
-              <a:rPr lang="en-US" dirty="0" smtClean="0"/>
+              <a:rPr lang="en-US" sz="2400" dirty="0" smtClean="0"/>
               <a:t>, but it isn’t terribly efficient</a:t>
             </a:r>
           </a:p>
           <a:p>
             <a:r>
-              <a:rPr lang="en-US" dirty="0" smtClean="0"/>
+              <a:rPr lang="en-US" sz="2400" dirty="0" smtClean="0"/>
               <a:t>Fortunately Excel has a tool we can use to get there quickly…</a:t>
             </a:r>
           </a:p>
@@ -4813,6 +4827,13 @@
   <p:clrMapOvr>
     <a:masterClrMapping/>
   </p:clrMapOvr>
+  <p:timing>
+    <p:tnLst>
+      <p:par>
+        <p:cTn id="1" dur="indefinite" restart="never" nodeType="tmRoot"/>
+      </p:par>
+    </p:tnLst>
+  </p:timing>
 </p:sld>
 </file>
 
@@ -4869,12 +4890,12 @@
         <p:spPr/>
         <p:txBody>
           <a:bodyPr>
-            <a:normAutofit lnSpcReduction="10000"/>
+            <a:normAutofit/>
           </a:bodyPr>
           <a:lstStyle/>
           <a:p>
             <a:r>
-              <a:rPr lang="en-US" dirty="0" smtClean="0"/>
+              <a:rPr lang="en-US" sz="2400" dirty="0" smtClean="0"/>
               <a:t>Goal seek is a built-in tool that basically does what was described on the previous slide</a:t>
             </a:r>
           </a:p>
@@ -4884,7 +4905,7 @@
               <a:buAutoNum type="arabicPeriod"/>
             </a:pPr>
             <a:r>
-              <a:rPr lang="en-US" dirty="0" smtClean="0"/>
+              <a:rPr lang="en-US" sz="2400" dirty="0" smtClean="0"/>
               <a:t>Click on cell B23</a:t>
             </a:r>
           </a:p>
@@ -4894,7 +4915,7 @@
               <a:buAutoNum type="arabicPeriod"/>
             </a:pPr>
             <a:r>
-              <a:rPr lang="en-US" dirty="0" smtClean="0"/>
+              <a:rPr lang="en-US" sz="2400" dirty="0" smtClean="0"/>
               <a:t>Click on the data tab</a:t>
             </a:r>
           </a:p>
@@ -4904,7 +4925,7 @@
               <a:buAutoNum type="arabicPeriod"/>
             </a:pPr>
             <a:r>
-              <a:rPr lang="en-US" dirty="0" smtClean="0"/>
+              <a:rPr lang="en-US" sz="2400" dirty="0" smtClean="0"/>
               <a:t>Locate the What-if Analysis button and click, and select Goal Seek…</a:t>
             </a:r>
           </a:p>
@@ -4914,7 +4935,7 @@
               <a:buAutoNum type="arabicPeriod"/>
             </a:pPr>
             <a:r>
-              <a:rPr lang="en-US" dirty="0" smtClean="0"/>
+              <a:rPr lang="en-US" sz="2400" dirty="0" smtClean="0"/>
               <a:t>Be sure B23 appears in the Set cell: box</a:t>
             </a:r>
           </a:p>
@@ -4924,7 +4945,7 @@
               <a:buAutoNum type="arabicPeriod"/>
             </a:pPr>
             <a:r>
-              <a:rPr lang="en-US" dirty="0" smtClean="0"/>
+              <a:rPr lang="en-US" sz="2400" dirty="0" smtClean="0"/>
               <a:t>Click in the To value: box and type 80000</a:t>
             </a:r>
           </a:p>
@@ -4934,7 +4955,7 @@
               <a:buAutoNum type="arabicPeriod"/>
             </a:pPr>
             <a:r>
-              <a:rPr lang="en-US" dirty="0" smtClean="0"/>
+              <a:rPr lang="en-US" sz="2400" dirty="0" smtClean="0"/>
               <a:t>Click in the By changing cell: box </a:t>
             </a:r>
           </a:p>
@@ -4944,7 +4965,7 @@
               <a:buAutoNum type="arabicPeriod"/>
             </a:pPr>
             <a:r>
-              <a:rPr lang="en-US" dirty="0" smtClean="0"/>
+              <a:rPr lang="en-US" sz="2400" dirty="0" smtClean="0"/>
               <a:t>Click B13, then click OK</a:t>
             </a:r>
           </a:p>
@@ -4974,6 +4995,13 @@
   <p:clrMapOvr>
     <a:masterClrMapping/>
   </p:clrMapOvr>
+  <p:timing>
+    <p:tnLst>
+      <p:par>
+        <p:cTn id="1" dur="indefinite" restart="never" nodeType="tmRoot"/>
+      </p:par>
+    </p:tnLst>
+  </p:timing>
 </p:sld>
 </file>
 
@@ -5033,19 +5061,22 @@
           <a:lstStyle/>
           <a:p>
             <a:r>
-              <a:rPr lang="en-US" dirty="0" smtClean="0"/>
+              <a:rPr lang="en-US" sz="2400" dirty="0" smtClean="0"/>
               <a:t>Excel has automated many of the longer calculations that are common and includes many reference and logical functions</a:t>
             </a:r>
           </a:p>
           <a:p>
             <a:r>
-              <a:rPr lang="en-US" dirty="0" smtClean="0"/>
+              <a:rPr lang="en-US" sz="2400" dirty="0" smtClean="0"/>
               <a:t>While the results of these functions is highly varied, they share a common syntax</a:t>
             </a:r>
           </a:p>
           <a:p>
-            <a:r>
-              <a:rPr lang="en-US" dirty="0" smtClean="0"/>
+            <a:endParaRPr lang="en-US" sz="2400" dirty="0" smtClean="0"/>
+          </a:p>
+          <a:p>
+            <a:r>
+              <a:rPr lang="en-US" sz="2400" dirty="0" smtClean="0"/>
               <a:t>General syntax of all Excel functions:</a:t>
             </a:r>
           </a:p>
@@ -5068,7 +5099,7 @@
           </a:p>
           <a:p>
             <a:r>
-              <a:rPr lang="en-US" dirty="0" smtClean="0"/>
+              <a:rPr lang="en-US" sz="2400" dirty="0" smtClean="0"/>
               <a:t>Square brackets indicate optional arguments:</a:t>
             </a:r>
           </a:p>
@@ -5108,6 +5139,13 @@
   <p:clrMapOvr>
     <a:masterClrMapping/>
   </p:clrMapOvr>
+  <p:timing>
+    <p:tnLst>
+      <p:par>
+        <p:cTn id="1" dur="indefinite" restart="never" nodeType="tmRoot"/>
+      </p:par>
+    </p:tnLst>
+  </p:timing>
 </p:sld>
 </file>
 
@@ -5161,14 +5199,14 @@
             <p:ph idx="1"/>
             <p:extLst>
               <p:ext uri="{D42A27DB-BD31-4B8C-83A1-F6EECF244321}">
-                <p14:modId xmlns:p14="http://schemas.microsoft.com/office/powerpoint/2010/main" val="2596566855"/>
+                <p14:modId xmlns:p14="http://schemas.microsoft.com/office/powerpoint/2010/main" val="2799651400"/>
               </p:ext>
             </p:extLst>
           </p:nvPr>
         </p:nvGraphicFramePr>
         <p:xfrm>
-          <a:off x="838200" y="1825625"/>
-          <a:ext cx="10515600" cy="3774440"/>
+          <a:off x="838200" y="1728788"/>
+          <a:ext cx="10515600" cy="4145280"/>
         </p:xfrm>
         <a:graphic>
           <a:graphicData uri="http://schemas.openxmlformats.org/drawingml/2006/table">
@@ -5180,14 +5218,14 @@
                 <a:gridCol w="5257800">
                   <a:extLst>
                     <a:ext uri="{9D8B030D-6E8A-4147-A177-3AD203B41FA5}">
-                      <a16:colId xmlns:a16="http://schemas.microsoft.com/office/drawing/2014/main" val="2590828851"/>
+                      <a16:colId xmlns:a16="http://schemas.microsoft.com/office/drawing/2014/main" xmlns="" val="2590828851"/>
                     </a:ext>
                   </a:extLst>
                 </a:gridCol>
                 <a:gridCol w="5257800">
                   <a:extLst>
                     <a:ext uri="{9D8B030D-6E8A-4147-A177-3AD203B41FA5}">
-                      <a16:colId xmlns:a16="http://schemas.microsoft.com/office/drawing/2014/main" val="650047368"/>
+                      <a16:colId xmlns:a16="http://schemas.microsoft.com/office/drawing/2014/main" xmlns="" val="650047368"/>
                     </a:ext>
                   </a:extLst>
                 </a:gridCol>
@@ -5227,7 +5265,7 @@
                 </a:tc>
                 <a:extLst>
                   <a:ext uri="{0D108BD9-81ED-4DB2-BD59-A6C34878D82A}">
-                    <a16:rowId xmlns:a16="http://schemas.microsoft.com/office/drawing/2014/main" val="1197631812"/>
+                    <a16:rowId xmlns:a16="http://schemas.microsoft.com/office/drawing/2014/main" xmlns="" val="1197631812"/>
                   </a:ext>
                 </a:extLst>
               </a:tr>
@@ -5266,7 +5304,7 @@
                 </a:tc>
                 <a:extLst>
                   <a:ext uri="{0D108BD9-81ED-4DB2-BD59-A6C34878D82A}">
-                    <a16:rowId xmlns:a16="http://schemas.microsoft.com/office/drawing/2014/main" val="1426085106"/>
+                    <a16:rowId xmlns:a16="http://schemas.microsoft.com/office/drawing/2014/main" xmlns="" val="1426085106"/>
                   </a:ext>
                 </a:extLst>
               </a:tr>
@@ -5305,7 +5343,7 @@
                 </a:tc>
                 <a:extLst>
                   <a:ext uri="{0D108BD9-81ED-4DB2-BD59-A6C34878D82A}">
-                    <a16:rowId xmlns:a16="http://schemas.microsoft.com/office/drawing/2014/main" val="276510438"/>
+                    <a16:rowId xmlns:a16="http://schemas.microsoft.com/office/drawing/2014/main" xmlns="" val="276510438"/>
                   </a:ext>
                 </a:extLst>
               </a:tr>
@@ -5344,7 +5382,7 @@
                 </a:tc>
                 <a:extLst>
                   <a:ext uri="{0D108BD9-81ED-4DB2-BD59-A6C34878D82A}">
-                    <a16:rowId xmlns:a16="http://schemas.microsoft.com/office/drawing/2014/main" val="1981913270"/>
+                    <a16:rowId xmlns:a16="http://schemas.microsoft.com/office/drawing/2014/main" xmlns="" val="1981913270"/>
                   </a:ext>
                 </a:extLst>
               </a:tr>
@@ -5379,7 +5417,7 @@
                 </a:tc>
                 <a:extLst>
                   <a:ext uri="{0D108BD9-81ED-4DB2-BD59-A6C34878D82A}">
-                    <a16:rowId xmlns:a16="http://schemas.microsoft.com/office/drawing/2014/main" val="2924090715"/>
+                    <a16:rowId xmlns:a16="http://schemas.microsoft.com/office/drawing/2014/main" xmlns="" val="2924090715"/>
                   </a:ext>
                 </a:extLst>
               </a:tr>
@@ -5418,7 +5456,42 @@
                 </a:tc>
                 <a:extLst>
                   <a:ext uri="{0D108BD9-81ED-4DB2-BD59-A6C34878D82A}">
-                    <a16:rowId xmlns:a16="http://schemas.microsoft.com/office/drawing/2014/main" val="2111619996"/>
+                    <a16:rowId xmlns:a16="http://schemas.microsoft.com/office/drawing/2014/main" xmlns="" val="2111619996"/>
+                  </a:ext>
+                </a:extLst>
+              </a:tr>
+              <a:tr h="370840">
+                <a:tc>
+                  <a:txBody>
+                    <a:bodyPr/>
+                    <a:lstStyle/>
+                    <a:p>
+                      <a:r>
+                        <a:rPr lang="en-US" dirty="0" smtClean="0"/>
+                        <a:t>COUNTBLANK()</a:t>
+                      </a:r>
+                      <a:endParaRPr lang="en-US" dirty="0"/>
+                    </a:p>
+                  </a:txBody>
+                  <a:tcPr/>
+                </a:tc>
+                <a:tc>
+                  <a:txBody>
+                    <a:bodyPr/>
+                    <a:lstStyle/>
+                    <a:p>
+                      <a:r>
+                        <a:rPr lang="en-US" dirty="0" smtClean="0"/>
+                        <a:t>Counts the number of blank cells in a range</a:t>
+                      </a:r>
+                      <a:endParaRPr lang="en-US" dirty="0"/>
+                    </a:p>
+                  </a:txBody>
+                  <a:tcPr/>
+                </a:tc>
+                <a:extLst>
+                  <a:ext uri="{0D108BD9-81ED-4DB2-BD59-A6C34878D82A}">
+                    <a16:rowId xmlns:a16="http://schemas.microsoft.com/office/drawing/2014/main" xmlns="" val="112406781"/>
                   </a:ext>
                 </a:extLst>
               </a:tr>
@@ -5457,7 +5530,7 @@
                 </a:tc>
                 <a:extLst>
                   <a:ext uri="{0D108BD9-81ED-4DB2-BD59-A6C34878D82A}">
-                    <a16:rowId xmlns:a16="http://schemas.microsoft.com/office/drawing/2014/main" val="1504714637"/>
+                    <a16:rowId xmlns:a16="http://schemas.microsoft.com/office/drawing/2014/main" xmlns="" val="1504714637"/>
                   </a:ext>
                 </a:extLst>
               </a:tr>
@@ -5492,7 +5565,7 @@
                 </a:tc>
                 <a:extLst>
                   <a:ext uri="{0D108BD9-81ED-4DB2-BD59-A6C34878D82A}">
-                    <a16:rowId xmlns:a16="http://schemas.microsoft.com/office/drawing/2014/main" val="3546744736"/>
+                    <a16:rowId xmlns:a16="http://schemas.microsoft.com/office/drawing/2014/main" xmlns="" val="3546744736"/>
                   </a:ext>
                 </a:extLst>
               </a:tr>
@@ -5510,6 +5583,13 @@
   <p:clrMapOvr>
     <a:masterClrMapping/>
   </p:clrMapOvr>
+  <p:timing>
+    <p:tnLst>
+      <p:par>
+        <p:cTn id="1" dur="indefinite" restart="never" nodeType="tmRoot"/>
+      </p:par>
+    </p:tnLst>
+  </p:timing>
 </p:sld>
 </file>
 
@@ -5565,11 +5645,13 @@
         </p:nvSpPr>
         <p:spPr/>
         <p:txBody>
-          <a:bodyPr/>
-          <a:lstStyle/>
-          <a:p>
-            <a:r>
-              <a:rPr lang="en-US" dirty="0" smtClean="0"/>
+          <a:bodyPr>
+            <a:normAutofit/>
+          </a:bodyPr>
+          <a:lstStyle/>
+          <a:p>
+            <a:r>
+              <a:rPr lang="en-US" sz="2400" dirty="0" smtClean="0"/>
               <a:t>Switch to the Yield History sheet by clicking its tab near the bottom of the Excel window</a:t>
             </a:r>
           </a:p>
@@ -5579,7 +5661,7 @@
               <a:buAutoNum type="arabicPeriod"/>
             </a:pPr>
             <a:r>
-              <a:rPr lang="en-US" dirty="0" smtClean="0"/>
+              <a:rPr lang="en-US" sz="2400" dirty="0" smtClean="0"/>
               <a:t>Click in B5</a:t>
             </a:r>
           </a:p>
@@ -5589,7 +5671,7 @@
               <a:buAutoNum type="arabicPeriod"/>
             </a:pPr>
             <a:r>
-              <a:rPr lang="en-US" dirty="0" smtClean="0"/>
+              <a:rPr lang="en-US" sz="2400" dirty="0" smtClean="0"/>
               <a:t>Click the Formulas tab above the ribbon</a:t>
             </a:r>
           </a:p>
@@ -5599,7 +5681,7 @@
               <a:buAutoNum type="arabicPeriod"/>
             </a:pPr>
             <a:r>
-              <a:rPr lang="en-US" dirty="0" smtClean="0"/>
+              <a:rPr lang="en-US" sz="2400" dirty="0" smtClean="0"/>
               <a:t>Click More Functions, then select Statistical</a:t>
             </a:r>
           </a:p>
@@ -5609,7 +5691,7 @@
               <a:buAutoNum type="arabicPeriod"/>
             </a:pPr>
             <a:r>
-              <a:rPr lang="en-US" dirty="0" smtClean="0"/>
+              <a:rPr lang="en-US" sz="2400" dirty="0" smtClean="0"/>
               <a:t>Locate Count and click it, the function wizard opens</a:t>
             </a:r>
           </a:p>
@@ -5619,7 +5701,7 @@
               <a:buAutoNum type="arabicPeriod"/>
             </a:pPr>
             <a:r>
-              <a:rPr lang="en-US" dirty="0" smtClean="0"/>
+              <a:rPr lang="en-US" sz="2400" dirty="0" smtClean="0"/>
               <a:t>In the spreadsheet point at E5, then Click and drag down to E27</a:t>
             </a:r>
           </a:p>
@@ -5629,10 +5711,10 @@
               <a:buAutoNum type="arabicPeriod"/>
             </a:pPr>
             <a:r>
-              <a:rPr lang="en-US" dirty="0" smtClean="0"/>
+              <a:rPr lang="en-US" sz="2400" dirty="0" smtClean="0"/>
               <a:t>Click Ok and the number of years growing history appears in B5</a:t>
             </a:r>
-            <a:endParaRPr lang="en-US" dirty="0"/>
+            <a:endParaRPr lang="en-US" sz="2400" dirty="0"/>
           </a:p>
         </p:txBody>
       </p:sp>
@@ -5646,6 +5728,13 @@
   <p:clrMapOvr>
     <a:masterClrMapping/>
   </p:clrMapOvr>
+  <p:timing>
+    <p:tnLst>
+      <p:par>
+        <p:cTn id="1" dur="indefinite" restart="never" nodeType="tmRoot"/>
+      </p:par>
+    </p:tnLst>
+  </p:timing>
 </p:sld>
 </file>
 
@@ -5702,12 +5791,12 @@
         <p:spPr/>
         <p:txBody>
           <a:bodyPr>
-            <a:normAutofit fontScale="85000" lnSpcReduction="20000"/>
+            <a:normAutofit fontScale="70000" lnSpcReduction="20000"/>
           </a:bodyPr>
           <a:lstStyle/>
           <a:p>
             <a:r>
-              <a:rPr lang="en-US" dirty="0" smtClean="0"/>
+              <a:rPr lang="en-US" sz="3100" dirty="0" smtClean="0"/>
               <a:t>The function wizard has its uses, but it tends to be slower than just typing the formula right in the cell</a:t>
             </a:r>
           </a:p>
@@ -5717,7 +5806,7 @@
               <a:buAutoNum type="arabicPeriod"/>
             </a:pPr>
             <a:r>
-              <a:rPr lang="en-US" dirty="0" smtClean="0"/>
+              <a:rPr lang="en-US" sz="3100" dirty="0" smtClean="0"/>
               <a:t>Click in B6</a:t>
             </a:r>
           </a:p>
@@ -5727,11 +5816,11 @@
               <a:buAutoNum type="arabicPeriod"/>
             </a:pPr>
             <a:r>
-              <a:rPr lang="en-US" dirty="0" smtClean="0"/>
+              <a:rPr lang="en-US" sz="3100" dirty="0" smtClean="0"/>
               <a:t>Type </a:t>
             </a:r>
             <a:r>
-              <a:rPr lang="en-US" b="1" dirty="0" smtClean="0">
+              <a:rPr lang="en-US" sz="3100" b="1" dirty="0" smtClean="0">
                 <a:solidFill>
                   <a:srgbClr val="FF0000"/>
                 </a:solidFill>
@@ -5742,14 +5831,14 @@
           <a:p>
             <a:pPr lvl="1"/>
             <a:r>
-              <a:rPr lang="en-US" dirty="0" smtClean="0"/>
+              <a:rPr lang="en-US" sz="3100" dirty="0" smtClean="0"/>
               <a:t>Notice the answer presents with many decimals</a:t>
             </a:r>
           </a:p>
           <a:p>
             <a:pPr lvl="1"/>
             <a:r>
-              <a:rPr lang="en-US" dirty="0" smtClean="0"/>
+              <a:rPr lang="en-US" sz="3100" dirty="0" smtClean="0"/>
               <a:t>Instead of reducing the decimals we are going physically round the answer</a:t>
             </a:r>
           </a:p>
@@ -5759,7 +5848,7 @@
               <a:buAutoNum type="arabicPeriod"/>
             </a:pPr>
             <a:r>
-              <a:rPr lang="en-US" dirty="0" smtClean="0"/>
+              <a:rPr lang="en-US" sz="3100" dirty="0" smtClean="0"/>
               <a:t>Move into B6 and press F2 or Ctrl + U on a MAC to edit the formula</a:t>
             </a:r>
           </a:p>
@@ -5769,11 +5858,11 @@
               <a:buAutoNum type="arabicPeriod"/>
             </a:pPr>
             <a:r>
-              <a:rPr lang="en-US" dirty="0" smtClean="0"/>
+              <a:rPr lang="en-US" sz="3100" dirty="0" smtClean="0"/>
               <a:t>Place your cursor to immediately to the right of the = and type: </a:t>
             </a:r>
             <a:r>
-              <a:rPr lang="en-US" b="1" dirty="0" smtClean="0">
+              <a:rPr lang="en-US" sz="3100" b="1" dirty="0" smtClean="0">
                 <a:solidFill>
                   <a:srgbClr val="FF0000"/>
                 </a:solidFill>
@@ -5787,18 +5876,18 @@
               <a:buAutoNum type="arabicPeriod"/>
             </a:pPr>
             <a:r>
-              <a:rPr lang="en-US" dirty="0" smtClean="0"/>
+              <a:rPr lang="en-US" sz="3100" dirty="0" smtClean="0"/>
               <a:t>Move your cursor to the right of the closing parentheses and type </a:t>
             </a:r>
             <a:r>
-              <a:rPr lang="en-US" b="1" dirty="0" smtClean="0">
+              <a:rPr lang="en-US" sz="3100" b="1" dirty="0" smtClean="0">
                 <a:solidFill>
                   <a:srgbClr val="FF0000"/>
                 </a:solidFill>
               </a:rPr>
               <a:t>,0) </a:t>
             </a:r>
-            <a:endParaRPr lang="en-US" b="1" dirty="0" smtClean="0"/>
+            <a:endParaRPr lang="en-US" sz="3100" b="1" dirty="0" smtClean="0"/>
           </a:p>
           <a:p>
             <a:pPr marL="514350" indent="-514350">
@@ -5806,7 +5895,7 @@
               <a:buAutoNum type="arabicPeriod"/>
             </a:pPr>
             <a:r>
-              <a:rPr lang="en-US" dirty="0" smtClean="0"/>
+              <a:rPr lang="en-US" sz="3100" dirty="0" smtClean="0"/>
               <a:t>The result is a rounded version of the average with no decimals</a:t>
             </a:r>
           </a:p>
@@ -5816,13 +5905,13 @@
               <a:buAutoNum type="arabicPeriod"/>
             </a:pPr>
             <a:r>
-              <a:rPr lang="en-US" dirty="0" smtClean="0"/>
+              <a:rPr lang="en-US" sz="3100" dirty="0" smtClean="0"/>
               <a:t>The finished formula should look like this: =ROUND(AVERAGE(E5:E27),0)</a:t>
             </a:r>
           </a:p>
           <a:p>
             <a:r>
-              <a:rPr lang="en-US" dirty="0" smtClean="0"/>
+              <a:rPr lang="en-US" sz="3100" dirty="0" smtClean="0"/>
               <a:t>Notice that you can use functions as arguments for other functions</a:t>
             </a:r>
           </a:p>
@@ -5856,6 +5945,13 @@
   <p:clrMapOvr>
     <a:masterClrMapping/>
   </p:clrMapOvr>
+  <p:timing>
+    <p:tnLst>
+      <p:par>
+        <p:cTn id="1" dur="indefinite" restart="never" nodeType="tmRoot"/>
+      </p:par>
+    </p:tnLst>
+  </p:timing>
 </p:sld>
 </file>
 
@@ -5915,7 +6011,7 @@
           <a:lstStyle/>
           <a:p>
             <a:r>
-              <a:rPr lang="en-US" dirty="0" smtClean="0"/>
+              <a:rPr lang="en-US" sz="2400" dirty="0" smtClean="0"/>
               <a:t>To further summarize the growing history, we will calculate the minimum, maximum and median yields</a:t>
             </a:r>
           </a:p>
@@ -5925,7 +6021,7 @@
               <a:buAutoNum type="arabicPeriod"/>
             </a:pPr>
             <a:r>
-              <a:rPr lang="en-US" dirty="0" smtClean="0"/>
+              <a:rPr lang="en-US" sz="2400" dirty="0" smtClean="0"/>
               <a:t>In B7 enter =MIN(E5:E27) </a:t>
             </a:r>
           </a:p>
@@ -5935,7 +6031,7 @@
               <a:buAutoNum type="arabicPeriod"/>
             </a:pPr>
             <a:r>
-              <a:rPr lang="en-US" dirty="0" smtClean="0"/>
+              <a:rPr lang="en-US" sz="2400" dirty="0" smtClean="0"/>
               <a:t>In B8 enter =MAX(E5:E27)</a:t>
             </a:r>
           </a:p>
@@ -5945,9 +6041,28 @@
               <a:buAutoNum type="arabicPeriod"/>
             </a:pPr>
             <a:r>
-              <a:rPr lang="en-US" dirty="0" smtClean="0"/>
+              <a:rPr lang="en-US" sz="2400" dirty="0" smtClean="0"/>
               <a:t>In B9 enter =MEDIAN(E5:E27)</a:t>
             </a:r>
+          </a:p>
+          <a:p>
+            <a:r>
+              <a:rPr lang="en-US" sz="2400" dirty="0" smtClean="0"/>
+              <a:t>We could also find out how much data we are missing using the COUNTBLANK() function on the range E5:27</a:t>
+            </a:r>
+          </a:p>
+          <a:p>
+            <a:r>
+              <a:rPr lang="en-US" sz="2400" dirty="0" smtClean="0"/>
+              <a:t>Obviously, this is much more useful when you can’t visually check how much data is missing</a:t>
+            </a:r>
+          </a:p>
+          <a:p>
+            <a:pPr marL="514350" indent="-514350">
+              <a:buFont typeface="+mj-lt"/>
+              <a:buAutoNum type="arabicPeriod"/>
+            </a:pPr>
+            <a:endParaRPr lang="en-US" dirty="0" smtClean="0"/>
           </a:p>
           <a:p>
             <a:pPr marL="514350" indent="-514350">
@@ -5968,6 +6083,13 @@
   <p:clrMapOvr>
     <a:masterClrMapping/>
   </p:clrMapOvr>
+  <p:timing>
+    <p:tnLst>
+      <p:par>
+        <p:cTn id="1" dur="indefinite" restart="never" nodeType="tmRoot"/>
+      </p:par>
+    </p:tnLst>
+  </p:timing>
 </p:sld>
 </file>
 
@@ -6027,25 +6149,25 @@
           <a:lstStyle/>
           <a:p>
             <a:r>
-              <a:rPr lang="en-US" dirty="0" smtClean="0"/>
+              <a:rPr lang="en-US" sz="2400" dirty="0" smtClean="0"/>
               <a:t>Excel has many functions that deal with dates</a:t>
             </a:r>
           </a:p>
           <a:p>
             <a:r>
-              <a:rPr lang="en-US" dirty="0" smtClean="0"/>
+              <a:rPr lang="en-US" sz="2400" dirty="0" smtClean="0"/>
               <a:t>The include DAY([date]), MONTH([date]), YEAR([date]) to easily peel off different components of a date  </a:t>
             </a:r>
           </a:p>
           <a:p>
             <a:r>
-              <a:rPr lang="en-US" dirty="0" smtClean="0"/>
+              <a:rPr lang="en-US" sz="2400" dirty="0" smtClean="0"/>
               <a:t>The TODAY() function returns today’s date</a:t>
             </a:r>
           </a:p>
           <a:p>
             <a:r>
-              <a:rPr lang="en-US" dirty="0" smtClean="0"/>
+              <a:rPr lang="en-US" sz="2400" dirty="0" smtClean="0"/>
               <a:t>You can also add and subtract integers to dates to return days in the future or past</a:t>
             </a:r>
           </a:p>
@@ -6064,6 +6186,13 @@
   <p:clrMapOvr>
     <a:masterClrMapping/>
   </p:clrMapOvr>
+  <p:timing>
+    <p:tnLst>
+      <p:par>
+        <p:cTn id="1" dur="indefinite" restart="never" nodeType="tmRoot"/>
+      </p:par>
+    </p:tnLst>
+  </p:timing>
 </p:sld>
 </file>
 
@@ -6120,64 +6249,64 @@
         <p:spPr/>
         <p:txBody>
           <a:bodyPr>
-            <a:normAutofit fontScale="92500"/>
+            <a:normAutofit fontScale="92500" lnSpcReduction="10000"/>
           </a:bodyPr>
           <a:lstStyle/>
           <a:p>
             <a:r>
-              <a:rPr lang="en-US" dirty="0" smtClean="0"/>
+              <a:rPr lang="en-US" sz="2600" dirty="0" smtClean="0"/>
               <a:t>Anatomy of Excel</a:t>
             </a:r>
           </a:p>
           <a:p>
             <a:r>
-              <a:rPr lang="en-US" dirty="0" smtClean="0"/>
+              <a:rPr lang="en-US" sz="2600" dirty="0" smtClean="0"/>
               <a:t>Navigating in a spreadsheet</a:t>
             </a:r>
           </a:p>
           <a:p>
             <a:r>
-              <a:rPr lang="en-US" dirty="0" smtClean="0"/>
+              <a:rPr lang="en-US" sz="2600" dirty="0" smtClean="0"/>
               <a:t>Entering values and applying cell styles and conditional formatting</a:t>
             </a:r>
           </a:p>
           <a:p>
             <a:r>
-              <a:rPr lang="en-US" dirty="0" smtClean="0"/>
+              <a:rPr lang="en-US" sz="2600" dirty="0" smtClean="0"/>
               <a:t>Performing calculations &amp; Using built-in functions to perform calculations</a:t>
             </a:r>
           </a:p>
           <a:p>
             <a:r>
-              <a:rPr lang="en-US" dirty="0" err="1" smtClean="0"/>
+              <a:rPr lang="en-US" sz="2600" dirty="0" err="1" smtClean="0"/>
               <a:t>Autofilling</a:t>
             </a:r>
             <a:r>
-              <a:rPr lang="en-US" dirty="0" smtClean="0"/>
+              <a:rPr lang="en-US" sz="2600" dirty="0" smtClean="0"/>
               <a:t> Series and Formulae</a:t>
             </a:r>
           </a:p>
           <a:p>
             <a:r>
-              <a:rPr lang="en-US" dirty="0" smtClean="0"/>
+              <a:rPr lang="en-US" sz="2600" dirty="0" smtClean="0"/>
               <a:t>Using relative and absolute references</a:t>
             </a:r>
           </a:p>
           <a:p>
             <a:r>
-              <a:rPr lang="en-US" dirty="0" smtClean="0"/>
+              <a:rPr lang="en-US" sz="2600" dirty="0" smtClean="0"/>
               <a:t>Shortcuts for working more efficiently</a:t>
             </a:r>
           </a:p>
           <a:p>
             <a:r>
-              <a:rPr lang="en-US" dirty="0" smtClean="0"/>
+              <a:rPr lang="en-US" sz="2600" dirty="0" smtClean="0"/>
               <a:t>Introductory Tables and Pivot Tables</a:t>
             </a:r>
           </a:p>
           <a:p>
             <a:r>
-              <a:rPr lang="en-US" dirty="0" smtClean="0"/>
+              <a:rPr lang="en-US" sz="2600" dirty="0" smtClean="0"/>
               <a:t>Working with graphs and charts</a:t>
             </a:r>
           </a:p>
@@ -6199,6 +6328,13 @@
   <p:clrMapOvr>
     <a:masterClrMapping/>
   </p:clrMapOvr>
+  <p:timing>
+    <p:tnLst>
+      <p:par>
+        <p:cTn id="1" dur="indefinite" restart="never" nodeType="tmRoot"/>
+      </p:par>
+    </p:tnLst>
+  </p:timing>
 </p:sld>
 </file>
 
@@ -6254,21 +6390,23 @@
         </p:nvSpPr>
         <p:spPr/>
         <p:txBody>
-          <a:bodyPr/>
-          <a:lstStyle/>
-          <a:p>
-            <a:r>
-              <a:rPr lang="en-US" dirty="0" smtClean="0"/>
+          <a:bodyPr>
+            <a:normAutofit/>
+          </a:bodyPr>
+          <a:lstStyle/>
+          <a:p>
+            <a:r>
+              <a:rPr lang="en-US" sz="2400" dirty="0" smtClean="0"/>
               <a:t>Switch to the Growth sheet and move to cell B4</a:t>
             </a:r>
           </a:p>
           <a:p>
             <a:r>
-              <a:rPr lang="en-US" dirty="0" smtClean="0"/>
+              <a:rPr lang="en-US" sz="2400" dirty="0" smtClean="0"/>
               <a:t>Type </a:t>
             </a:r>
             <a:r>
-              <a:rPr lang="en-US" b="1" dirty="0" smtClean="0">
+              <a:rPr lang="en-US" sz="2400" b="1" dirty="0" smtClean="0">
                 <a:solidFill>
                   <a:srgbClr val="FF0000"/>
                 </a:solidFill>
@@ -6276,19 +6414,19 @@
               <a:t>=TODAY() </a:t>
             </a:r>
             <a:r>
-              <a:rPr lang="en-US" dirty="0" smtClean="0"/>
+              <a:rPr lang="en-US" sz="2400" dirty="0" smtClean="0"/>
               <a:t>to display todays date</a:t>
             </a:r>
           </a:p>
           <a:p>
             <a:r>
-              <a:rPr lang="en-US" dirty="0" smtClean="0"/>
+              <a:rPr lang="en-US" sz="2400" dirty="0" smtClean="0"/>
               <a:t>Move to B7 and type 4/15/2017</a:t>
             </a:r>
           </a:p>
           <a:p>
             <a:r>
-              <a:rPr lang="en-US" dirty="0" smtClean="0"/>
+              <a:rPr lang="en-US" sz="2400" dirty="0" smtClean="0"/>
               <a:t>Move to cell =B7 </a:t>
             </a:r>
           </a:p>
@@ -6307,13 +6445,13 @@
           </a:p>
           <a:p>
             <a:r>
-              <a:rPr lang="en-US" dirty="0" smtClean="0">
+              <a:rPr lang="en-US" sz="2400" dirty="0" smtClean="0">
                 <a:sym typeface="Wingdings" panose="05000000000000000000" pitchFamily="2" charset="2"/>
               </a:rPr>
               <a:t>In cell L6 enter </a:t>
             </a:r>
             <a:r>
-              <a:rPr lang="en-US" b="1" dirty="0" smtClean="0">
+              <a:rPr lang="en-US" sz="2400" b="1" dirty="0" smtClean="0">
                 <a:solidFill>
                   <a:srgbClr val="FF0000"/>
                 </a:solidFill>
@@ -6324,7 +6462,7 @@
           </a:p>
           <a:p>
             <a:r>
-              <a:rPr lang="en-US" dirty="0" smtClean="0">
+              <a:rPr lang="en-US" sz="2400" dirty="0" smtClean="0">
                 <a:sym typeface="Wingdings" panose="05000000000000000000" pitchFamily="2" charset="2"/>
               </a:rPr>
               <a:t>We will now copy the formula down to fill in dates </a:t>
@@ -6332,12 +6470,12 @@
           </a:p>
           <a:p>
             <a:r>
-              <a:rPr lang="en-US" dirty="0" smtClean="0">
+              <a:rPr lang="en-US" sz="2400" dirty="0" smtClean="0">
                 <a:sym typeface="Wingdings" panose="05000000000000000000" pitchFamily="2" charset="2"/>
               </a:rPr>
               <a:t>All dates are now able to be updated by changed the value in B7</a:t>
             </a:r>
-            <a:endParaRPr lang="en-US" dirty="0" smtClean="0"/>
+            <a:endParaRPr lang="en-US" sz="2400" dirty="0" smtClean="0"/>
           </a:p>
           <a:p>
             <a:endParaRPr lang="en-US" dirty="0"/>
@@ -6354,6 +6492,13 @@
   <p:clrMapOvr>
     <a:masterClrMapping/>
   </p:clrMapOvr>
+  <p:timing>
+    <p:tnLst>
+      <p:par>
+        <p:cTn id="1" dur="indefinite" restart="never" nodeType="tmRoot"/>
+      </p:par>
+    </p:tnLst>
+  </p:timing>
 </p:sld>
 </file>
 
@@ -6410,28 +6555,28 @@
         <p:spPr/>
         <p:txBody>
           <a:bodyPr>
-            <a:normAutofit lnSpcReduction="10000"/>
+            <a:normAutofit/>
           </a:bodyPr>
           <a:lstStyle/>
           <a:p>
             <a:r>
-              <a:rPr lang="en-US" dirty="0" smtClean="0"/>
+              <a:rPr lang="en-US" sz="2400" dirty="0" smtClean="0"/>
               <a:t>Excel has features that make repetitive tasks more efficient</a:t>
             </a:r>
           </a:p>
           <a:p>
             <a:r>
-              <a:rPr lang="en-US" dirty="0" smtClean="0"/>
+              <a:rPr lang="en-US" sz="2400" dirty="0" smtClean="0"/>
               <a:t>Ranges of dates, numbers, months and days can automatically be filled in using the fill handle or Fill Series tools</a:t>
             </a:r>
           </a:p>
           <a:p>
             <a:r>
-              <a:rPr lang="en-US" dirty="0" smtClean="0"/>
+              <a:rPr lang="en-US" sz="2400" dirty="0" smtClean="0"/>
               <a:t>In D5 Type January, move out of the cell, then select D5 again and click and drag on the fill handle </a:t>
             </a:r>
             <a:r>
-              <a:rPr lang="en-US" dirty="0" smtClean="0">
+              <a:rPr lang="en-US" sz="2400" dirty="0" smtClean="0">
                 <a:sym typeface="Wingdings" panose="05000000000000000000" pitchFamily="2" charset="2"/>
               </a:rPr>
               <a:t> the months are automatically copied down in sequential order</a:t>
@@ -6439,27 +6584,15 @@
           </a:p>
           <a:p>
             <a:r>
-              <a:rPr lang="en-US" dirty="0" smtClean="0">
+              <a:rPr lang="en-US" sz="2400" dirty="0" smtClean="0">
                 <a:sym typeface="Wingdings" panose="05000000000000000000" pitchFamily="2" charset="2"/>
               </a:rPr>
-              <a:t>This same thing can be dome with days of the week and dates, </a:t>
-            </a:r>
-            <a:r>
-              <a:rPr lang="en-US" dirty="0" err="1" smtClean="0">
-                <a:sym typeface="Wingdings" panose="05000000000000000000" pitchFamily="2" charset="2"/>
-              </a:rPr>
-              <a:t>i.e</a:t>
-            </a:r>
-            <a:r>
-              <a:rPr lang="en-US" dirty="0" smtClean="0">
-                <a:sym typeface="Wingdings" panose="05000000000000000000" pitchFamily="2" charset="2"/>
-              </a:rPr>
-              <a:t> enter one then copy it down or across to get a series </a:t>
-            </a:r>
-          </a:p>
-          <a:p>
-            <a:r>
-              <a:rPr lang="en-US" dirty="0" smtClean="0">
+              <a:t>This same thing can be dome with days of the week and dates, i.e. enter one then copy it down or across to get a series </a:t>
+            </a:r>
+          </a:p>
+          <a:p>
+            <a:r>
+              <a:rPr lang="en-US" sz="2400" dirty="0" smtClean="0">
                 <a:sym typeface="Wingdings" panose="05000000000000000000" pitchFamily="2" charset="2"/>
               </a:rPr>
               <a:t>With numbers you have to start a pattern first to use the fill handle</a:t>
@@ -6467,12 +6600,12 @@
           </a:p>
           <a:p>
             <a:r>
-              <a:rPr lang="en-US" dirty="0" smtClean="0">
+              <a:rPr lang="en-US" sz="2400" dirty="0" smtClean="0">
                 <a:sym typeface="Wingdings" panose="05000000000000000000" pitchFamily="2" charset="2"/>
               </a:rPr>
               <a:t>Auto fill is more efficient when you have a long list</a:t>
             </a:r>
-            <a:endParaRPr lang="en-US" dirty="0"/>
+            <a:endParaRPr lang="en-US" sz="2400" dirty="0"/>
           </a:p>
         </p:txBody>
       </p:sp>
@@ -6486,6 +6619,13 @@
   <p:clrMapOvr>
     <a:masterClrMapping/>
   </p:clrMapOvr>
+  <p:timing>
+    <p:tnLst>
+      <p:par>
+        <p:cTn id="1" dur="indefinite" restart="never" nodeType="tmRoot"/>
+      </p:par>
+    </p:tnLst>
+  </p:timing>
 </p:sld>
 </file>
 
@@ -6541,42 +6681,44 @@
         </p:nvSpPr>
         <p:spPr/>
         <p:txBody>
-          <a:bodyPr/>
-          <a:lstStyle/>
-          <a:p>
-            <a:r>
-              <a:rPr lang="en-US" dirty="0" smtClean="0"/>
+          <a:bodyPr>
+            <a:normAutofit/>
+          </a:bodyPr>
+          <a:lstStyle/>
+          <a:p>
+            <a:r>
+              <a:rPr lang="en-US" sz="2600" dirty="0" smtClean="0"/>
               <a:t>By default copying a formula from one cell to another behaves similarly to the other examples of: Excel updates cell references as you copy a formula</a:t>
             </a:r>
           </a:p>
           <a:p>
             <a:r>
-              <a:rPr lang="en-US" dirty="0" smtClean="0"/>
+              <a:rPr lang="en-US" sz="2600" dirty="0" smtClean="0"/>
               <a:t>This is called relative referencing </a:t>
             </a:r>
           </a:p>
           <a:p>
             <a:r>
-              <a:rPr lang="en-US" dirty="0" smtClean="0"/>
+              <a:rPr lang="en-US" sz="2600" dirty="0" smtClean="0"/>
               <a:t>Sometimes we want to override this default so the cell references do not update </a:t>
             </a:r>
             <a:r>
-              <a:rPr lang="en-US" dirty="0" smtClean="0">
+              <a:rPr lang="en-US" sz="2600" dirty="0" smtClean="0">
                 <a:sym typeface="Wingdings" panose="05000000000000000000" pitchFamily="2" charset="2"/>
               </a:rPr>
               <a:t> called absolute referencing</a:t>
             </a:r>
-            <a:endParaRPr lang="en-US" dirty="0" smtClean="0"/>
-          </a:p>
-          <a:p>
-            <a:r>
-              <a:rPr lang="en-US" dirty="0" smtClean="0"/>
+            <a:endParaRPr lang="en-US" sz="2600" dirty="0" smtClean="0"/>
+          </a:p>
+          <a:p>
+            <a:r>
+              <a:rPr lang="en-US" sz="2600" dirty="0" smtClean="0"/>
               <a:t>Let’s see it in action to calculate  stage dates</a:t>
             </a:r>
           </a:p>
           <a:p>
             <a:r>
-              <a:rPr lang="en-US" dirty="0" smtClean="0"/>
+              <a:rPr lang="en-US" sz="2600" dirty="0" smtClean="0"/>
               <a:t>Reference values for the various stages can be found in a table N12:O16</a:t>
             </a:r>
           </a:p>
@@ -6592,6 +6734,13 @@
   <p:clrMapOvr>
     <a:masterClrMapping/>
   </p:clrMapOvr>
+  <p:timing>
+    <p:tnLst>
+      <p:par>
+        <p:cTn id="1" dur="indefinite" restart="never" nodeType="tmRoot"/>
+      </p:par>
+    </p:tnLst>
+  </p:timing>
 </p:sld>
 </file>
 
@@ -6648,7 +6797,7 @@
         <p:spPr/>
         <p:txBody>
           <a:bodyPr>
-            <a:normAutofit lnSpcReduction="10000"/>
+            <a:noAutofit/>
           </a:bodyPr>
           <a:lstStyle/>
           <a:p>
@@ -6656,7 +6805,7 @@
               <a:buAutoNum type="arabicPeriod"/>
             </a:pPr>
             <a:r>
-              <a:rPr lang="en-US" dirty="0" smtClean="0"/>
+              <a:rPr lang="en-US" sz="2600" dirty="0" smtClean="0"/>
               <a:t>Select cell B8 and enter =B7+O12</a:t>
             </a:r>
           </a:p>
@@ -6665,7 +6814,7 @@
               <a:buAutoNum type="arabicPeriod"/>
             </a:pPr>
             <a:r>
-              <a:rPr lang="en-US" dirty="0" smtClean="0"/>
+              <a:rPr lang="en-US" sz="2600" dirty="0" smtClean="0"/>
               <a:t>Press enter to complete the calculation</a:t>
             </a:r>
           </a:p>
@@ -6674,34 +6823,34 @@
               <a:buAutoNum type="arabicPeriod"/>
             </a:pPr>
             <a:r>
-              <a:rPr lang="en-US" dirty="0" smtClean="0"/>
+              <a:rPr lang="en-US" sz="2600" dirty="0" smtClean="0"/>
               <a:t>Move back into B8 and double click on the fill handle</a:t>
             </a:r>
           </a:p>
           <a:p>
             <a:r>
-              <a:rPr lang="en-US" dirty="0" smtClean="0"/>
+              <a:rPr lang="en-US" sz="2600" dirty="0" smtClean="0"/>
               <a:t>The quickest way I know of to copy a formula down a column</a:t>
             </a:r>
           </a:p>
           <a:p>
             <a:r>
-              <a:rPr lang="en-US" dirty="0" smtClean="0"/>
+              <a:rPr lang="en-US" sz="2600" dirty="0" smtClean="0"/>
               <a:t>Notice that the harvest date is in January, which seems a tad late in the season</a:t>
             </a:r>
           </a:p>
           <a:p>
             <a:r>
-              <a:rPr lang="en-US" dirty="0" smtClean="0"/>
+              <a:rPr lang="en-US" sz="2600" dirty="0" smtClean="0"/>
               <a:t>The problem is that the growing dates are all relative to the planting date not the date above them</a:t>
             </a:r>
           </a:p>
           <a:p>
             <a:r>
-              <a:rPr lang="en-US" dirty="0" smtClean="0"/>
+              <a:rPr lang="en-US" sz="2600" dirty="0" smtClean="0"/>
               <a:t>Check the formulas to verify that the cell reference in each row updated</a:t>
             </a:r>
-            <a:endParaRPr lang="en-US" dirty="0"/>
+            <a:endParaRPr lang="en-US" sz="2600" dirty="0"/>
           </a:p>
         </p:txBody>
       </p:sp>
@@ -6715,6 +6864,13 @@
   <p:clrMapOvr>
     <a:masterClrMapping/>
   </p:clrMapOvr>
+  <p:timing>
+    <p:tnLst>
+      <p:par>
+        <p:cTn id="1" dur="indefinite" restart="never" nodeType="tmRoot"/>
+      </p:par>
+    </p:tnLst>
+  </p:timing>
 </p:sld>
 </file>
 
@@ -6770,14 +6926,16 @@
         </p:nvSpPr>
         <p:spPr/>
         <p:txBody>
-          <a:bodyPr/>
+          <a:bodyPr>
+            <a:normAutofit/>
+          </a:bodyPr>
           <a:lstStyle/>
           <a:p>
             <a:pPr marL="514350" indent="-514350">
               <a:buAutoNum type="arabicPeriod"/>
             </a:pPr>
             <a:r>
-              <a:rPr lang="en-US" dirty="0" smtClean="0"/>
+              <a:rPr lang="en-US" sz="2600" dirty="0" smtClean="0"/>
               <a:t>Double click in B8 to edit the formula</a:t>
             </a:r>
           </a:p>
@@ -6786,7 +6944,7 @@
               <a:buAutoNum type="arabicPeriod"/>
             </a:pPr>
             <a:r>
-              <a:rPr lang="en-US" dirty="0" smtClean="0"/>
+              <a:rPr lang="en-US" sz="2600" dirty="0" smtClean="0"/>
               <a:t>Navigate to the B7 part of the formula and press F4</a:t>
             </a:r>
           </a:p>
@@ -6795,14 +6953,14 @@
               <a:buAutoNum type="arabicPeriod"/>
             </a:pPr>
             <a:r>
-              <a:rPr lang="en-US" dirty="0" smtClean="0"/>
+              <a:rPr lang="en-US" sz="2600" dirty="0" smtClean="0"/>
               <a:t>The formula should now be =$B$7+O12</a:t>
             </a:r>
           </a:p>
           <a:p>
             <a:pPr lvl="1"/>
             <a:r>
-              <a:rPr lang="en-US" dirty="0" smtClean="0"/>
+              <a:rPr lang="en-US" sz="2600" dirty="0" smtClean="0"/>
               <a:t>The dollar signs indicate that the cell reference to B7 should remain constant; the cell reference to O12 will update as the formula is copied</a:t>
             </a:r>
           </a:p>
@@ -6811,7 +6969,7 @@
               <a:buNone/>
             </a:pPr>
             <a:r>
-              <a:rPr lang="en-US" dirty="0" smtClean="0"/>
+              <a:rPr lang="en-US" sz="2600" dirty="0" smtClean="0"/>
               <a:t>4. Double click the fill handle to copy the formula down and the harvest date should be 7/30/2017</a:t>
             </a:r>
           </a:p>
@@ -6827,6 +6985,13 @@
   <p:clrMapOvr>
     <a:masterClrMapping/>
   </p:clrMapOvr>
+  <p:timing>
+    <p:tnLst>
+      <p:par>
+        <p:cTn id="1" dur="indefinite" restart="never" nodeType="tmRoot"/>
+      </p:par>
+    </p:tnLst>
+  </p:timing>
 </p:sld>
 </file>
 
@@ -6883,7 +7048,7 @@
         <p:spPr/>
         <p:txBody>
           <a:bodyPr>
-            <a:normAutofit fontScale="92500"/>
+            <a:normAutofit fontScale="92500" lnSpcReduction="10000"/>
           </a:bodyPr>
           <a:lstStyle/>
           <a:p>
@@ -6947,11 +7112,7 @@
             </a:pPr>
             <a:r>
               <a:rPr lang="en-US" dirty="0" smtClean="0"/>
-              <a:t>Once complete verify the value in I5 </a:t>
-            </a:r>
-            <a:r>
-              <a:rPr lang="en-US" dirty="0" smtClean="0"/>
-              <a:t>= 1</a:t>
+              <a:t>Once complete verify the value in I5 = 1</a:t>
             </a:r>
           </a:p>
           <a:p>
@@ -7010,6 +7171,13 @@
   <p:clrMapOvr>
     <a:masterClrMapping/>
   </p:clrMapOvr>
+  <p:timing>
+    <p:tnLst>
+      <p:par>
+        <p:cTn id="1" dur="indefinite" restart="never" nodeType="tmRoot"/>
+      </p:par>
+    </p:tnLst>
+  </p:timing>
 </p:sld>
 </file>
 
@@ -7069,13 +7237,13 @@
           <a:lstStyle/>
           <a:p>
             <a:r>
-              <a:rPr lang="en-US" dirty="0" smtClean="0"/>
+              <a:rPr lang="en-US" sz="2600" dirty="0" smtClean="0"/>
               <a:t>VLOOKUP is one of Excel’s reference function used to find values in a table</a:t>
             </a:r>
           </a:p>
           <a:p>
             <a:r>
-              <a:rPr lang="en-US" dirty="0" smtClean="0"/>
+              <a:rPr lang="en-US" sz="2600" dirty="0" smtClean="0"/>
               <a:t>Syntax:</a:t>
             </a:r>
           </a:p>
@@ -7409,6 +7577,13 @@
   <p:clrMapOvr>
     <a:masterClrMapping/>
   </p:clrMapOvr>
+  <p:timing>
+    <p:tnLst>
+      <p:par>
+        <p:cTn id="1" dur="indefinite" restart="never" nodeType="tmRoot"/>
+      </p:par>
+    </p:tnLst>
+  </p:timing>
 </p:sld>
 </file>
 
@@ -7464,27 +7639,29 @@
         </p:nvSpPr>
         <p:spPr/>
         <p:txBody>
-          <a:bodyPr/>
-          <a:lstStyle/>
-          <a:p>
-            <a:r>
-              <a:rPr lang="en-US" dirty="0" smtClean="0"/>
+          <a:bodyPr>
+            <a:normAutofit/>
+          </a:bodyPr>
+          <a:lstStyle/>
+          <a:p>
+            <a:r>
+              <a:rPr lang="en-US" sz="2600" dirty="0" smtClean="0"/>
               <a:t>In B16 we want a formula that looks for the value in B15 and tries to find it in the table from N20:Q27</a:t>
             </a:r>
           </a:p>
           <a:p>
             <a:r>
-              <a:rPr lang="en-US" dirty="0" smtClean="0"/>
+              <a:rPr lang="en-US" sz="2600" dirty="0" smtClean="0"/>
               <a:t>If found we want the formula to return the value in the second column of the table </a:t>
             </a:r>
           </a:p>
           <a:p>
             <a:r>
-              <a:rPr lang="en-US" dirty="0" smtClean="0"/>
+              <a:rPr lang="en-US" sz="2600" dirty="0" smtClean="0"/>
               <a:t>Type the following in B16: </a:t>
             </a:r>
             <a:r>
-              <a:rPr lang="en-US" b="1" dirty="0" smtClean="0">
+              <a:rPr lang="en-US" sz="2600" b="1" dirty="0" smtClean="0">
                 <a:solidFill>
                   <a:srgbClr val="FF0000"/>
                 </a:solidFill>
@@ -7494,10 +7671,10 @@
           </a:p>
           <a:p>
             <a:r>
-              <a:rPr lang="en-US" dirty="0" smtClean="0"/>
+              <a:rPr lang="en-US" sz="2600" dirty="0" smtClean="0"/>
               <a:t>We will repeat this formula two more times in B17 &amp; B18, incrementing the col_index_num</a:t>
             </a:r>
-            <a:endParaRPr lang="en-US" dirty="0"/>
+            <a:endParaRPr lang="en-US" sz="2600" dirty="0"/>
           </a:p>
         </p:txBody>
       </p:sp>
@@ -7511,6 +7688,13 @@
   <p:clrMapOvr>
     <a:masterClrMapping/>
   </p:clrMapOvr>
+  <p:timing>
+    <p:tnLst>
+      <p:par>
+        <p:cTn id="1" dur="indefinite" restart="never" nodeType="tmRoot"/>
+      </p:par>
+    </p:tnLst>
+  </p:timing>
 </p:sld>
 </file>
 
@@ -7570,19 +7754,26 @@
           <a:lstStyle/>
           <a:p>
             <a:r>
-              <a:rPr lang="en-US" dirty="0" smtClean="0"/>
+              <a:rPr lang="en-US" sz="2600" dirty="0" smtClean="0"/>
               <a:t>Logical functions perform a test that can evaluate to True or False, and return the result of the test</a:t>
             </a:r>
           </a:p>
           <a:p>
             <a:r>
-              <a:rPr lang="en-US" dirty="0" smtClean="0"/>
-              <a:t>Some of the logical functions simply return TRUE or FALSE, but others like IF can do other things based on the outcome of the test</a:t>
-            </a:r>
-          </a:p>
-          <a:p>
-            <a:r>
-              <a:rPr lang="en-US" dirty="0" smtClean="0"/>
+              <a:rPr lang="en-US" sz="2600" dirty="0" smtClean="0"/>
+              <a:t>Some of the logical functions simply return TRUE or FALSE, but others like IF can do other things based on the outcome of the </a:t>
+            </a:r>
+            <a:r>
+              <a:rPr lang="en-US" sz="2600" dirty="0" smtClean="0"/>
+              <a:t>test</a:t>
+            </a:r>
+          </a:p>
+          <a:p>
+            <a:endParaRPr lang="en-US" sz="2600" dirty="0" smtClean="0"/>
+          </a:p>
+          <a:p>
+            <a:r>
+              <a:rPr lang="en-US" sz="2600" dirty="0" smtClean="0"/>
               <a:t>General syntax:</a:t>
             </a:r>
           </a:p>
@@ -7602,7 +7793,7 @@
         </p:nvSpPr>
         <p:spPr>
           <a:xfrm>
-            <a:off x="2953352" y="4292867"/>
+            <a:off x="2953352" y="4885991"/>
             <a:ext cx="6285296" cy="738664"/>
           </a:xfrm>
           <a:prstGeom prst="rect">
@@ -7699,7 +7890,9 @@
         </p:nvSpPr>
         <p:spPr/>
         <p:txBody>
-          <a:bodyPr/>
+          <a:bodyPr>
+            <a:normAutofit fontScale="90000"/>
+          </a:bodyPr>
           <a:lstStyle/>
           <a:p>
             <a:r>
@@ -7726,11 +7919,11 @@
           <a:lstStyle/>
           <a:p>
             <a:r>
-              <a:rPr lang="en-US" dirty="0" smtClean="0"/>
+              <a:rPr lang="en-US" sz="2600" dirty="0" smtClean="0"/>
               <a:t>In K5 enter: </a:t>
             </a:r>
             <a:r>
-              <a:rPr lang="en-US" b="1" dirty="0" smtClean="0">
+              <a:rPr lang="en-US" sz="2600" b="1" dirty="0" smtClean="0">
                 <a:solidFill>
                   <a:srgbClr val="FF0000"/>
                 </a:solidFill>
@@ -7741,25 +7934,25 @@
           <a:p>
             <a:pPr lvl="1"/>
             <a:r>
-              <a:rPr lang="en-US" dirty="0" smtClean="0"/>
+              <a:rPr lang="en-US" sz="2600" dirty="0" smtClean="0"/>
               <a:t>Flags all dates on and after the crop is ready the word YES</a:t>
             </a:r>
           </a:p>
           <a:p>
             <a:r>
-              <a:rPr lang="en-US" dirty="0" smtClean="0"/>
+              <a:rPr lang="en-US" sz="2600" dirty="0" smtClean="0"/>
               <a:t>The result of the first formula should be NO</a:t>
             </a:r>
           </a:p>
           <a:p>
             <a:r>
-              <a:rPr lang="en-US" dirty="0" smtClean="0"/>
+              <a:rPr lang="en-US" sz="2600" dirty="0" smtClean="0"/>
               <a:t>Double click the fill handle to copy the formula down</a:t>
             </a:r>
           </a:p>
           <a:p>
             <a:r>
-              <a:rPr lang="en-US" dirty="0" smtClean="0"/>
+              <a:rPr lang="en-US" sz="2600" dirty="0" smtClean="0"/>
               <a:t>Now we can use VLOOKUP to find the first instance of YES and return the harvest date, in B21:</a:t>
             </a:r>
           </a:p>
@@ -7768,11 +7961,11 @@
               <a:buNone/>
             </a:pPr>
             <a:r>
-              <a:rPr lang="en-US" dirty="0"/>
+              <a:rPr lang="en-US" sz="2600" dirty="0"/>
               <a:t>	</a:t>
             </a:r>
             <a:r>
-              <a:rPr lang="en-US" b="1" dirty="0" smtClean="0">
+              <a:rPr lang="en-US" sz="2600" b="1" dirty="0" smtClean="0">
                 <a:solidFill>
                   <a:srgbClr val="FF0000"/>
                 </a:solidFill>
@@ -7870,26 +8063,55 @@
         </p:nvSpPr>
         <p:spPr/>
         <p:txBody>
-          <a:bodyPr/>
-          <a:lstStyle/>
-          <a:p>
-            <a:r>
-              <a:rPr lang="en-US" dirty="0" smtClean="0"/>
+          <a:bodyPr>
+            <a:normAutofit/>
+          </a:bodyPr>
+          <a:lstStyle/>
+          <a:p>
+            <a:r>
+              <a:rPr lang="en-US" sz="2400" dirty="0" smtClean="0"/>
+              <a:t>Please download our materials from:</a:t>
+            </a:r>
+          </a:p>
+          <a:p>
+            <a:pPr marL="0" indent="0">
+              <a:buNone/>
+            </a:pPr>
+            <a:r>
+              <a:rPr lang="en-US" sz="2000" dirty="0" smtClean="0">
+                <a:hlinkClick r:id="rId2"/>
+              </a:rPr>
+              <a:t>https://github.com/mjmacarty/excel-at-excel</a:t>
+            </a:r>
+            <a:endParaRPr lang="en-US" sz="2000" dirty="0" smtClean="0"/>
+          </a:p>
+          <a:p>
+            <a:pPr marL="0" indent="0">
+              <a:buNone/>
+            </a:pPr>
+            <a:endParaRPr lang="en-US" sz="2000" dirty="0" smtClean="0"/>
+          </a:p>
+          <a:p>
+            <a:r>
+              <a:rPr lang="en-US" sz="2400" dirty="0"/>
               <a:t>Before we get going let’s spend a couple of minutes talking about anything specific that you want to see.</a:t>
             </a:r>
           </a:p>
           <a:p>
             <a:r>
-              <a:rPr lang="en-US" dirty="0" smtClean="0"/>
+              <a:rPr lang="en-US" sz="2400" dirty="0"/>
               <a:t>Please write down anything you wanted to see when you signed up for this workshop</a:t>
             </a:r>
           </a:p>
           <a:p>
             <a:r>
-              <a:rPr lang="en-US" dirty="0" smtClean="0"/>
+              <a:rPr lang="en-US" sz="2400" dirty="0"/>
               <a:t>I will do my best to make sure you see it!</a:t>
             </a:r>
-            <a:endParaRPr lang="en-US" dirty="0"/>
+          </a:p>
+          <a:p>
+            <a:pPr lvl="1"/>
+            <a:endParaRPr lang="en-US" sz="2000" dirty="0" smtClean="0"/>
           </a:p>
         </p:txBody>
       </p:sp>
@@ -7903,6 +8125,13 @@
   <p:clrMapOvr>
     <a:masterClrMapping/>
   </p:clrMapOvr>
+  <p:timing>
+    <p:tnLst>
+      <p:par>
+        <p:cTn id="1" dur="indefinite" restart="never" nodeType="tmRoot"/>
+      </p:par>
+    </p:tnLst>
+  </p:timing>
 </p:sld>
 </file>
 
@@ -7958,17 +8187,19 @@
         </p:nvSpPr>
         <p:spPr/>
         <p:txBody>
-          <a:bodyPr/>
-          <a:lstStyle/>
-          <a:p>
-            <a:r>
-              <a:rPr lang="en-US" dirty="0" smtClean="0"/>
+          <a:bodyPr>
+            <a:normAutofit lnSpcReduction="10000"/>
+          </a:bodyPr>
+          <a:lstStyle/>
+          <a:p>
+            <a:r>
+              <a:rPr lang="en-US" sz="2600" dirty="0" smtClean="0"/>
               <a:t>Facilitate working with text strings</a:t>
             </a:r>
           </a:p>
           <a:p>
             <a:r>
-              <a:rPr lang="en-US" dirty="0" smtClean="0"/>
+              <a:rPr lang="en-US" sz="2600" dirty="0" smtClean="0"/>
               <a:t>Common operations include splitting, combining and appending data</a:t>
             </a:r>
           </a:p>
@@ -7978,7 +8209,7 @@
               <a:buAutoNum type="arabicPeriod"/>
             </a:pPr>
             <a:r>
-              <a:rPr lang="en-US" dirty="0" smtClean="0"/>
+              <a:rPr lang="en-US" sz="2600" dirty="0" smtClean="0"/>
               <a:t>Open addresses.xlsx</a:t>
             </a:r>
           </a:p>
@@ -7988,14 +8219,14 @@
               <a:buAutoNum type="arabicPeriod"/>
             </a:pPr>
             <a:r>
-              <a:rPr lang="en-US" dirty="0" smtClean="0"/>
+              <a:rPr lang="en-US" sz="2600" dirty="0" smtClean="0"/>
               <a:t>In L2 enter =CONCATENTATE(A2, “ “, B2)</a:t>
             </a:r>
           </a:p>
           <a:p>
             <a:pPr lvl="1"/>
             <a:r>
-              <a:rPr lang="en-US" dirty="0" smtClean="0"/>
+              <a:rPr lang="en-US" sz="2600" dirty="0" smtClean="0"/>
               <a:t>First and Last names are combined</a:t>
             </a:r>
           </a:p>
@@ -8005,14 +8236,14 @@
               <a:buAutoNum type="arabicPeriod"/>
             </a:pPr>
             <a:r>
-              <a:rPr lang="en-US" dirty="0" smtClean="0"/>
+              <a:rPr lang="en-US" sz="2600" dirty="0" smtClean="0"/>
               <a:t>In M2 enter =LEN(K2) </a:t>
             </a:r>
           </a:p>
           <a:p>
             <a:pPr lvl="1"/>
             <a:r>
-              <a:rPr lang="en-US" dirty="0" smtClean="0"/>
+              <a:rPr lang="en-US" sz="2600" dirty="0" smtClean="0"/>
               <a:t>Displays string length</a:t>
             </a:r>
           </a:p>
@@ -8022,14 +8253,14 @@
               <a:buAutoNum type="arabicPeriod"/>
             </a:pPr>
             <a:r>
-              <a:rPr lang="en-US" dirty="0" smtClean="0"/>
+              <a:rPr lang="en-US" sz="2600" dirty="0" smtClean="0"/>
               <a:t>Edit the formula in M2 to =RIGHT(K2, LEN(K2)-7)</a:t>
             </a:r>
           </a:p>
           <a:p>
             <a:pPr lvl="1"/>
             <a:r>
-              <a:rPr lang="en-US" dirty="0" smtClean="0"/>
+              <a:rPr lang="en-US" sz="2600" dirty="0" smtClean="0"/>
               <a:t>Removes http:// from the URL </a:t>
             </a:r>
           </a:p>
@@ -8122,46 +8353,46 @@
         <p:spPr/>
         <p:txBody>
           <a:bodyPr>
-            <a:normAutofit lnSpcReduction="10000"/>
+            <a:normAutofit/>
           </a:bodyPr>
           <a:lstStyle/>
           <a:p>
             <a:r>
-              <a:rPr lang="en-US" dirty="0" smtClean="0"/>
+              <a:rPr lang="en-US" sz="2400" dirty="0" smtClean="0"/>
               <a:t>Other Text functions</a:t>
             </a:r>
           </a:p>
           <a:p>
             <a:pPr lvl="1"/>
             <a:r>
-              <a:rPr lang="en-US" dirty="0" smtClean="0"/>
+              <a:rPr lang="en-US" sz="2000" dirty="0" smtClean="0"/>
               <a:t>LEFT() displays desired number of characters from left of string</a:t>
             </a:r>
           </a:p>
           <a:p>
             <a:pPr lvl="1"/>
             <a:r>
-              <a:rPr lang="en-US" dirty="0" smtClean="0"/>
+              <a:rPr lang="en-US" sz="2000" dirty="0" smtClean="0"/>
               <a:t>SEARCH() returns starting position of substring within a string</a:t>
             </a:r>
           </a:p>
           <a:p>
             <a:pPr lvl="1"/>
             <a:r>
-              <a:rPr lang="en-US" dirty="0" smtClean="0"/>
+              <a:rPr lang="en-US" sz="2000" dirty="0" smtClean="0"/>
               <a:t>Typically text functions are used together</a:t>
             </a:r>
           </a:p>
           <a:p>
             <a:r>
-              <a:rPr lang="en-US" dirty="0" smtClean="0"/>
+              <a:rPr lang="en-US" sz="2400" dirty="0" smtClean="0"/>
               <a:t>For example suppose you want to display email provider</a:t>
             </a:r>
           </a:p>
           <a:p>
             <a:pPr lvl="1"/>
             <a:r>
-              <a:rPr lang="en-US" dirty="0" smtClean="0"/>
+              <a:rPr lang="en-US" sz="2000" dirty="0" smtClean="0"/>
               <a:t>We will do this in stages</a:t>
             </a:r>
           </a:p>
@@ -8171,7 +8402,7 @@
               <a:buAutoNum type="arabicPeriod"/>
             </a:pPr>
             <a:r>
-              <a:rPr lang="en-US" dirty="0" smtClean="0"/>
+              <a:rPr lang="en-US" sz="2400" dirty="0" smtClean="0"/>
               <a:t>Enter =RIGHT(J2,SEARCH(“@”,J2)-1) in N2</a:t>
             </a:r>
           </a:p>
@@ -8181,13 +8412,13 @@
               <a:buAutoNum type="arabicPeriod"/>
             </a:pPr>
             <a:r>
-              <a:rPr lang="en-US" dirty="0" smtClean="0"/>
+              <a:rPr lang="en-US" sz="2400" dirty="0" smtClean="0"/>
               <a:t>Enter =LEFT(N2,SEARCH(“.”,N2)-1)</a:t>
             </a:r>
           </a:p>
           <a:p>
             <a:r>
-              <a:rPr lang="en-US" dirty="0" smtClean="0"/>
+              <a:rPr lang="en-US" sz="2400" dirty="0" smtClean="0"/>
               <a:t>This can be copied down and now you can conduct analysis of email providers</a:t>
             </a:r>
           </a:p>
@@ -8281,35 +8512,30 @@
           <a:lstStyle/>
           <a:p>
             <a:r>
-              <a:rPr lang="en-US" dirty="0" smtClean="0"/>
+              <a:rPr lang="en-US" sz="2400" dirty="0" smtClean="0"/>
               <a:t>Excel’s table feature adds database functionality to the spreadsheet</a:t>
             </a:r>
-            <a:endParaRPr lang="en-US" dirty="0" smtClean="0"/>
-          </a:p>
-          <a:p>
-            <a:r>
-              <a:rPr lang="en-US" dirty="0" smtClean="0"/>
+          </a:p>
+          <a:p>
+            <a:r>
+              <a:rPr lang="en-US" sz="2400" dirty="0" smtClean="0"/>
               <a:t>Allows sorting and filtering of data</a:t>
             </a:r>
           </a:p>
           <a:p>
             <a:r>
-              <a:rPr lang="en-US" dirty="0" smtClean="0"/>
+              <a:rPr lang="en-US" sz="2400" dirty="0" smtClean="0"/>
               <a:t>Lets see the table in action, open: </a:t>
             </a:r>
             <a:r>
-              <a:rPr lang="en-US" b="1" dirty="0" smtClean="0"/>
+              <a:rPr lang="en-US" sz="2400" b="1" dirty="0" smtClean="0"/>
               <a:t>sales.xlsx</a:t>
             </a:r>
           </a:p>
           <a:p>
             <a:r>
-              <a:rPr lang="en-US" dirty="0" smtClean="0"/>
-              <a:t>Go to the </a:t>
-            </a:r>
-            <a:r>
-              <a:rPr lang="en-US" dirty="0" smtClean="0"/>
-              <a:t>Insert tab and click Table</a:t>
+              <a:rPr lang="en-US" sz="2400" dirty="0" smtClean="0"/>
+              <a:t>Go to the Insert tab and click Table</a:t>
             </a:r>
           </a:p>
           <a:p>
@@ -8576,69 +8802,69 @@
           <a:lstStyle/>
           <a:p>
             <a:r>
-              <a:rPr lang="en-US" dirty="0" smtClean="0"/>
+              <a:rPr lang="en-US" sz="2600" dirty="0" smtClean="0"/>
               <a:t>Collection of similar data organized in columns and rows</a:t>
             </a:r>
           </a:p>
           <a:p>
             <a:pPr lvl="1"/>
             <a:r>
-              <a:rPr lang="en-US" dirty="0" smtClean="0"/>
+              <a:rPr lang="en-US" sz="2000" dirty="0" smtClean="0"/>
               <a:t>Each column represents a single “piece” of data</a:t>
             </a:r>
           </a:p>
           <a:p>
             <a:pPr lvl="1"/>
             <a:r>
-              <a:rPr lang="en-US" dirty="0" smtClean="0"/>
+              <a:rPr lang="en-US" sz="2000" dirty="0" smtClean="0"/>
               <a:t>Each row represents an observation</a:t>
             </a:r>
           </a:p>
           <a:p>
             <a:r>
-              <a:rPr lang="en-US" dirty="0" smtClean="0"/>
+              <a:rPr lang="en-US" sz="2600" dirty="0" smtClean="0"/>
               <a:t>Common table operations</a:t>
             </a:r>
           </a:p>
           <a:p>
             <a:pPr lvl="1"/>
             <a:r>
-              <a:rPr lang="en-US" dirty="0" smtClean="0"/>
+              <a:rPr lang="en-US" sz="2000" dirty="0" smtClean="0"/>
               <a:t>Add new data</a:t>
             </a:r>
           </a:p>
           <a:p>
             <a:pPr lvl="1"/>
             <a:r>
-              <a:rPr lang="en-US" dirty="0" smtClean="0"/>
+              <a:rPr lang="en-US" sz="2000" dirty="0" smtClean="0"/>
               <a:t>Sort data</a:t>
             </a:r>
           </a:p>
           <a:p>
             <a:pPr lvl="1"/>
             <a:r>
-              <a:rPr lang="en-US" dirty="0" smtClean="0"/>
+              <a:rPr lang="en-US" sz="2000" dirty="0" smtClean="0"/>
               <a:t>Filter data to show only observations that meet some criteria</a:t>
             </a:r>
           </a:p>
           <a:p>
             <a:pPr lvl="1"/>
             <a:r>
-              <a:rPr lang="en-US" dirty="0" smtClean="0"/>
+              <a:rPr lang="en-US" sz="2000" dirty="0" smtClean="0"/>
               <a:t>Calculate summary statistics with the total row</a:t>
             </a:r>
           </a:p>
           <a:p>
             <a:pPr lvl="1"/>
             <a:r>
-              <a:rPr lang="en-US" dirty="0" smtClean="0"/>
+              <a:rPr lang="en-US" sz="2000" dirty="0" smtClean="0"/>
               <a:t>Freezing rows/columns</a:t>
             </a:r>
           </a:p>
           <a:p>
             <a:pPr lvl="1"/>
             <a:r>
-              <a:rPr lang="en-US" dirty="0" smtClean="0"/>
+              <a:rPr lang="en-US" sz="2000" dirty="0" smtClean="0"/>
               <a:t>Create summary tables with Pivot tables</a:t>
             </a:r>
           </a:p>
@@ -8726,19 +8952,19 @@
           <a:lstStyle/>
           <a:p>
             <a:r>
-              <a:rPr lang="en-US" dirty="0" smtClean="0"/>
+              <a:rPr lang="en-US" sz="2400" dirty="0" smtClean="0"/>
               <a:t>Facilitates quick summarization of data in complex ways</a:t>
             </a:r>
           </a:p>
           <a:p>
             <a:r>
-              <a:rPr lang="en-US" dirty="0" smtClean="0"/>
+              <a:rPr lang="en-US" sz="2400" dirty="0" smtClean="0"/>
               <a:t>Data can be aggregated and summarized across multiple dimensions</a:t>
             </a:r>
           </a:p>
           <a:p>
             <a:r>
-              <a:rPr lang="en-US" dirty="0" smtClean="0"/>
+              <a:rPr lang="en-US" sz="2400" dirty="0" smtClean="0"/>
               <a:t>Add a pivot table sheet by selecting the target data</a:t>
             </a:r>
           </a:p>
@@ -8755,11 +8981,10 @@
               <a:rPr lang="en-US" dirty="0" smtClean="0"/>
               <a:t>Click the Pivot table button on the left side of the ribbon</a:t>
             </a:r>
-            <a:endParaRPr lang="en-US" dirty="0" smtClean="0"/>
-          </a:p>
-          <a:p>
-            <a:r>
-              <a:rPr lang="en-US" dirty="0" smtClean="0"/>
+          </a:p>
+          <a:p>
+            <a:r>
+              <a:rPr lang="en-US" sz="2400" dirty="0" smtClean="0"/>
               <a:t>Add columns to the pivot table by clicking on column names in the Pivot Table Fields pane</a:t>
             </a:r>
           </a:p>
@@ -8778,7 +9003,7 @@
             </a:r>
           </a:p>
           <a:p>
-            <a:endParaRPr lang="en-US" dirty="0"/>
+            <a:endParaRPr lang="en-US" sz="2400" dirty="0"/>
           </a:p>
         </p:txBody>
       </p:sp>
@@ -8967,7 +9192,7 @@
         </p:blipFill>
         <p:spPr>
           <a:xfrm>
-            <a:off x="8758337" y="4967288"/>
+            <a:off x="9227894" y="4703494"/>
             <a:ext cx="2009775" cy="1209675"/>
           </a:xfrm>
           <a:prstGeom prst="rect">
@@ -8983,7 +9208,7 @@
         </p:nvCxnSpPr>
         <p:spPr>
           <a:xfrm>
-            <a:off x="7960093" y="5005137"/>
+            <a:off x="8265368" y="4795072"/>
             <a:ext cx="962526" cy="606391"/>
           </a:xfrm>
           <a:prstGeom prst="straightConnector1">
@@ -9080,7 +9305,9 @@
         </p:nvSpPr>
         <p:spPr/>
         <p:txBody>
-          <a:bodyPr/>
+          <a:bodyPr>
+            <a:normAutofit/>
+          </a:bodyPr>
           <a:lstStyle/>
           <a:p>
             <a:pPr marL="514350" indent="-514350">
@@ -9088,7 +9315,7 @@
               <a:buAutoNum type="arabicPeriod"/>
             </a:pPr>
             <a:r>
-              <a:rPr lang="en-US" dirty="0" smtClean="0"/>
+              <a:rPr lang="en-US" sz="2600" dirty="0" smtClean="0"/>
               <a:t>Click and drag Sales ID from the Columns area to Filters</a:t>
             </a:r>
           </a:p>
@@ -9098,7 +9325,7 @@
               <a:buAutoNum type="arabicPeriod"/>
             </a:pPr>
             <a:r>
-              <a:rPr lang="en-US" dirty="0" smtClean="0"/>
+              <a:rPr lang="en-US" sz="2600" dirty="0" smtClean="0"/>
               <a:t>Average sale for all sales people is displayed</a:t>
             </a:r>
           </a:p>
@@ -9108,7 +9335,7 @@
               <a:buAutoNum type="arabicPeriod"/>
             </a:pPr>
             <a:r>
-              <a:rPr lang="en-US" dirty="0" smtClean="0"/>
+              <a:rPr lang="en-US" sz="2600" dirty="0" smtClean="0"/>
               <a:t>Click the dropdown next to sales ID and click 1</a:t>
             </a:r>
           </a:p>
@@ -9118,7 +9345,7 @@
               <a:buAutoNum type="arabicPeriod"/>
             </a:pPr>
             <a:r>
-              <a:rPr lang="en-US" dirty="0" smtClean="0"/>
+              <a:rPr lang="en-US" sz="2600" dirty="0" smtClean="0"/>
               <a:t>Average sales for ID 1 is displayed</a:t>
             </a:r>
           </a:p>
@@ -9128,7 +9355,7 @@
               <a:buAutoNum type="arabicPeriod"/>
             </a:pPr>
             <a:r>
-              <a:rPr lang="en-US" dirty="0" smtClean="0"/>
+              <a:rPr lang="en-US" sz="2600" dirty="0" smtClean="0"/>
               <a:t>Uncheck the Sales ID box (overall averages are displayed)</a:t>
             </a:r>
           </a:p>
@@ -9138,7 +9365,7 @@
               <a:buAutoNum type="arabicPeriod"/>
             </a:pPr>
             <a:r>
-              <a:rPr lang="en-US" dirty="0" smtClean="0"/>
+              <a:rPr lang="en-US" sz="2600" dirty="0" smtClean="0"/>
               <a:t>Click and drag Day to the columns area (sales broken out by day)</a:t>
             </a:r>
           </a:p>
@@ -9148,7 +9375,7 @@
               <a:buAutoNum type="arabicPeriod"/>
             </a:pPr>
             <a:r>
-              <a:rPr lang="en-US" dirty="0" smtClean="0"/>
+              <a:rPr lang="en-US" sz="2600" dirty="0" smtClean="0"/>
               <a:t>Click the field settings button </a:t>
             </a:r>
           </a:p>
@@ -9158,23 +9385,21 @@
               <a:buAutoNum type="arabicPeriod"/>
             </a:pPr>
             <a:r>
-              <a:rPr lang="en-US" dirty="0" smtClean="0"/>
-              <a:t>Select sum </a:t>
-            </a:r>
+              <a:rPr lang="en-US" sz="2600" dirty="0" smtClean="0"/>
+              <a:t>Select </a:t>
+            </a:r>
+            <a:r>
+              <a:rPr lang="en-US" sz="2600" dirty="0" smtClean="0"/>
+              <a:t>sum</a:t>
+            </a:r>
+            <a:endParaRPr lang="en-US" sz="2600" dirty="0" smtClean="0"/>
           </a:p>
           <a:p>
             <a:pPr marL="514350" indent="-514350">
               <a:buFont typeface="+mj-lt"/>
               <a:buAutoNum type="arabicPeriod"/>
             </a:pPr>
-            <a:endParaRPr lang="en-US" dirty="0" smtClean="0"/>
-          </a:p>
-          <a:p>
-            <a:pPr marL="514350" indent="-514350">
-              <a:buFont typeface="+mj-lt"/>
-              <a:buAutoNum type="arabicPeriod"/>
-            </a:pPr>
-            <a:endParaRPr lang="en-US" dirty="0"/>
+            <a:endParaRPr lang="en-US" sz="2600" dirty="0"/>
           </a:p>
         </p:txBody>
       </p:sp>
@@ -9258,7 +9483,7 @@
               <a:buAutoNum type="arabicPeriod"/>
             </a:pPr>
             <a:r>
-              <a:rPr lang="en-US" dirty="0" smtClean="0"/>
+              <a:rPr lang="en-US" sz="2400" dirty="0" smtClean="0"/>
               <a:t>Click the Show Values as Tab</a:t>
             </a:r>
           </a:p>
@@ -9268,7 +9493,7 @@
               <a:buAutoNum type="arabicPeriod"/>
             </a:pPr>
             <a:r>
-              <a:rPr lang="en-US" dirty="0" smtClean="0"/>
+              <a:rPr lang="en-US" sz="2400" dirty="0" smtClean="0"/>
               <a:t>Click the dropdown next to “No Calculation”</a:t>
             </a:r>
           </a:p>
@@ -9278,7 +9503,7 @@
               <a:buAutoNum type="arabicPeriod"/>
             </a:pPr>
             <a:r>
-              <a:rPr lang="en-US" dirty="0" smtClean="0"/>
+              <a:rPr lang="en-US" sz="2400" dirty="0" smtClean="0"/>
               <a:t>Select % of Row Total</a:t>
             </a:r>
           </a:p>
@@ -9288,7 +9513,7 @@
               <a:buAutoNum type="arabicPeriod"/>
             </a:pPr>
             <a:r>
-              <a:rPr lang="en-US" dirty="0" smtClean="0"/>
+              <a:rPr lang="en-US" sz="2400" dirty="0" smtClean="0"/>
               <a:t>Sales are presented by percent and day</a:t>
             </a:r>
           </a:p>
@@ -9298,7 +9523,7 @@
               <a:buAutoNum type="arabicPeriod"/>
             </a:pPr>
             <a:r>
-              <a:rPr lang="en-US" dirty="0" smtClean="0"/>
+              <a:rPr lang="en-US" sz="2400" dirty="0" smtClean="0"/>
               <a:t>Click Field Settings again and go to Show Values as </a:t>
             </a:r>
           </a:p>
@@ -9308,7 +9533,7 @@
               <a:buAutoNum type="arabicPeriod"/>
             </a:pPr>
             <a:r>
-              <a:rPr lang="en-US" dirty="0" smtClean="0"/>
+              <a:rPr lang="en-US" sz="2400" dirty="0" smtClean="0"/>
               <a:t>Select % of Grand Total, click OK</a:t>
             </a:r>
           </a:p>
@@ -9318,7 +9543,7 @@
               <a:buAutoNum type="arabicPeriod"/>
             </a:pPr>
             <a:r>
-              <a:rPr lang="en-US" dirty="0" smtClean="0"/>
+              <a:rPr lang="en-US" sz="2400" dirty="0" smtClean="0"/>
               <a:t>Uncheck the Day box</a:t>
             </a:r>
           </a:p>
@@ -9328,7 +9553,7 @@
               <a:buAutoNum type="arabicPeriod"/>
             </a:pPr>
             <a:r>
-              <a:rPr lang="en-US" dirty="0" smtClean="0"/>
+              <a:rPr lang="en-US" sz="2400" dirty="0" smtClean="0"/>
               <a:t>Business as a percent of sales is displayed</a:t>
             </a:r>
           </a:p>
@@ -9471,7 +9696,7 @@
         <p:spPr/>
         <p:txBody>
           <a:bodyPr>
-            <a:normAutofit fontScale="92500" lnSpcReduction="10000"/>
+            <a:normAutofit/>
           </a:bodyPr>
           <a:lstStyle/>
           <a:p>
@@ -9480,7 +9705,7 @@
               <a:buAutoNum type="arabicPeriod"/>
             </a:pPr>
             <a:r>
-              <a:rPr lang="en-US" dirty="0" smtClean="0"/>
+              <a:rPr lang="en-US" sz="2400" dirty="0" smtClean="0"/>
               <a:t>Select A4:B7</a:t>
             </a:r>
           </a:p>
@@ -9490,7 +9715,7 @@
               <a:buAutoNum type="arabicPeriod"/>
             </a:pPr>
             <a:r>
-              <a:rPr lang="en-US" dirty="0" smtClean="0"/>
+              <a:rPr lang="en-US" sz="2400" dirty="0" smtClean="0"/>
               <a:t>Click the insert tab and in the Charts Group click the pie icon</a:t>
             </a:r>
           </a:p>
@@ -9500,7 +9725,7 @@
               <a:buAutoNum type="arabicPeriod"/>
             </a:pPr>
             <a:r>
-              <a:rPr lang="en-US" dirty="0" smtClean="0"/>
+              <a:rPr lang="en-US" sz="2400" dirty="0" smtClean="0"/>
               <a:t>Right click inside the chart</a:t>
             </a:r>
           </a:p>
@@ -9510,7 +9735,7 @@
               <a:buAutoNum type="arabicPeriod"/>
             </a:pPr>
             <a:r>
-              <a:rPr lang="en-US" dirty="0" smtClean="0"/>
+              <a:rPr lang="en-US" sz="2400" dirty="0" smtClean="0"/>
               <a:t>Select Add Data Labels and Add Data Callouts</a:t>
             </a:r>
           </a:p>
@@ -9520,7 +9745,7 @@
               <a:buAutoNum type="arabicPeriod"/>
             </a:pPr>
             <a:r>
-              <a:rPr lang="en-US" dirty="0" smtClean="0"/>
+              <a:rPr lang="en-US" sz="2400" dirty="0" smtClean="0"/>
               <a:t>Click on the legend then press delete</a:t>
             </a:r>
           </a:p>
@@ -9530,7 +9755,7 @@
               <a:buAutoNum type="arabicPeriod"/>
             </a:pPr>
             <a:r>
-              <a:rPr lang="en-US" dirty="0" smtClean="0"/>
+              <a:rPr lang="en-US" sz="2400" dirty="0" smtClean="0"/>
               <a:t>Click on the Chart title and type:</a:t>
             </a:r>
           </a:p>
@@ -9539,11 +9764,11 @@
               <a:buNone/>
             </a:pPr>
             <a:r>
-              <a:rPr lang="en-US" dirty="0"/>
+              <a:rPr lang="en-US" sz="2400" dirty="0"/>
               <a:t>	</a:t>
             </a:r>
             <a:r>
-              <a:rPr lang="en-US" dirty="0" smtClean="0"/>
+              <a:rPr lang="en-US" sz="2400" dirty="0" smtClean="0"/>
               <a:t>“Sales by Segment”</a:t>
             </a:r>
           </a:p>
@@ -9552,7 +9777,7 @@
               <a:buAutoNum type="arabicPeriod" startAt="7"/>
             </a:pPr>
             <a:r>
-              <a:rPr lang="en-US" dirty="0" smtClean="0"/>
+              <a:rPr lang="en-US" sz="2400" dirty="0" smtClean="0"/>
               <a:t>The chart can now be copy/pasted into </a:t>
             </a:r>
           </a:p>
@@ -9594,7 +9819,7 @@
         </p:blipFill>
         <p:spPr>
           <a:xfrm>
-            <a:off x="9567511" y="1195170"/>
+            <a:off x="9567511" y="1055470"/>
             <a:ext cx="1863240" cy="1113305"/>
           </a:xfrm>
           <a:prstGeom prst="rect">
@@ -9610,7 +9835,7 @@
         </p:nvCxnSpPr>
         <p:spPr>
           <a:xfrm flipH="1" flipV="1">
-            <a:off x="10607041" y="1966778"/>
+            <a:off x="10607041" y="1814378"/>
             <a:ext cx="438674" cy="683394"/>
           </a:xfrm>
           <a:prstGeom prst="straightConnector1">
@@ -9732,7 +9957,7 @@
         <p:spPr/>
         <p:txBody>
           <a:bodyPr>
-            <a:normAutofit fontScale="92500"/>
+            <a:normAutofit/>
           </a:bodyPr>
           <a:lstStyle/>
           <a:p>
@@ -9741,7 +9966,7 @@
               <a:buAutoNum type="arabicPeriod"/>
             </a:pPr>
             <a:r>
-              <a:rPr lang="en-US" dirty="0" smtClean="0"/>
+              <a:rPr lang="en-US" sz="2400" dirty="0" smtClean="0"/>
               <a:t>Clear all of the check boxes from the Pivot Table Fields pane</a:t>
             </a:r>
           </a:p>
@@ -9751,7 +9976,7 @@
               <a:buAutoNum type="arabicPeriod"/>
             </a:pPr>
             <a:r>
-              <a:rPr lang="en-US" dirty="0" smtClean="0"/>
+              <a:rPr lang="en-US" sz="2400" dirty="0" smtClean="0"/>
               <a:t>Click and drag Sale Date to the Rows area</a:t>
             </a:r>
           </a:p>
@@ -9761,7 +9986,7 @@
               <a:buAutoNum type="arabicPeriod"/>
             </a:pPr>
             <a:r>
-              <a:rPr lang="en-US" dirty="0" smtClean="0"/>
+              <a:rPr lang="en-US" sz="2400" dirty="0" smtClean="0"/>
               <a:t>Click and drag Business to the Columns area, and add Amount to Values</a:t>
             </a:r>
           </a:p>
@@ -9771,7 +9996,7 @@
               <a:buAutoNum type="arabicPeriod"/>
             </a:pPr>
             <a:r>
-              <a:rPr lang="en-US" dirty="0" smtClean="0"/>
+              <a:rPr lang="en-US" sz="2400" dirty="0" smtClean="0"/>
               <a:t>Copy A5:F29 and paste the data into a new sheet</a:t>
             </a:r>
           </a:p>
@@ -9781,7 +10006,7 @@
               <a:buAutoNum type="arabicPeriod"/>
             </a:pPr>
             <a:r>
-              <a:rPr lang="en-US" dirty="0" smtClean="0"/>
+              <a:rPr lang="en-US" sz="2400" dirty="0" smtClean="0"/>
               <a:t>Select A1:A25 and F1:F25 on the new sheet</a:t>
             </a:r>
           </a:p>
@@ -9791,7 +10016,7 @@
               <a:buAutoNum type="arabicPeriod"/>
             </a:pPr>
             <a:r>
-              <a:rPr lang="en-US" dirty="0" smtClean="0"/>
+              <a:rPr lang="en-US" sz="2400" dirty="0" smtClean="0"/>
               <a:t>From the Insert tab click the line chart icon and click the first option there</a:t>
             </a:r>
           </a:p>
@@ -9801,7 +10026,7 @@
               <a:buAutoNum type="arabicPeriod"/>
             </a:pPr>
             <a:r>
-              <a:rPr lang="en-US" dirty="0" smtClean="0"/>
+              <a:rPr lang="en-US" sz="2400" dirty="0" smtClean="0"/>
               <a:t>Click on the chart title and type “June Sales”</a:t>
             </a:r>
           </a:p>
@@ -9811,7 +10036,7 @@
               <a:buAutoNum type="arabicPeriod"/>
             </a:pPr>
             <a:r>
-              <a:rPr lang="en-US" dirty="0" smtClean="0"/>
+              <a:rPr lang="en-US" sz="2400" dirty="0" smtClean="0"/>
               <a:t>Notice the “spikes” on the chart…</a:t>
             </a:r>
           </a:p>
@@ -9952,8 +10177,8 @@
         </p:blipFill>
         <p:spPr>
           <a:xfrm>
-            <a:off x="2510743" y="1825625"/>
-            <a:ext cx="7170514" cy="4351338"/>
+            <a:off x="2510743" y="1728788"/>
+            <a:ext cx="7170513" cy="4351337"/>
           </a:xfrm>
           <a:prstGeom prst="rect">
             <a:avLst/>
@@ -10472,6 +10697,13 @@
   <p:clrMapOvr>
     <a:masterClrMapping/>
   </p:clrMapOvr>
+  <p:timing>
+    <p:tnLst>
+      <p:par>
+        <p:cTn id="1" dur="indefinite" restart="never" nodeType="tmRoot"/>
+      </p:par>
+    </p:tnLst>
+  </p:timing>
 </p:sld>
 </file>
 
@@ -10528,12 +10760,12 @@
         <p:spPr/>
         <p:txBody>
           <a:bodyPr>
-            <a:normAutofit lnSpcReduction="10000"/>
+            <a:normAutofit/>
           </a:bodyPr>
           <a:lstStyle/>
           <a:p>
             <a:r>
-              <a:rPr lang="en-US" dirty="0" smtClean="0"/>
+              <a:rPr lang="en-US" sz="2400" dirty="0" smtClean="0"/>
               <a:t>Editing the chart format</a:t>
             </a:r>
           </a:p>
@@ -10543,7 +10775,7 @@
               <a:buAutoNum type="arabicPeriod"/>
             </a:pPr>
             <a:r>
-              <a:rPr lang="en-US" dirty="0" smtClean="0"/>
+              <a:rPr lang="en-US" sz="2400" dirty="0" smtClean="0"/>
               <a:t>Click the chart to make it active </a:t>
             </a:r>
           </a:p>
@@ -10553,7 +10785,7 @@
               <a:buAutoNum type="arabicPeriod"/>
             </a:pPr>
             <a:r>
-              <a:rPr lang="en-US" dirty="0" smtClean="0"/>
+              <a:rPr lang="en-US" sz="2400" dirty="0" smtClean="0"/>
               <a:t>Notice the Design tab appears</a:t>
             </a:r>
           </a:p>
@@ -10563,7 +10795,7 @@
               <a:buAutoNum type="arabicPeriod"/>
             </a:pPr>
             <a:r>
-              <a:rPr lang="en-US" dirty="0" smtClean="0"/>
+              <a:rPr lang="en-US" sz="2400" dirty="0" smtClean="0"/>
               <a:t>Hover over several options in the Chart Styles group to live preview several options</a:t>
             </a:r>
           </a:p>
@@ -10573,7 +10805,7 @@
               <a:buAutoNum type="arabicPeriod"/>
             </a:pPr>
             <a:r>
-              <a:rPr lang="en-US" dirty="0" smtClean="0"/>
+              <a:rPr lang="en-US" sz="2400" dirty="0" smtClean="0"/>
               <a:t>Click to choose an option you like</a:t>
             </a:r>
           </a:p>
@@ -10583,7 +10815,7 @@
               <a:buAutoNum type="arabicPeriod"/>
             </a:pPr>
             <a:r>
-              <a:rPr lang="en-US" dirty="0" smtClean="0"/>
+              <a:rPr lang="en-US" sz="2400" dirty="0" smtClean="0"/>
               <a:t>Right click over the y-axis and select Format Axis</a:t>
             </a:r>
           </a:p>
@@ -10593,7 +10825,7 @@
               <a:buAutoNum type="arabicPeriod"/>
             </a:pPr>
             <a:r>
-              <a:rPr lang="en-US" dirty="0" smtClean="0"/>
+              <a:rPr lang="en-US" sz="2400" dirty="0" smtClean="0"/>
               <a:t>Change the Minimum to 500 and the Major Units to 250</a:t>
             </a:r>
           </a:p>
@@ -10603,10 +10835,10 @@
               <a:buAutoNum type="arabicPeriod"/>
             </a:pPr>
             <a:r>
-              <a:rPr lang="en-US" dirty="0" smtClean="0"/>
+              <a:rPr lang="en-US" sz="2400" dirty="0" smtClean="0"/>
               <a:t>Close the Format Pane </a:t>
             </a:r>
-            <a:endParaRPr lang="en-US" dirty="0"/>
+            <a:endParaRPr lang="en-US" sz="2400" dirty="0"/>
           </a:p>
         </p:txBody>
       </p:sp>
@@ -10614,6 +10846,126 @@
     <p:extLst>
       <p:ext uri="{BB962C8B-B14F-4D97-AF65-F5344CB8AC3E}">
         <p14:creationId xmlns:p14="http://schemas.microsoft.com/office/powerpoint/2010/main" val="2008499298"/>
+      </p:ext>
+    </p:extLst>
+  </p:cSld>
+  <p:clrMapOvr>
+    <a:masterClrMapping/>
+  </p:clrMapOvr>
+  <p:timing>
+    <p:tnLst>
+      <p:par>
+        <p:cTn id="1" dur="indefinite" restart="never" nodeType="tmRoot"/>
+      </p:par>
+    </p:tnLst>
+  </p:timing>
+</p:sld>
+</file>
+
+<file path=ppt/slides/slide41.xml><?xml version="1.0" encoding="utf-8"?>
+<p:sld xmlns:a="http://schemas.openxmlformats.org/drawingml/2006/main" xmlns:r="http://schemas.openxmlformats.org/officeDocument/2006/relationships" xmlns:p="http://schemas.openxmlformats.org/presentationml/2006/main">
+  <p:cSld>
+    <p:spTree>
+      <p:nvGrpSpPr>
+        <p:cNvPr id="1" name=""/>
+        <p:cNvGrpSpPr/>
+        <p:nvPr/>
+      </p:nvGrpSpPr>
+      <p:grpSpPr>
+        <a:xfrm>
+          <a:off x="0" y="0"/>
+          <a:ext cx="0" cy="0"/>
+          <a:chOff x="0" y="0"/>
+          <a:chExt cx="0" cy="0"/>
+        </a:xfrm>
+      </p:grpSpPr>
+      <p:sp>
+        <p:nvSpPr>
+          <p:cNvPr id="4" name="Title 3"/>
+          <p:cNvSpPr>
+            <a:spLocks noGrp="1"/>
+          </p:cNvSpPr>
+          <p:nvPr>
+            <p:ph type="ctrTitle"/>
+          </p:nvPr>
+        </p:nvSpPr>
+        <p:spPr>
+          <a:xfrm>
+            <a:off x="515836" y="1395379"/>
+            <a:ext cx="10836613" cy="1778439"/>
+          </a:xfrm>
+        </p:spPr>
+        <p:txBody>
+          <a:bodyPr/>
+          <a:lstStyle/>
+          <a:p>
+            <a:r>
+              <a:rPr lang="en-US" sz="9600" smtClean="0"/>
+              <a:t>Thank </a:t>
+            </a:r>
+            <a:r>
+              <a:rPr lang="en-US" sz="9600" smtClean="0"/>
+              <a:t>you!</a:t>
+            </a:r>
+            <a:endParaRPr lang="en-US" sz="9600" dirty="0"/>
+          </a:p>
+        </p:txBody>
+      </p:sp>
+      <p:sp>
+        <p:nvSpPr>
+          <p:cNvPr id="5" name="Subtitle 4"/>
+          <p:cNvSpPr>
+            <a:spLocks noGrp="1"/>
+          </p:cNvSpPr>
+          <p:nvPr>
+            <p:ph type="subTitle" idx="4294967295"/>
+          </p:nvPr>
+        </p:nvSpPr>
+        <p:spPr>
+          <a:xfrm>
+            <a:off x="0" y="3602038"/>
+            <a:ext cx="9144000" cy="1655762"/>
+          </a:xfrm>
+        </p:spPr>
+        <p:txBody>
+          <a:bodyPr/>
+          <a:lstStyle/>
+          <a:p>
+            <a:r>
+              <a:rPr lang="en-US" dirty="0" smtClean="0">
+                <a:hlinkClick r:id="rId2"/>
+              </a:rPr>
+              <a:t>matt.macarty@gmail.com</a:t>
+            </a:r>
+            <a:endParaRPr lang="en-US" dirty="0" smtClean="0"/>
+          </a:p>
+          <a:p>
+            <a:r>
+              <a:rPr lang="en-US" dirty="0" smtClean="0">
+                <a:hlinkClick r:id="rId3"/>
+              </a:rPr>
+              <a:t>http://youtube.com/user/mjmacarty</a:t>
+            </a:r>
+            <a:endParaRPr lang="en-US" dirty="0" smtClean="0"/>
+          </a:p>
+          <a:p>
+            <a:r>
+              <a:rPr lang="en-US" smtClean="0">
+                <a:hlinkClick r:id="rId4"/>
+              </a:rPr>
+              <a:t>http://alphabench.com</a:t>
+            </a:r>
+            <a:endParaRPr lang="en-US" smtClean="0"/>
+          </a:p>
+          <a:p>
+            <a:endParaRPr lang="en-US" dirty="0"/>
+          </a:p>
+        </p:txBody>
+      </p:sp>
+    </p:spTree>
+    <p:extLst>
+      <p:ext uri="{BB962C8B-B14F-4D97-AF65-F5344CB8AC3E}">
+        <p14:creationId xmlns:p14="http://schemas.microsoft.com/office/powerpoint/2010/main" val="2902351689"/>
       </p:ext>
     </p:extLst>
   </p:cSld>
@@ -10690,7 +11042,7 @@
               <a:buAutoNum type="arabicPeriod"/>
             </a:pPr>
             <a:r>
-              <a:rPr lang="en-US" dirty="0" smtClean="0"/>
+              <a:rPr lang="en-US" sz="2400" dirty="0" smtClean="0"/>
               <a:t>Click the drop down menu on the right side of the quick access toolbar</a:t>
             </a:r>
           </a:p>
@@ -10700,7 +11052,7 @@
               <a:buAutoNum type="arabicPeriod"/>
             </a:pPr>
             <a:r>
-              <a:rPr lang="en-US" dirty="0" smtClean="0"/>
+              <a:rPr lang="en-US" sz="2400" dirty="0" smtClean="0"/>
               <a:t>Select desired command</a:t>
             </a:r>
           </a:p>
@@ -10710,7 +11062,7 @@
               <a:buAutoNum type="arabicPeriod"/>
             </a:pPr>
             <a:r>
-              <a:rPr lang="en-US" dirty="0" smtClean="0"/>
+              <a:rPr lang="en-US" sz="2400" dirty="0" smtClean="0"/>
               <a:t>Repeat as needed to customize your menu</a:t>
             </a:r>
           </a:p>
@@ -10720,7 +11072,7 @@
               <a:buAutoNum type="arabicPeriod"/>
             </a:pPr>
             <a:r>
-              <a:rPr lang="en-US" dirty="0" smtClean="0"/>
+              <a:rPr lang="en-US" sz="2400" dirty="0" smtClean="0"/>
               <a:t>Click More commands… near the bottom if what you want isn’t listed by default</a:t>
             </a:r>
           </a:p>
@@ -10749,7 +11101,7 @@
         </p:blipFill>
         <p:spPr>
           <a:xfrm>
-            <a:off x="7550467" y="2335029"/>
+            <a:off x="7525067" y="3981615"/>
             <a:ext cx="2943225" cy="628650"/>
           </a:xfrm>
           <a:prstGeom prst="rect">
@@ -10765,7 +11117,7 @@
         </p:nvCxnSpPr>
         <p:spPr>
           <a:xfrm flipH="1">
-            <a:off x="9413507" y="2319688"/>
+            <a:off x="9476881" y="3981615"/>
             <a:ext cx="1434165" cy="192506"/>
           </a:xfrm>
           <a:prstGeom prst="straightConnector1">
@@ -10803,6 +11155,13 @@
   <p:clrMapOvr>
     <a:masterClrMapping/>
   </p:clrMapOvr>
+  <p:timing>
+    <p:tnLst>
+      <p:par>
+        <p:cTn id="1" dur="indefinite" restart="never" nodeType="tmRoot"/>
+      </p:par>
+    </p:tnLst>
+  </p:timing>
 </p:sld>
 </file>
 
@@ -10864,23 +11223,23 @@
           <a:lstStyle/>
           <a:p>
             <a:r>
-              <a:rPr lang="en-US" dirty="0" smtClean="0"/>
-              <a:t>We are going to start by using some common techniques to model a problem, in our case the problem is how much revenue can be generated by growing a lot of corn: Open the file: </a:t>
-            </a:r>
-            <a:r>
-              <a:rPr lang="en-US" b="1" i="1" dirty="0" smtClean="0"/>
+              <a:rPr lang="en-US" sz="2600" dirty="0" smtClean="0"/>
+              <a:t>We are going to start by using some common techniques to model a problem, in our case the problem is how much revenue can be generated by growing a lot of soybeans: Open the file: </a:t>
+            </a:r>
+            <a:r>
+              <a:rPr lang="en-US" sz="2600" b="1" i="1" dirty="0" smtClean="0"/>
               <a:t>Beans.xlsx</a:t>
             </a:r>
           </a:p>
           <a:p>
             <a:r>
-              <a:rPr lang="en-US" dirty="0" smtClean="0"/>
+              <a:rPr lang="en-US" sz="2600" dirty="0" smtClean="0"/>
               <a:t>We are told that the farm has 150 acres available to plant</a:t>
             </a:r>
           </a:p>
           <a:p>
             <a:r>
-              <a:rPr lang="en-US" dirty="0" smtClean="0"/>
+              <a:rPr lang="en-US" sz="2600" dirty="0" smtClean="0"/>
               <a:t>They will estimate a full 150 acre crop using a test field with the following dimensions:</a:t>
             </a:r>
           </a:p>
@@ -10909,7 +11268,7 @@
             <a:pPr lvl="1"/>
             <a:r>
               <a:rPr lang="en-US" dirty="0" smtClean="0"/>
-              <a:t>Moisture content was 15.5%</a:t>
+              <a:t>Moisture content was 16.5%</a:t>
             </a:r>
           </a:p>
           <a:p>
@@ -10939,6 +11298,13 @@
   <p:clrMapOvr>
     <a:masterClrMapping/>
   </p:clrMapOvr>
+  <p:timing>
+    <p:tnLst>
+      <p:par>
+        <p:cTn id="1" dur="indefinite" restart="never" nodeType="tmRoot"/>
+      </p:par>
+    </p:tnLst>
+  </p:timing>
 </p:sld>
 </file>
 
@@ -10994,38 +11360,40 @@
         </p:nvSpPr>
         <p:spPr/>
         <p:txBody>
-          <a:bodyPr/>
-          <a:lstStyle/>
-          <a:p>
-            <a:r>
-              <a:rPr lang="en-US" dirty="0" smtClean="0"/>
+          <a:bodyPr>
+            <a:normAutofit/>
+          </a:bodyPr>
+          <a:lstStyle/>
+          <a:p>
+            <a:r>
+              <a:rPr lang="en-US" sz="2400" dirty="0" smtClean="0"/>
               <a:t>Spreadsheets are dynamic communication tools</a:t>
             </a:r>
           </a:p>
           <a:p>
             <a:r>
-              <a:rPr lang="en-US" dirty="0" smtClean="0"/>
+              <a:rPr lang="en-US" sz="2400" dirty="0" smtClean="0"/>
               <a:t>You may not be the end user of your work </a:t>
             </a:r>
           </a:p>
           <a:p>
             <a:r>
-              <a:rPr lang="en-US" dirty="0" smtClean="0"/>
+              <a:rPr lang="en-US" sz="2400" dirty="0" smtClean="0"/>
               <a:t>Ease of understanding and use should be one of the goals</a:t>
             </a:r>
           </a:p>
           <a:p>
             <a:r>
-              <a:rPr lang="en-US" dirty="0" smtClean="0"/>
+              <a:rPr lang="en-US" sz="2400" dirty="0" smtClean="0"/>
               <a:t>We will use cell references in our calculations to promote ease of use and “advertised” correctness</a:t>
             </a:r>
           </a:p>
           <a:p>
             <a:r>
-              <a:rPr lang="en-US" dirty="0" smtClean="0"/>
+              <a:rPr lang="en-US" sz="2400" dirty="0" smtClean="0"/>
               <a:t>We will use cell colors and other formatting to signal to the spreadsheet consumer where it is “OK” to change values and which cells contain calculations</a:t>
             </a:r>
-            <a:endParaRPr lang="en-US" dirty="0"/>
+            <a:endParaRPr lang="en-US" sz="2400" dirty="0"/>
           </a:p>
         </p:txBody>
       </p:sp>
@@ -11039,6 +11407,13 @@
   <p:clrMapOvr>
     <a:masterClrMapping/>
   </p:clrMapOvr>
+  <p:timing>
+    <p:tnLst>
+      <p:par>
+        <p:cTn id="1" dur="indefinite" restart="never" nodeType="tmRoot"/>
+      </p:par>
+    </p:tnLst>
+  </p:timing>
 </p:sld>
 </file>
 
@@ -11100,13 +11475,13 @@
           <a:lstStyle/>
           <a:p>
             <a:r>
-              <a:rPr lang="en-US" dirty="0" smtClean="0"/>
+              <a:rPr lang="en-US" sz="2600" dirty="0" smtClean="0"/>
               <a:t>Excel has a number pre-defined cell styles</a:t>
             </a:r>
           </a:p>
           <a:p>
             <a:r>
-              <a:rPr lang="en-US" dirty="0" smtClean="0"/>
+              <a:rPr lang="en-US" sz="2600" dirty="0" smtClean="0"/>
               <a:t>Cell styles can be accessed from the Styles group on the Home tab</a:t>
             </a:r>
           </a:p>
@@ -11118,7 +11493,7 @@
           </a:p>
           <a:p>
             <a:r>
-              <a:rPr lang="en-US" dirty="0" smtClean="0"/>
+              <a:rPr lang="en-US" sz="2400" dirty="0" smtClean="0"/>
               <a:t>In addition to pre-defined styles, you can create custom styles</a:t>
             </a:r>
           </a:p>
@@ -11149,7 +11524,6 @@
               <a:rPr lang="en-US" dirty="0" smtClean="0"/>
               <a:t>Then click OK again to save the style</a:t>
             </a:r>
-            <a:endParaRPr lang="en-US" dirty="0" smtClean="0"/>
           </a:p>
           <a:p>
             <a:endParaRPr lang="en-US" dirty="0" smtClean="0"/>
@@ -11226,6 +11600,13 @@
   <p:clrMapOvr>
     <a:masterClrMapping/>
   </p:clrMapOvr>
+  <p:timing>
+    <p:tnLst>
+      <p:par>
+        <p:cTn id="1" dur="indefinite" restart="never" nodeType="tmRoot"/>
+      </p:par>
+    </p:tnLst>
+  </p:timing>
 </p:sld>
 </file>
 
@@ -11282,12 +11663,12 @@
         <p:spPr/>
         <p:txBody>
           <a:bodyPr>
-            <a:normAutofit lnSpcReduction="10000"/>
+            <a:normAutofit/>
           </a:bodyPr>
           <a:lstStyle/>
           <a:p>
             <a:r>
-              <a:rPr lang="en-US" dirty="0" smtClean="0"/>
+              <a:rPr lang="en-US" sz="2400" dirty="0" smtClean="0"/>
               <a:t>Cells can be selected singly, in a range or over several ranges</a:t>
             </a:r>
           </a:p>
@@ -11297,7 +11678,7 @@
               <a:buAutoNum type="arabicPeriod"/>
             </a:pPr>
             <a:r>
-              <a:rPr lang="en-US" dirty="0" smtClean="0"/>
+              <a:rPr lang="en-US" sz="2400" dirty="0" smtClean="0"/>
               <a:t>Click on click B4 to select it</a:t>
             </a:r>
           </a:p>
@@ -11307,7 +11688,7 @@
               <a:buAutoNum type="arabicPeriod"/>
             </a:pPr>
             <a:r>
-              <a:rPr lang="en-US" dirty="0" smtClean="0"/>
+              <a:rPr lang="en-US" sz="2400" dirty="0" smtClean="0"/>
               <a:t>Hold the Ctrl or Command key </a:t>
             </a:r>
           </a:p>
@@ -11317,7 +11698,7 @@
               <a:buAutoNum type="arabicPeriod"/>
             </a:pPr>
             <a:r>
-              <a:rPr lang="en-US" dirty="0" smtClean="0"/>
+              <a:rPr lang="en-US" sz="2400" dirty="0" smtClean="0"/>
               <a:t>Click and drag cells B7:B9</a:t>
             </a:r>
           </a:p>
@@ -11327,15 +11708,15 @@
               <a:buAutoNum type="arabicPeriod"/>
             </a:pPr>
             <a:r>
-              <a:rPr lang="en-US" dirty="0" smtClean="0"/>
+              <a:rPr lang="en-US" sz="2400" dirty="0" smtClean="0"/>
               <a:t> </a:t>
             </a:r>
             <a:r>
-              <a:rPr lang="en-US" dirty="0"/>
+              <a:rPr lang="en-US" sz="2400" dirty="0"/>
               <a:t>C</a:t>
             </a:r>
             <a:r>
-              <a:rPr lang="en-US" dirty="0" smtClean="0"/>
+              <a:rPr lang="en-US" sz="2400" dirty="0" smtClean="0"/>
               <a:t>lick and drag B13:B14</a:t>
             </a:r>
           </a:p>
@@ -11345,7 +11726,7 @@
               <a:buAutoNum type="arabicPeriod"/>
             </a:pPr>
             <a:r>
-              <a:rPr lang="en-US" dirty="0" smtClean="0"/>
+              <a:rPr lang="en-US" sz="2400" dirty="0" smtClean="0"/>
               <a:t>Click B19, then Click and drag E7:E10</a:t>
             </a:r>
           </a:p>
@@ -11355,7 +11736,7 @@
               <a:buAutoNum type="arabicPeriod"/>
             </a:pPr>
             <a:r>
-              <a:rPr lang="en-US" dirty="0" smtClean="0"/>
+              <a:rPr lang="en-US" sz="2400" dirty="0" smtClean="0"/>
               <a:t>Click the Cell styles button and select Input</a:t>
             </a:r>
           </a:p>
@@ -11365,7 +11746,7 @@
               <a:buAutoNum type="arabicPeriod"/>
             </a:pPr>
             <a:r>
-              <a:rPr lang="en-US" dirty="0" smtClean="0"/>
+              <a:rPr lang="en-US" sz="2400" dirty="0" smtClean="0"/>
               <a:t>Repeat the selection procedure for B10, B15:B16, B20:B21, B23</a:t>
             </a:r>
           </a:p>
@@ -11375,7 +11756,7 @@
               <a:buAutoNum type="arabicPeriod"/>
             </a:pPr>
             <a:r>
-              <a:rPr lang="en-US" dirty="0" smtClean="0"/>
+              <a:rPr lang="en-US" sz="2400" dirty="0" smtClean="0"/>
               <a:t>Use Cell styles to format these cells as Calculation</a:t>
             </a:r>
           </a:p>
@@ -11398,11 +11779,18 @@
   <p:clrMapOvr>
     <a:masterClrMapping/>
   </p:clrMapOvr>
+  <p:timing>
+    <p:tnLst>
+      <p:par>
+        <p:cTn id="1" dur="indefinite" restart="never" nodeType="tmRoot"/>
+      </p:par>
+    </p:tnLst>
+  </p:timing>
 </p:sld>
 </file>
 
 <file path=ppt/theme/theme1.xml><?xml version="1.0" encoding="utf-8"?>
-<a:theme xmlns:a="http://schemas.openxmlformats.org/drawingml/2006/main" name="Office Theme">
+<a:theme xmlns:a="http://schemas.openxmlformats.org/drawingml/2006/main" name="MyGA">
   <a:themeElements>
     <a:clrScheme name="Office">
       <a:dk1>
@@ -11447,9 +11835,9 @@
         <a:latin typeface="Calibri Light" panose="020F0302020204030204"/>
         <a:ea typeface=""/>
         <a:cs typeface=""/>
-        <a:font script="Jpan" typeface="游ゴシック Light"/>
+        <a:font script="Jpan" typeface="Yu Gothic Light"/>
         <a:font script="Hang" typeface="맑은 고딕"/>
-        <a:font script="Hans" typeface="等线 Light"/>
+        <a:font script="Hans" typeface="DengXian Light"/>
         <a:font script="Hant" typeface="新細明體"/>
         <a:font script="Arab" typeface="Times New Roman"/>
         <a:font script="Hebr" typeface="Times New Roman"/>
@@ -11482,9 +11870,9 @@
         <a:latin typeface="Calibri" panose="020F0502020204030204"/>
         <a:ea typeface=""/>
         <a:cs typeface=""/>
-        <a:font script="Jpan" typeface="游ゴシック"/>
+        <a:font script="Jpan" typeface="Yu Gothic"/>
         <a:font script="Hang" typeface="맑은 고딕"/>
-        <a:font script="Hans" typeface="等线"/>
+        <a:font script="Hans" typeface="DengXian"/>
         <a:font script="Hant" typeface="新細明體"/>
         <a:font script="Arab" typeface="Arial"/>
         <a:font script="Hebr" typeface="Arial"/>
@@ -11656,7 +12044,7 @@
   <a:extraClrSchemeLst/>
   <a:extLst>
     <a:ext uri="{05A4C25C-085E-4340-85A3-A5531E510DB2}">
-      <thm15:themeFamily xmlns:thm15="http://schemas.microsoft.com/office/thememl/2012/main" name="Office Theme" id="{62F939B6-93AF-4DB8-9C6B-D6C7DFDC589F}" vid="{4A3C46E8-61CC-4603-A589-7422A47A8E4A}"/>
+      <thm15:themeFamily xmlns:thm15="http://schemas.microsoft.com/office/thememl/2012/main" name="MyGA" id="{485D35E8-F1D8-C64B-BB87-277361F52C32}" vid="{75878F22-1456-0C4D-B744-813467D7C250}"/>
     </a:ext>
   </a:extLst>
 </a:theme>
